--- a/tce/doc/man/TCE/epssrc/tce_tutorial_figures.pptx
+++ b/tce/doc/man/TCE/epssrc/tce_tutorial_figures.pptx
@@ -4,9 +4,13 @@
   <p:sldMasterIdLst>
     <p:sldMasterId id="2147483648" r:id="rId1"/>
   </p:sldMasterIdLst>
+  <p:notesMasterIdLst>
+    <p:notesMasterId r:id="rId5"/>
+  </p:notesMasterIdLst>
   <p:sldIdLst>
     <p:sldId id="256" r:id="rId2"/>
     <p:sldId id="257" r:id="rId3"/>
+    <p:sldId id="258" r:id="rId4"/>
   </p:sldIdLst>
   <p:sldSz cx="9144000" cy="6858000" type="screen4x3"/>
   <p:notesSz cx="6794500" cy="9931400"/>
@@ -108,6 +112,597 @@
 </p:presentation>
 </file>
 
+<file path=ppt/notesMasters/notesMaster1.xml><?xml version="1.0" encoding="utf-8"?>
+<p:notesMaster xmlns:a="http://schemas.openxmlformats.org/drawingml/2006/main" xmlns:r="http://schemas.openxmlformats.org/officeDocument/2006/relationships" xmlns:p="http://schemas.openxmlformats.org/presentationml/2006/main">
+  <p:cSld>
+    <p:bg>
+      <p:bgRef idx="1001">
+        <a:schemeClr val="bg1"/>
+      </p:bgRef>
+    </p:bg>
+    <p:spTree>
+      <p:nvGrpSpPr>
+        <p:cNvPr id="1" name=""/>
+        <p:cNvGrpSpPr/>
+        <p:nvPr/>
+      </p:nvGrpSpPr>
+      <p:grpSpPr>
+        <a:xfrm>
+          <a:off x="0" y="0"/>
+          <a:ext cx="0" cy="0"/>
+          <a:chOff x="0" y="0"/>
+          <a:chExt cx="0" cy="0"/>
+        </a:xfrm>
+      </p:grpSpPr>
+      <p:sp>
+        <p:nvSpPr>
+          <p:cNvPr id="2" name="Header Placeholder 1"/>
+          <p:cNvSpPr>
+            <a:spLocks noGrp="1"/>
+          </p:cNvSpPr>
+          <p:nvPr>
+            <p:ph type="hdr" sz="quarter"/>
+          </p:nvPr>
+        </p:nvSpPr>
+        <p:spPr>
+          <a:xfrm>
+            <a:off x="0" y="0"/>
+            <a:ext cx="2944813" cy="496888"/>
+          </a:xfrm>
+          <a:prstGeom prst="rect">
+            <a:avLst/>
+          </a:prstGeom>
+        </p:spPr>
+        <p:txBody>
+          <a:bodyPr vert="horz" lIns="91440" tIns="45720" rIns="91440" bIns="45720" rtlCol="0"/>
+          <a:lstStyle>
+            <a:lvl1pPr algn="l">
+              <a:defRPr sz="1200"/>
+            </a:lvl1pPr>
+          </a:lstStyle>
+          <a:p>
+            <a:endParaRPr lang="en-US"/>
+          </a:p>
+        </p:txBody>
+      </p:sp>
+      <p:sp>
+        <p:nvSpPr>
+          <p:cNvPr id="3" name="Date Placeholder 2"/>
+          <p:cNvSpPr>
+            <a:spLocks noGrp="1"/>
+          </p:cNvSpPr>
+          <p:nvPr>
+            <p:ph type="dt" idx="1"/>
+          </p:nvPr>
+        </p:nvSpPr>
+        <p:spPr>
+          <a:xfrm>
+            <a:off x="3848100" y="0"/>
+            <a:ext cx="2944813" cy="496888"/>
+          </a:xfrm>
+          <a:prstGeom prst="rect">
+            <a:avLst/>
+          </a:prstGeom>
+        </p:spPr>
+        <p:txBody>
+          <a:bodyPr vert="horz" lIns="91440" tIns="45720" rIns="91440" bIns="45720" rtlCol="0"/>
+          <a:lstStyle>
+            <a:lvl1pPr algn="r">
+              <a:defRPr sz="1200"/>
+            </a:lvl1pPr>
+          </a:lstStyle>
+          <a:p>
+            <a:fld id="{3A82C7EC-3572-41C0-A2DF-E716D2BAA07B}" type="datetimeFigureOut">
+              <a:rPr lang="en-US" smtClean="0"/>
+              <a:t>12/18/2012</a:t>
+            </a:fld>
+            <a:endParaRPr lang="en-US"/>
+          </a:p>
+        </p:txBody>
+      </p:sp>
+      <p:sp>
+        <p:nvSpPr>
+          <p:cNvPr id="4" name="Slide Image Placeholder 3"/>
+          <p:cNvSpPr>
+            <a:spLocks noGrp="1" noRot="1" noChangeAspect="1"/>
+          </p:cNvSpPr>
+          <p:nvPr>
+            <p:ph type="sldImg" idx="2"/>
+          </p:nvPr>
+        </p:nvSpPr>
+        <p:spPr>
+          <a:xfrm>
+            <a:off x="914400" y="744538"/>
+            <a:ext cx="4965700" cy="3724275"/>
+          </a:xfrm>
+          <a:prstGeom prst="rect">
+            <a:avLst/>
+          </a:prstGeom>
+          <a:noFill/>
+          <a:ln w="12700">
+            <a:solidFill>
+              <a:prstClr val="black"/>
+            </a:solidFill>
+          </a:ln>
+        </p:spPr>
+        <p:txBody>
+          <a:bodyPr vert="horz" lIns="91440" tIns="45720" rIns="91440" bIns="45720" rtlCol="0" anchor="ctr"/>
+          <a:lstStyle/>
+          <a:p>
+            <a:endParaRPr lang="en-US"/>
+          </a:p>
+        </p:txBody>
+      </p:sp>
+      <p:sp>
+        <p:nvSpPr>
+          <p:cNvPr id="5" name="Notes Placeholder 4"/>
+          <p:cNvSpPr>
+            <a:spLocks noGrp="1"/>
+          </p:cNvSpPr>
+          <p:nvPr>
+            <p:ph type="body" sz="quarter" idx="3"/>
+          </p:nvPr>
+        </p:nvSpPr>
+        <p:spPr>
+          <a:xfrm>
+            <a:off x="679450" y="4718050"/>
+            <a:ext cx="5435600" cy="4468813"/>
+          </a:xfrm>
+          <a:prstGeom prst="rect">
+            <a:avLst/>
+          </a:prstGeom>
+        </p:spPr>
+        <p:txBody>
+          <a:bodyPr vert="horz" lIns="91440" tIns="45720" rIns="91440" bIns="45720" rtlCol="0"/>
+          <a:lstStyle/>
+          <a:p>
+            <a:pPr lvl="0"/>
+            <a:r>
+              <a:rPr lang="en-US" smtClean="0"/>
+              <a:t>Click to edit Master text styles</a:t>
+            </a:r>
+          </a:p>
+          <a:p>
+            <a:pPr lvl="1"/>
+            <a:r>
+              <a:rPr lang="en-US" smtClean="0"/>
+              <a:t>Second level</a:t>
+            </a:r>
+          </a:p>
+          <a:p>
+            <a:pPr lvl="2"/>
+            <a:r>
+              <a:rPr lang="en-US" smtClean="0"/>
+              <a:t>Third level</a:t>
+            </a:r>
+          </a:p>
+          <a:p>
+            <a:pPr lvl="3"/>
+            <a:r>
+              <a:rPr lang="en-US" smtClean="0"/>
+              <a:t>Fourth level</a:t>
+            </a:r>
+          </a:p>
+          <a:p>
+            <a:pPr lvl="4"/>
+            <a:r>
+              <a:rPr lang="en-US" smtClean="0"/>
+              <a:t>Fifth level</a:t>
+            </a:r>
+            <a:endParaRPr lang="en-US"/>
+          </a:p>
+        </p:txBody>
+      </p:sp>
+      <p:sp>
+        <p:nvSpPr>
+          <p:cNvPr id="6" name="Footer Placeholder 5"/>
+          <p:cNvSpPr>
+            <a:spLocks noGrp="1"/>
+          </p:cNvSpPr>
+          <p:nvPr>
+            <p:ph type="ftr" sz="quarter" idx="4"/>
+          </p:nvPr>
+        </p:nvSpPr>
+        <p:spPr>
+          <a:xfrm>
+            <a:off x="0" y="9432925"/>
+            <a:ext cx="2944813" cy="496888"/>
+          </a:xfrm>
+          <a:prstGeom prst="rect">
+            <a:avLst/>
+          </a:prstGeom>
+        </p:spPr>
+        <p:txBody>
+          <a:bodyPr vert="horz" lIns="91440" tIns="45720" rIns="91440" bIns="45720" rtlCol="0" anchor="b"/>
+          <a:lstStyle>
+            <a:lvl1pPr algn="l">
+              <a:defRPr sz="1200"/>
+            </a:lvl1pPr>
+          </a:lstStyle>
+          <a:p>
+            <a:endParaRPr lang="en-US"/>
+          </a:p>
+        </p:txBody>
+      </p:sp>
+      <p:sp>
+        <p:nvSpPr>
+          <p:cNvPr id="7" name="Slide Number Placeholder 6"/>
+          <p:cNvSpPr>
+            <a:spLocks noGrp="1"/>
+          </p:cNvSpPr>
+          <p:nvPr>
+            <p:ph type="sldNum" sz="quarter" idx="5"/>
+          </p:nvPr>
+        </p:nvSpPr>
+        <p:spPr>
+          <a:xfrm>
+            <a:off x="3848100" y="9432925"/>
+            <a:ext cx="2944813" cy="496888"/>
+          </a:xfrm>
+          <a:prstGeom prst="rect">
+            <a:avLst/>
+          </a:prstGeom>
+        </p:spPr>
+        <p:txBody>
+          <a:bodyPr vert="horz" lIns="91440" tIns="45720" rIns="91440" bIns="45720" rtlCol="0" anchor="b"/>
+          <a:lstStyle>
+            <a:lvl1pPr algn="r">
+              <a:defRPr sz="1200"/>
+            </a:lvl1pPr>
+          </a:lstStyle>
+          <a:p>
+            <a:fld id="{C2182889-0E93-4263-9472-C7A9C3252E8E}" type="slidenum">
+              <a:rPr lang="en-US" smtClean="0"/>
+              <a:t>‹#›</a:t>
+            </a:fld>
+            <a:endParaRPr lang="en-US"/>
+          </a:p>
+        </p:txBody>
+      </p:sp>
+    </p:spTree>
+    <p:extLst>
+      <p:ext uri="{BB962C8B-B14F-4D97-AF65-F5344CB8AC3E}">
+        <p14:creationId xmlns:p14="http://schemas.microsoft.com/office/powerpoint/2010/main" val="3305696911"/>
+      </p:ext>
+    </p:extLst>
+  </p:cSld>
+  <p:clrMap bg1="lt1" tx1="dk1" bg2="lt2" tx2="dk2" accent1="accent1" accent2="accent2" accent3="accent3" accent4="accent4" accent5="accent5" accent6="accent6" hlink="hlink" folHlink="folHlink"/>
+  <p:notesStyle>
+    <a:lvl1pPr marL="0" algn="l" defTabSz="914400" rtl="0" eaLnBrk="1" latinLnBrk="0" hangingPunct="1">
+      <a:defRPr sz="1200" kern="1200">
+        <a:solidFill>
+          <a:schemeClr val="tx1"/>
+        </a:solidFill>
+        <a:latin typeface="+mn-lt"/>
+        <a:ea typeface="+mn-ea"/>
+        <a:cs typeface="+mn-cs"/>
+      </a:defRPr>
+    </a:lvl1pPr>
+    <a:lvl2pPr marL="457200" algn="l" defTabSz="914400" rtl="0" eaLnBrk="1" latinLnBrk="0" hangingPunct="1">
+      <a:defRPr sz="1200" kern="1200">
+        <a:solidFill>
+          <a:schemeClr val="tx1"/>
+        </a:solidFill>
+        <a:latin typeface="+mn-lt"/>
+        <a:ea typeface="+mn-ea"/>
+        <a:cs typeface="+mn-cs"/>
+      </a:defRPr>
+    </a:lvl2pPr>
+    <a:lvl3pPr marL="914400" algn="l" defTabSz="914400" rtl="0" eaLnBrk="1" latinLnBrk="0" hangingPunct="1">
+      <a:defRPr sz="1200" kern="1200">
+        <a:solidFill>
+          <a:schemeClr val="tx1"/>
+        </a:solidFill>
+        <a:latin typeface="+mn-lt"/>
+        <a:ea typeface="+mn-ea"/>
+        <a:cs typeface="+mn-cs"/>
+      </a:defRPr>
+    </a:lvl3pPr>
+    <a:lvl4pPr marL="1371600" algn="l" defTabSz="914400" rtl="0" eaLnBrk="1" latinLnBrk="0" hangingPunct="1">
+      <a:defRPr sz="1200" kern="1200">
+        <a:solidFill>
+          <a:schemeClr val="tx1"/>
+        </a:solidFill>
+        <a:latin typeface="+mn-lt"/>
+        <a:ea typeface="+mn-ea"/>
+        <a:cs typeface="+mn-cs"/>
+      </a:defRPr>
+    </a:lvl4pPr>
+    <a:lvl5pPr marL="1828800" algn="l" defTabSz="914400" rtl="0" eaLnBrk="1" latinLnBrk="0" hangingPunct="1">
+      <a:defRPr sz="1200" kern="1200">
+        <a:solidFill>
+          <a:schemeClr val="tx1"/>
+        </a:solidFill>
+        <a:latin typeface="+mn-lt"/>
+        <a:ea typeface="+mn-ea"/>
+        <a:cs typeface="+mn-cs"/>
+      </a:defRPr>
+    </a:lvl5pPr>
+    <a:lvl6pPr marL="2286000" algn="l" defTabSz="914400" rtl="0" eaLnBrk="1" latinLnBrk="0" hangingPunct="1">
+      <a:defRPr sz="1200" kern="1200">
+        <a:solidFill>
+          <a:schemeClr val="tx1"/>
+        </a:solidFill>
+        <a:latin typeface="+mn-lt"/>
+        <a:ea typeface="+mn-ea"/>
+        <a:cs typeface="+mn-cs"/>
+      </a:defRPr>
+    </a:lvl6pPr>
+    <a:lvl7pPr marL="2743200" algn="l" defTabSz="914400" rtl="0" eaLnBrk="1" latinLnBrk="0" hangingPunct="1">
+      <a:defRPr sz="1200" kern="1200">
+        <a:solidFill>
+          <a:schemeClr val="tx1"/>
+        </a:solidFill>
+        <a:latin typeface="+mn-lt"/>
+        <a:ea typeface="+mn-ea"/>
+        <a:cs typeface="+mn-cs"/>
+      </a:defRPr>
+    </a:lvl7pPr>
+    <a:lvl8pPr marL="3200400" algn="l" defTabSz="914400" rtl="0" eaLnBrk="1" latinLnBrk="0" hangingPunct="1">
+      <a:defRPr sz="1200" kern="1200">
+        <a:solidFill>
+          <a:schemeClr val="tx1"/>
+        </a:solidFill>
+        <a:latin typeface="+mn-lt"/>
+        <a:ea typeface="+mn-ea"/>
+        <a:cs typeface="+mn-cs"/>
+      </a:defRPr>
+    </a:lvl8pPr>
+    <a:lvl9pPr marL="3657600" algn="l" defTabSz="914400" rtl="0" eaLnBrk="1" latinLnBrk="0" hangingPunct="1">
+      <a:defRPr sz="1200" kern="1200">
+        <a:solidFill>
+          <a:schemeClr val="tx1"/>
+        </a:solidFill>
+        <a:latin typeface="+mn-lt"/>
+        <a:ea typeface="+mn-ea"/>
+        <a:cs typeface="+mn-cs"/>
+      </a:defRPr>
+    </a:lvl9pPr>
+  </p:notesStyle>
+</p:notesMaster>
+</file>
+
+<file path=ppt/notesSlides/notesSlide1.xml><?xml version="1.0" encoding="utf-8"?>
+<p:notes xmlns:a="http://schemas.openxmlformats.org/drawingml/2006/main" xmlns:r="http://schemas.openxmlformats.org/officeDocument/2006/relationships" xmlns:p="http://schemas.openxmlformats.org/presentationml/2006/main">
+  <p:cSld>
+    <p:bg>
+      <p:bgPr>
+        <a:solidFill>
+          <a:srgbClr val="FFFFFF"/>
+        </a:solidFill>
+        <a:effectLst/>
+      </p:bgPr>
+    </p:bg>
+    <p:spTree>
+      <p:nvGrpSpPr>
+        <p:cNvPr id="1" name=""/>
+        <p:cNvGrpSpPr/>
+        <p:nvPr/>
+      </p:nvGrpSpPr>
+      <p:grpSpPr>
+        <a:xfrm>
+          <a:off x="0" y="0"/>
+          <a:ext cx="0" cy="0"/>
+          <a:chOff x="0" y="0"/>
+          <a:chExt cx="0" cy="0"/>
+        </a:xfrm>
+      </p:grpSpPr>
+      <p:sp>
+        <p:nvSpPr>
+          <p:cNvPr id="53250" name="Text Box 1"/>
+          <p:cNvSpPr txBox="1">
+            <a:spLocks noChangeArrowheads="1"/>
+          </p:cNvSpPr>
+          <p:nvPr/>
+        </p:nvSpPr>
+        <p:spPr bwMode="auto">
+          <a:xfrm>
+            <a:off x="1475" y="0"/>
+            <a:ext cx="1474" cy="1643"/>
+          </a:xfrm>
+          <a:prstGeom prst="rect">
+            <a:avLst/>
+          </a:prstGeom>
+          <a:solidFill>
+            <a:srgbClr val="FFFFFF"/>
+          </a:solidFill>
+          <a:ln w="9360">
+            <a:solidFill>
+              <a:srgbClr val="000000"/>
+            </a:solidFill>
+            <a:miter lim="800000"/>
+            <a:headEnd/>
+            <a:tailEnd/>
+          </a:ln>
+        </p:spPr>
+        <p:txBody>
+          <a:bodyPr wrap="none" anchor="ctr"/>
+          <a:lstStyle>
+            <a:lvl1pPr eaLnBrk="0" hangingPunct="0">
+              <a:defRPr sz="1400">
+                <a:solidFill>
+                  <a:schemeClr val="bg1"/>
+                </a:solidFill>
+                <a:latin typeface="Arial" charset="0"/>
+                <a:cs typeface="DejaVu Sans" charset="0"/>
+              </a:defRPr>
+            </a:lvl1pPr>
+            <a:lvl2pPr marL="742950" indent="-285750" eaLnBrk="0" hangingPunct="0">
+              <a:defRPr sz="1400">
+                <a:solidFill>
+                  <a:schemeClr val="bg1"/>
+                </a:solidFill>
+                <a:latin typeface="Arial" charset="0"/>
+                <a:cs typeface="DejaVu Sans" charset="0"/>
+              </a:defRPr>
+            </a:lvl2pPr>
+            <a:lvl3pPr eaLnBrk="0" hangingPunct="0">
+              <a:defRPr sz="1400">
+                <a:solidFill>
+                  <a:schemeClr val="bg1"/>
+                </a:solidFill>
+                <a:latin typeface="Arial" charset="0"/>
+                <a:cs typeface="DejaVu Sans" charset="0"/>
+              </a:defRPr>
+            </a:lvl3pPr>
+            <a:lvl4pPr eaLnBrk="0" hangingPunct="0">
+              <a:defRPr sz="1400">
+                <a:solidFill>
+                  <a:schemeClr val="bg1"/>
+                </a:solidFill>
+                <a:latin typeface="Arial" charset="0"/>
+                <a:cs typeface="DejaVu Sans" charset="0"/>
+              </a:defRPr>
+            </a:lvl4pPr>
+            <a:lvl5pPr eaLnBrk="0" hangingPunct="0">
+              <a:defRPr sz="1400">
+                <a:solidFill>
+                  <a:schemeClr val="bg1"/>
+                </a:solidFill>
+                <a:latin typeface="Arial" charset="0"/>
+                <a:cs typeface="DejaVu Sans" charset="0"/>
+              </a:defRPr>
+            </a:lvl5pPr>
+            <a:lvl6pPr marL="2514600" indent="-228600" defTabSz="449263" eaLnBrk="0" fontAlgn="base" hangingPunct="0">
+              <a:spcBef>
+                <a:spcPct val="0"/>
+              </a:spcBef>
+              <a:spcAft>
+                <a:spcPct val="0"/>
+              </a:spcAft>
+              <a:buClr>
+                <a:srgbClr val="000000"/>
+              </a:buClr>
+              <a:buSzPct val="100000"/>
+              <a:buFont typeface="Times New Roman" pitchFamily="16" charset="0"/>
+              <a:defRPr sz="1400">
+                <a:solidFill>
+                  <a:schemeClr val="bg1"/>
+                </a:solidFill>
+                <a:latin typeface="Arial" charset="0"/>
+                <a:cs typeface="DejaVu Sans" charset="0"/>
+              </a:defRPr>
+            </a:lvl6pPr>
+            <a:lvl7pPr marL="2971800" indent="-228600" defTabSz="449263" eaLnBrk="0" fontAlgn="base" hangingPunct="0">
+              <a:spcBef>
+                <a:spcPct val="0"/>
+              </a:spcBef>
+              <a:spcAft>
+                <a:spcPct val="0"/>
+              </a:spcAft>
+              <a:buClr>
+                <a:srgbClr val="000000"/>
+              </a:buClr>
+              <a:buSzPct val="100000"/>
+              <a:buFont typeface="Times New Roman" pitchFamily="16" charset="0"/>
+              <a:defRPr sz="1400">
+                <a:solidFill>
+                  <a:schemeClr val="bg1"/>
+                </a:solidFill>
+                <a:latin typeface="Arial" charset="0"/>
+                <a:cs typeface="DejaVu Sans" charset="0"/>
+              </a:defRPr>
+            </a:lvl7pPr>
+            <a:lvl8pPr marL="3429000" indent="-228600" defTabSz="449263" eaLnBrk="0" fontAlgn="base" hangingPunct="0">
+              <a:spcBef>
+                <a:spcPct val="0"/>
+              </a:spcBef>
+              <a:spcAft>
+                <a:spcPct val="0"/>
+              </a:spcAft>
+              <a:buClr>
+                <a:srgbClr val="000000"/>
+              </a:buClr>
+              <a:buSzPct val="100000"/>
+              <a:buFont typeface="Times New Roman" pitchFamily="16" charset="0"/>
+              <a:defRPr sz="1400">
+                <a:solidFill>
+                  <a:schemeClr val="bg1"/>
+                </a:solidFill>
+                <a:latin typeface="Arial" charset="0"/>
+                <a:cs typeface="DejaVu Sans" charset="0"/>
+              </a:defRPr>
+            </a:lvl8pPr>
+            <a:lvl9pPr marL="3886200" indent="-228600" defTabSz="449263" eaLnBrk="0" fontAlgn="base" hangingPunct="0">
+              <a:spcBef>
+                <a:spcPct val="0"/>
+              </a:spcBef>
+              <a:spcAft>
+                <a:spcPct val="0"/>
+              </a:spcAft>
+              <a:buClr>
+                <a:srgbClr val="000000"/>
+              </a:buClr>
+              <a:buSzPct val="100000"/>
+              <a:buFont typeface="Times New Roman" pitchFamily="16" charset="0"/>
+              <a:defRPr sz="1400">
+                <a:solidFill>
+                  <a:schemeClr val="bg1"/>
+                </a:solidFill>
+                <a:latin typeface="Arial" charset="0"/>
+                <a:cs typeface="DejaVu Sans" charset="0"/>
+              </a:defRPr>
+            </a:lvl9pPr>
+          </a:lstStyle>
+          <a:p>
+            <a:pPr eaLnBrk="1" hangingPunct="1"/>
+            <a:endParaRPr lang="en-US"/>
+          </a:p>
+        </p:txBody>
+      </p:sp>
+      <p:sp>
+        <p:nvSpPr>
+          <p:cNvPr id="53251" name="Rectangle 2"/>
+          <p:cNvSpPr txBox="1">
+            <a:spLocks noChangeArrowheads="1"/>
+          </p:cNvSpPr>
+          <p:nvPr>
+            <p:ph type="body"/>
+          </p:nvPr>
+        </p:nvSpPr>
+        <p:spPr>
+          <a:xfrm>
+            <a:off x="679745" y="4717744"/>
+            <a:ext cx="5424688" cy="4456650"/>
+          </a:xfrm>
+          <a:noFill/>
+          <a:ln/>
+          <a:extLst>
+            <a:ext uri="{909E8E84-426E-40DD-AFC4-6F175D3DCCD1}">
+              <a14:hiddenFill xmlns:a14="http://schemas.microsoft.com/office/drawing/2010/main">
+                <a:solidFill>
+                  <a:srgbClr val="FFFFFF"/>
+                </a:solidFill>
+              </a14:hiddenFill>
+            </a:ext>
+            <a:ext uri="{91240B29-F687-4F45-9708-019B960494DF}">
+              <a14:hiddenLine xmlns:a14="http://schemas.microsoft.com/office/drawing/2010/main" w="9525">
+                <a:solidFill>
+                  <a:srgbClr val="000000"/>
+                </a:solidFill>
+                <a:round/>
+                <a:headEnd/>
+                <a:tailEnd/>
+              </a14:hiddenLine>
+            </a:ext>
+          </a:extLst>
+        </p:spPr>
+        <p:txBody>
+          <a:bodyPr wrap="none" anchor="ctr"/>
+          <a:lstStyle/>
+          <a:p>
+            <a:endParaRPr lang="en-US" smtClean="0"/>
+          </a:p>
+        </p:txBody>
+      </p:sp>
+    </p:spTree>
+  </p:cSld>
+  <p:clrMapOvr>
+    <a:masterClrMapping/>
+  </p:clrMapOvr>
+</p:notes>
+</file>
+
 <file path=ppt/slideLayouts/slideLayout1.xml><?xml version="1.0" encoding="utf-8"?>
 <p:sldLayout xmlns:a="http://schemas.openxmlformats.org/drawingml/2006/main" xmlns:r="http://schemas.openxmlformats.org/officeDocument/2006/relationships" xmlns:p="http://schemas.openxmlformats.org/presentationml/2006/main" type="title" preserve="1">
   <p:cSld name="Otsikkodia">
@@ -289,7 +884,7 @@
           <a:p>
             <a:fld id="{D672AF66-0BE7-423D-A1D1-0E9F1936AD3A}" type="datetimeFigureOut">
               <a:rPr lang="fi-FI" smtClean="0"/>
-              <a:t>14.12.2012</a:t>
+              <a:t>18.12.2012</a:t>
             </a:fld>
             <a:endParaRPr lang="fi-FI"/>
           </a:p>
@@ -454,7 +1049,7 @@
           <a:p>
             <a:fld id="{D672AF66-0BE7-423D-A1D1-0E9F1936AD3A}" type="datetimeFigureOut">
               <a:rPr lang="fi-FI" smtClean="0"/>
-              <a:t>14.12.2012</a:t>
+              <a:t>18.12.2012</a:t>
             </a:fld>
             <a:endParaRPr lang="fi-FI"/>
           </a:p>
@@ -629,7 +1224,7 @@
           <a:p>
             <a:fld id="{D672AF66-0BE7-423D-A1D1-0E9F1936AD3A}" type="datetimeFigureOut">
               <a:rPr lang="fi-FI" smtClean="0"/>
-              <a:t>14.12.2012</a:t>
+              <a:t>18.12.2012</a:t>
             </a:fld>
             <a:endParaRPr lang="fi-FI"/>
           </a:p>
@@ -794,7 +1389,7 @@
           <a:p>
             <a:fld id="{D672AF66-0BE7-423D-A1D1-0E9F1936AD3A}" type="datetimeFigureOut">
               <a:rPr lang="fi-FI" smtClean="0"/>
-              <a:t>14.12.2012</a:t>
+              <a:t>18.12.2012</a:t>
             </a:fld>
             <a:endParaRPr lang="fi-FI"/>
           </a:p>
@@ -1035,7 +1630,7 @@
           <a:p>
             <a:fld id="{D672AF66-0BE7-423D-A1D1-0E9F1936AD3A}" type="datetimeFigureOut">
               <a:rPr lang="fi-FI" smtClean="0"/>
-              <a:t>14.12.2012</a:t>
+              <a:t>18.12.2012</a:t>
             </a:fld>
             <a:endParaRPr lang="fi-FI"/>
           </a:p>
@@ -1318,7 +1913,7 @@
           <a:p>
             <a:fld id="{D672AF66-0BE7-423D-A1D1-0E9F1936AD3A}" type="datetimeFigureOut">
               <a:rPr lang="fi-FI" smtClean="0"/>
-              <a:t>14.12.2012</a:t>
+              <a:t>18.12.2012</a:t>
             </a:fld>
             <a:endParaRPr lang="fi-FI"/>
           </a:p>
@@ -1735,7 +2330,7 @@
           <a:p>
             <a:fld id="{D672AF66-0BE7-423D-A1D1-0E9F1936AD3A}" type="datetimeFigureOut">
               <a:rPr lang="fi-FI" smtClean="0"/>
-              <a:t>14.12.2012</a:t>
+              <a:t>18.12.2012</a:t>
             </a:fld>
             <a:endParaRPr lang="fi-FI"/>
           </a:p>
@@ -1848,7 +2443,7 @@
           <a:p>
             <a:fld id="{D672AF66-0BE7-423D-A1D1-0E9F1936AD3A}" type="datetimeFigureOut">
               <a:rPr lang="fi-FI" smtClean="0"/>
-              <a:t>14.12.2012</a:t>
+              <a:t>18.12.2012</a:t>
             </a:fld>
             <a:endParaRPr lang="fi-FI"/>
           </a:p>
@@ -1938,7 +2533,7 @@
           <a:p>
             <a:fld id="{D672AF66-0BE7-423D-A1D1-0E9F1936AD3A}" type="datetimeFigureOut">
               <a:rPr lang="fi-FI" smtClean="0"/>
-              <a:t>14.12.2012</a:t>
+              <a:t>18.12.2012</a:t>
             </a:fld>
             <a:endParaRPr lang="fi-FI"/>
           </a:p>
@@ -2210,7 +2805,7 @@
           <a:p>
             <a:fld id="{D672AF66-0BE7-423D-A1D1-0E9F1936AD3A}" type="datetimeFigureOut">
               <a:rPr lang="fi-FI" smtClean="0"/>
-              <a:t>14.12.2012</a:t>
+              <a:t>18.12.2012</a:t>
             </a:fld>
             <a:endParaRPr lang="fi-FI"/>
           </a:p>
@@ -2458,7 +3053,7 @@
           <a:p>
             <a:fld id="{D672AF66-0BE7-423D-A1D1-0E9F1936AD3A}" type="datetimeFigureOut">
               <a:rPr lang="fi-FI" smtClean="0"/>
-              <a:t>14.12.2012</a:t>
+              <a:t>18.12.2012</a:t>
             </a:fld>
             <a:endParaRPr lang="fi-FI"/>
           </a:p>
@@ -2666,7 +3261,7 @@
           <a:p>
             <a:fld id="{D672AF66-0BE7-423D-A1D1-0E9F1936AD3A}" type="datetimeFigureOut">
               <a:rPr lang="fi-FI" smtClean="0"/>
-              <a:t>14.12.2012</a:t>
+              <a:t>18.12.2012</a:t>
             </a:fld>
             <a:endParaRPr lang="fi-FI"/>
           </a:p>
@@ -4259,6 +4854,6111 @@
 </p:sld>
 </file>
 
+<file path=ppt/slides/slide3.xml><?xml version="1.0" encoding="utf-8"?>
+<p:sld xmlns:a="http://schemas.openxmlformats.org/drawingml/2006/main" xmlns:r="http://schemas.openxmlformats.org/officeDocument/2006/relationships" xmlns:p="http://schemas.openxmlformats.org/presentationml/2006/main">
+  <p:cSld>
+    <p:spTree>
+      <p:nvGrpSpPr>
+        <p:cNvPr id="1" name=""/>
+        <p:cNvGrpSpPr/>
+        <p:nvPr/>
+      </p:nvGrpSpPr>
+      <p:grpSpPr>
+        <a:xfrm>
+          <a:off x="0" y="0"/>
+          <a:ext cx="0" cy="0"/>
+          <a:chOff x="0" y="0"/>
+          <a:chExt cx="0" cy="0"/>
+        </a:xfrm>
+      </p:grpSpPr>
+      <p:sp>
+        <p:nvSpPr>
+          <p:cNvPr id="14338" name="Text Box 1"/>
+          <p:cNvSpPr txBox="1">
+            <a:spLocks noChangeArrowheads="1"/>
+          </p:cNvSpPr>
+          <p:nvPr/>
+        </p:nvSpPr>
+        <p:spPr bwMode="auto">
+          <a:xfrm>
+            <a:off x="827088" y="187325"/>
+            <a:ext cx="7921625" cy="866775"/>
+          </a:xfrm>
+          <a:prstGeom prst="rect">
+            <a:avLst/>
+          </a:prstGeom>
+          <a:noFill/>
+          <a:ln>
+            <a:noFill/>
+          </a:ln>
+          <a:extLst>
+            <a:ext uri="{909E8E84-426E-40DD-AFC4-6F175D3DCCD1}">
+              <a14:hiddenFill xmlns:a14="http://schemas.microsoft.com/office/drawing/2010/main">
+                <a:solidFill>
+                  <a:srgbClr val="FFFFFF"/>
+                </a:solidFill>
+              </a14:hiddenFill>
+            </a:ext>
+            <a:ext uri="{91240B29-F687-4F45-9708-019B960494DF}">
+              <a14:hiddenLine xmlns:a14="http://schemas.microsoft.com/office/drawing/2010/main" w="9525">
+                <a:solidFill>
+                  <a:srgbClr val="000000"/>
+                </a:solidFill>
+                <a:round/>
+                <a:headEnd/>
+                <a:tailEnd/>
+              </a14:hiddenLine>
+            </a:ext>
+          </a:extLst>
+        </p:spPr>
+        <p:txBody>
+          <a:bodyPr lIns="92160" tIns="46080" rIns="92160" bIns="46080" anchor="ctr"/>
+          <a:lstStyle>
+            <a:lvl1pPr eaLnBrk="0" hangingPunct="0">
+              <a:tabLst>
+                <a:tab pos="0" algn="l"/>
+                <a:tab pos="447675" algn="l"/>
+                <a:tab pos="896938" algn="l"/>
+                <a:tab pos="1346200" algn="l"/>
+                <a:tab pos="1795463" algn="l"/>
+                <a:tab pos="2244725" algn="l"/>
+                <a:tab pos="2693988" algn="l"/>
+                <a:tab pos="3143250" algn="l"/>
+                <a:tab pos="3592513" algn="l"/>
+                <a:tab pos="4041775" algn="l"/>
+                <a:tab pos="4491038" algn="l"/>
+                <a:tab pos="4940300" algn="l"/>
+                <a:tab pos="5389563" algn="l"/>
+                <a:tab pos="5838825" algn="l"/>
+                <a:tab pos="6288088" algn="l"/>
+                <a:tab pos="6737350" algn="l"/>
+                <a:tab pos="7186613" algn="l"/>
+                <a:tab pos="7635875" algn="l"/>
+                <a:tab pos="8085138" algn="l"/>
+                <a:tab pos="8534400" algn="l"/>
+                <a:tab pos="8983663" algn="l"/>
+              </a:tabLst>
+              <a:defRPr sz="1400">
+                <a:solidFill>
+                  <a:schemeClr val="bg1"/>
+                </a:solidFill>
+                <a:latin typeface="Arial" charset="0"/>
+                <a:cs typeface="DejaVu Sans" charset="0"/>
+              </a:defRPr>
+            </a:lvl1pPr>
+            <a:lvl2pPr marL="742950" indent="-285750" eaLnBrk="0" hangingPunct="0">
+              <a:tabLst>
+                <a:tab pos="0" algn="l"/>
+                <a:tab pos="447675" algn="l"/>
+                <a:tab pos="896938" algn="l"/>
+                <a:tab pos="1346200" algn="l"/>
+                <a:tab pos="1795463" algn="l"/>
+                <a:tab pos="2244725" algn="l"/>
+                <a:tab pos="2693988" algn="l"/>
+                <a:tab pos="3143250" algn="l"/>
+                <a:tab pos="3592513" algn="l"/>
+                <a:tab pos="4041775" algn="l"/>
+                <a:tab pos="4491038" algn="l"/>
+                <a:tab pos="4940300" algn="l"/>
+                <a:tab pos="5389563" algn="l"/>
+                <a:tab pos="5838825" algn="l"/>
+                <a:tab pos="6288088" algn="l"/>
+                <a:tab pos="6737350" algn="l"/>
+                <a:tab pos="7186613" algn="l"/>
+                <a:tab pos="7635875" algn="l"/>
+                <a:tab pos="8085138" algn="l"/>
+                <a:tab pos="8534400" algn="l"/>
+                <a:tab pos="8983663" algn="l"/>
+              </a:tabLst>
+              <a:defRPr sz="1400">
+                <a:solidFill>
+                  <a:schemeClr val="bg1"/>
+                </a:solidFill>
+                <a:latin typeface="Arial" charset="0"/>
+                <a:cs typeface="DejaVu Sans" charset="0"/>
+              </a:defRPr>
+            </a:lvl2pPr>
+            <a:lvl3pPr eaLnBrk="0" hangingPunct="0">
+              <a:tabLst>
+                <a:tab pos="0" algn="l"/>
+                <a:tab pos="447675" algn="l"/>
+                <a:tab pos="896938" algn="l"/>
+                <a:tab pos="1346200" algn="l"/>
+                <a:tab pos="1795463" algn="l"/>
+                <a:tab pos="2244725" algn="l"/>
+                <a:tab pos="2693988" algn="l"/>
+                <a:tab pos="3143250" algn="l"/>
+                <a:tab pos="3592513" algn="l"/>
+                <a:tab pos="4041775" algn="l"/>
+                <a:tab pos="4491038" algn="l"/>
+                <a:tab pos="4940300" algn="l"/>
+                <a:tab pos="5389563" algn="l"/>
+                <a:tab pos="5838825" algn="l"/>
+                <a:tab pos="6288088" algn="l"/>
+                <a:tab pos="6737350" algn="l"/>
+                <a:tab pos="7186613" algn="l"/>
+                <a:tab pos="7635875" algn="l"/>
+                <a:tab pos="8085138" algn="l"/>
+                <a:tab pos="8534400" algn="l"/>
+                <a:tab pos="8983663" algn="l"/>
+              </a:tabLst>
+              <a:defRPr sz="1400">
+                <a:solidFill>
+                  <a:schemeClr val="bg1"/>
+                </a:solidFill>
+                <a:latin typeface="Arial" charset="0"/>
+                <a:cs typeface="DejaVu Sans" charset="0"/>
+              </a:defRPr>
+            </a:lvl3pPr>
+            <a:lvl4pPr eaLnBrk="0" hangingPunct="0">
+              <a:tabLst>
+                <a:tab pos="0" algn="l"/>
+                <a:tab pos="447675" algn="l"/>
+                <a:tab pos="896938" algn="l"/>
+                <a:tab pos="1346200" algn="l"/>
+                <a:tab pos="1795463" algn="l"/>
+                <a:tab pos="2244725" algn="l"/>
+                <a:tab pos="2693988" algn="l"/>
+                <a:tab pos="3143250" algn="l"/>
+                <a:tab pos="3592513" algn="l"/>
+                <a:tab pos="4041775" algn="l"/>
+                <a:tab pos="4491038" algn="l"/>
+                <a:tab pos="4940300" algn="l"/>
+                <a:tab pos="5389563" algn="l"/>
+                <a:tab pos="5838825" algn="l"/>
+                <a:tab pos="6288088" algn="l"/>
+                <a:tab pos="6737350" algn="l"/>
+                <a:tab pos="7186613" algn="l"/>
+                <a:tab pos="7635875" algn="l"/>
+                <a:tab pos="8085138" algn="l"/>
+                <a:tab pos="8534400" algn="l"/>
+                <a:tab pos="8983663" algn="l"/>
+              </a:tabLst>
+              <a:defRPr sz="1400">
+                <a:solidFill>
+                  <a:schemeClr val="bg1"/>
+                </a:solidFill>
+                <a:latin typeface="Arial" charset="0"/>
+                <a:cs typeface="DejaVu Sans" charset="0"/>
+              </a:defRPr>
+            </a:lvl4pPr>
+            <a:lvl5pPr eaLnBrk="0" hangingPunct="0">
+              <a:tabLst>
+                <a:tab pos="0" algn="l"/>
+                <a:tab pos="447675" algn="l"/>
+                <a:tab pos="896938" algn="l"/>
+                <a:tab pos="1346200" algn="l"/>
+                <a:tab pos="1795463" algn="l"/>
+                <a:tab pos="2244725" algn="l"/>
+                <a:tab pos="2693988" algn="l"/>
+                <a:tab pos="3143250" algn="l"/>
+                <a:tab pos="3592513" algn="l"/>
+                <a:tab pos="4041775" algn="l"/>
+                <a:tab pos="4491038" algn="l"/>
+                <a:tab pos="4940300" algn="l"/>
+                <a:tab pos="5389563" algn="l"/>
+                <a:tab pos="5838825" algn="l"/>
+                <a:tab pos="6288088" algn="l"/>
+                <a:tab pos="6737350" algn="l"/>
+                <a:tab pos="7186613" algn="l"/>
+                <a:tab pos="7635875" algn="l"/>
+                <a:tab pos="8085138" algn="l"/>
+                <a:tab pos="8534400" algn="l"/>
+                <a:tab pos="8983663" algn="l"/>
+              </a:tabLst>
+              <a:defRPr sz="1400">
+                <a:solidFill>
+                  <a:schemeClr val="bg1"/>
+                </a:solidFill>
+                <a:latin typeface="Arial" charset="0"/>
+                <a:cs typeface="DejaVu Sans" charset="0"/>
+              </a:defRPr>
+            </a:lvl5pPr>
+            <a:lvl6pPr marL="2514600" indent="-228600" defTabSz="449263" eaLnBrk="0" fontAlgn="base" hangingPunct="0">
+              <a:spcBef>
+                <a:spcPct val="0"/>
+              </a:spcBef>
+              <a:spcAft>
+                <a:spcPct val="0"/>
+              </a:spcAft>
+              <a:buClr>
+                <a:srgbClr val="000000"/>
+              </a:buClr>
+              <a:buSzPct val="100000"/>
+              <a:buFont typeface="Times New Roman" pitchFamily="16" charset="0"/>
+              <a:tabLst>
+                <a:tab pos="0" algn="l"/>
+                <a:tab pos="447675" algn="l"/>
+                <a:tab pos="896938" algn="l"/>
+                <a:tab pos="1346200" algn="l"/>
+                <a:tab pos="1795463" algn="l"/>
+                <a:tab pos="2244725" algn="l"/>
+                <a:tab pos="2693988" algn="l"/>
+                <a:tab pos="3143250" algn="l"/>
+                <a:tab pos="3592513" algn="l"/>
+                <a:tab pos="4041775" algn="l"/>
+                <a:tab pos="4491038" algn="l"/>
+                <a:tab pos="4940300" algn="l"/>
+                <a:tab pos="5389563" algn="l"/>
+                <a:tab pos="5838825" algn="l"/>
+                <a:tab pos="6288088" algn="l"/>
+                <a:tab pos="6737350" algn="l"/>
+                <a:tab pos="7186613" algn="l"/>
+                <a:tab pos="7635875" algn="l"/>
+                <a:tab pos="8085138" algn="l"/>
+                <a:tab pos="8534400" algn="l"/>
+                <a:tab pos="8983663" algn="l"/>
+              </a:tabLst>
+              <a:defRPr sz="1400">
+                <a:solidFill>
+                  <a:schemeClr val="bg1"/>
+                </a:solidFill>
+                <a:latin typeface="Arial" charset="0"/>
+                <a:cs typeface="DejaVu Sans" charset="0"/>
+              </a:defRPr>
+            </a:lvl6pPr>
+            <a:lvl7pPr marL="2971800" indent="-228600" defTabSz="449263" eaLnBrk="0" fontAlgn="base" hangingPunct="0">
+              <a:spcBef>
+                <a:spcPct val="0"/>
+              </a:spcBef>
+              <a:spcAft>
+                <a:spcPct val="0"/>
+              </a:spcAft>
+              <a:buClr>
+                <a:srgbClr val="000000"/>
+              </a:buClr>
+              <a:buSzPct val="100000"/>
+              <a:buFont typeface="Times New Roman" pitchFamily="16" charset="0"/>
+              <a:tabLst>
+                <a:tab pos="0" algn="l"/>
+                <a:tab pos="447675" algn="l"/>
+                <a:tab pos="896938" algn="l"/>
+                <a:tab pos="1346200" algn="l"/>
+                <a:tab pos="1795463" algn="l"/>
+                <a:tab pos="2244725" algn="l"/>
+                <a:tab pos="2693988" algn="l"/>
+                <a:tab pos="3143250" algn="l"/>
+                <a:tab pos="3592513" algn="l"/>
+                <a:tab pos="4041775" algn="l"/>
+                <a:tab pos="4491038" algn="l"/>
+                <a:tab pos="4940300" algn="l"/>
+                <a:tab pos="5389563" algn="l"/>
+                <a:tab pos="5838825" algn="l"/>
+                <a:tab pos="6288088" algn="l"/>
+                <a:tab pos="6737350" algn="l"/>
+                <a:tab pos="7186613" algn="l"/>
+                <a:tab pos="7635875" algn="l"/>
+                <a:tab pos="8085138" algn="l"/>
+                <a:tab pos="8534400" algn="l"/>
+                <a:tab pos="8983663" algn="l"/>
+              </a:tabLst>
+              <a:defRPr sz="1400">
+                <a:solidFill>
+                  <a:schemeClr val="bg1"/>
+                </a:solidFill>
+                <a:latin typeface="Arial" charset="0"/>
+                <a:cs typeface="DejaVu Sans" charset="0"/>
+              </a:defRPr>
+            </a:lvl7pPr>
+            <a:lvl8pPr marL="3429000" indent="-228600" defTabSz="449263" eaLnBrk="0" fontAlgn="base" hangingPunct="0">
+              <a:spcBef>
+                <a:spcPct val="0"/>
+              </a:spcBef>
+              <a:spcAft>
+                <a:spcPct val="0"/>
+              </a:spcAft>
+              <a:buClr>
+                <a:srgbClr val="000000"/>
+              </a:buClr>
+              <a:buSzPct val="100000"/>
+              <a:buFont typeface="Times New Roman" pitchFamily="16" charset="0"/>
+              <a:tabLst>
+                <a:tab pos="0" algn="l"/>
+                <a:tab pos="447675" algn="l"/>
+                <a:tab pos="896938" algn="l"/>
+                <a:tab pos="1346200" algn="l"/>
+                <a:tab pos="1795463" algn="l"/>
+                <a:tab pos="2244725" algn="l"/>
+                <a:tab pos="2693988" algn="l"/>
+                <a:tab pos="3143250" algn="l"/>
+                <a:tab pos="3592513" algn="l"/>
+                <a:tab pos="4041775" algn="l"/>
+                <a:tab pos="4491038" algn="l"/>
+                <a:tab pos="4940300" algn="l"/>
+                <a:tab pos="5389563" algn="l"/>
+                <a:tab pos="5838825" algn="l"/>
+                <a:tab pos="6288088" algn="l"/>
+                <a:tab pos="6737350" algn="l"/>
+                <a:tab pos="7186613" algn="l"/>
+                <a:tab pos="7635875" algn="l"/>
+                <a:tab pos="8085138" algn="l"/>
+                <a:tab pos="8534400" algn="l"/>
+                <a:tab pos="8983663" algn="l"/>
+              </a:tabLst>
+              <a:defRPr sz="1400">
+                <a:solidFill>
+                  <a:schemeClr val="bg1"/>
+                </a:solidFill>
+                <a:latin typeface="Arial" charset="0"/>
+                <a:cs typeface="DejaVu Sans" charset="0"/>
+              </a:defRPr>
+            </a:lvl8pPr>
+            <a:lvl9pPr marL="3886200" indent="-228600" defTabSz="449263" eaLnBrk="0" fontAlgn="base" hangingPunct="0">
+              <a:spcBef>
+                <a:spcPct val="0"/>
+              </a:spcBef>
+              <a:spcAft>
+                <a:spcPct val="0"/>
+              </a:spcAft>
+              <a:buClr>
+                <a:srgbClr val="000000"/>
+              </a:buClr>
+              <a:buSzPct val="100000"/>
+              <a:buFont typeface="Times New Roman" pitchFamily="16" charset="0"/>
+              <a:tabLst>
+                <a:tab pos="0" algn="l"/>
+                <a:tab pos="447675" algn="l"/>
+                <a:tab pos="896938" algn="l"/>
+                <a:tab pos="1346200" algn="l"/>
+                <a:tab pos="1795463" algn="l"/>
+                <a:tab pos="2244725" algn="l"/>
+                <a:tab pos="2693988" algn="l"/>
+                <a:tab pos="3143250" algn="l"/>
+                <a:tab pos="3592513" algn="l"/>
+                <a:tab pos="4041775" algn="l"/>
+                <a:tab pos="4491038" algn="l"/>
+                <a:tab pos="4940300" algn="l"/>
+                <a:tab pos="5389563" algn="l"/>
+                <a:tab pos="5838825" algn="l"/>
+                <a:tab pos="6288088" algn="l"/>
+                <a:tab pos="6737350" algn="l"/>
+                <a:tab pos="7186613" algn="l"/>
+                <a:tab pos="7635875" algn="l"/>
+                <a:tab pos="8085138" algn="l"/>
+                <a:tab pos="8534400" algn="l"/>
+                <a:tab pos="8983663" algn="l"/>
+              </a:tabLst>
+              <a:defRPr sz="1400">
+                <a:solidFill>
+                  <a:schemeClr val="bg1"/>
+                </a:solidFill>
+                <a:latin typeface="Arial" charset="0"/>
+                <a:cs typeface="DejaVu Sans" charset="0"/>
+              </a:defRPr>
+            </a:lvl9pPr>
+          </a:lstStyle>
+          <a:p>
+            <a:pPr eaLnBrk="1" hangingPunct="1"/>
+            <a:r>
+              <a:rPr lang="en-US" sz="3200">
+                <a:solidFill>
+                  <a:srgbClr val="0000D6"/>
+                </a:solidFill>
+                <a:latin typeface="Arial Black" pitchFamily="32" charset="0"/>
+              </a:rPr>
+              <a:t>Reflect operation: SW vs. HW</a:t>
+            </a:r>
+          </a:p>
+        </p:txBody>
+      </p:sp>
+      <p:sp>
+        <p:nvSpPr>
+          <p:cNvPr id="14339" name="Text Box 2"/>
+          <p:cNvSpPr txBox="1">
+            <a:spLocks noChangeArrowheads="1"/>
+          </p:cNvSpPr>
+          <p:nvPr/>
+        </p:nvSpPr>
+        <p:spPr bwMode="auto">
+          <a:xfrm>
+            <a:off x="395536" y="1214438"/>
+            <a:ext cx="8383339" cy="5129212"/>
+          </a:xfrm>
+          <a:prstGeom prst="rect">
+            <a:avLst/>
+          </a:prstGeom>
+          <a:noFill/>
+          <a:ln>
+            <a:noFill/>
+          </a:ln>
+          <a:extLst>
+            <a:ext uri="{909E8E84-426E-40DD-AFC4-6F175D3DCCD1}">
+              <a14:hiddenFill xmlns:a14="http://schemas.microsoft.com/office/drawing/2010/main">
+                <a:solidFill>
+                  <a:srgbClr val="FFFFFF"/>
+                </a:solidFill>
+              </a14:hiddenFill>
+            </a:ext>
+            <a:ext uri="{91240B29-F687-4F45-9708-019B960494DF}">
+              <a14:hiddenLine xmlns:a14="http://schemas.microsoft.com/office/drawing/2010/main" w="9525">
+                <a:solidFill>
+                  <a:srgbClr val="000000"/>
+                </a:solidFill>
+                <a:round/>
+                <a:headEnd/>
+                <a:tailEnd/>
+              </a14:hiddenLine>
+            </a:ext>
+          </a:extLst>
+        </p:spPr>
+        <p:txBody>
+          <a:bodyPr lIns="92160" tIns="46080" rIns="92160" bIns="46080"/>
+          <a:lstStyle>
+            <a:lvl1pPr eaLnBrk="0" hangingPunct="0">
+              <a:tabLst>
+                <a:tab pos="0" algn="l"/>
+                <a:tab pos="447675" algn="l"/>
+                <a:tab pos="896938" algn="l"/>
+                <a:tab pos="1346200" algn="l"/>
+                <a:tab pos="1795463" algn="l"/>
+                <a:tab pos="2244725" algn="l"/>
+                <a:tab pos="2693988" algn="l"/>
+                <a:tab pos="3143250" algn="l"/>
+                <a:tab pos="3592513" algn="l"/>
+                <a:tab pos="4041775" algn="l"/>
+                <a:tab pos="4491038" algn="l"/>
+                <a:tab pos="4940300" algn="l"/>
+                <a:tab pos="5389563" algn="l"/>
+                <a:tab pos="5838825" algn="l"/>
+                <a:tab pos="6288088" algn="l"/>
+                <a:tab pos="6737350" algn="l"/>
+                <a:tab pos="7186613" algn="l"/>
+                <a:tab pos="7635875" algn="l"/>
+                <a:tab pos="8085138" algn="l"/>
+                <a:tab pos="8534400" algn="l"/>
+                <a:tab pos="8983663" algn="l"/>
+              </a:tabLst>
+              <a:defRPr sz="1400">
+                <a:solidFill>
+                  <a:schemeClr val="bg1"/>
+                </a:solidFill>
+                <a:latin typeface="Arial" charset="0"/>
+                <a:cs typeface="DejaVu Sans" charset="0"/>
+              </a:defRPr>
+            </a:lvl1pPr>
+            <a:lvl2pPr marL="742950" indent="-285750" eaLnBrk="0" hangingPunct="0">
+              <a:tabLst>
+                <a:tab pos="0" algn="l"/>
+                <a:tab pos="447675" algn="l"/>
+                <a:tab pos="896938" algn="l"/>
+                <a:tab pos="1346200" algn="l"/>
+                <a:tab pos="1795463" algn="l"/>
+                <a:tab pos="2244725" algn="l"/>
+                <a:tab pos="2693988" algn="l"/>
+                <a:tab pos="3143250" algn="l"/>
+                <a:tab pos="3592513" algn="l"/>
+                <a:tab pos="4041775" algn="l"/>
+                <a:tab pos="4491038" algn="l"/>
+                <a:tab pos="4940300" algn="l"/>
+                <a:tab pos="5389563" algn="l"/>
+                <a:tab pos="5838825" algn="l"/>
+                <a:tab pos="6288088" algn="l"/>
+                <a:tab pos="6737350" algn="l"/>
+                <a:tab pos="7186613" algn="l"/>
+                <a:tab pos="7635875" algn="l"/>
+                <a:tab pos="8085138" algn="l"/>
+                <a:tab pos="8534400" algn="l"/>
+                <a:tab pos="8983663" algn="l"/>
+              </a:tabLst>
+              <a:defRPr sz="1400">
+                <a:solidFill>
+                  <a:schemeClr val="bg1"/>
+                </a:solidFill>
+                <a:latin typeface="Arial" charset="0"/>
+                <a:cs typeface="DejaVu Sans" charset="0"/>
+              </a:defRPr>
+            </a:lvl2pPr>
+            <a:lvl3pPr eaLnBrk="0" hangingPunct="0">
+              <a:tabLst>
+                <a:tab pos="0" algn="l"/>
+                <a:tab pos="447675" algn="l"/>
+                <a:tab pos="896938" algn="l"/>
+                <a:tab pos="1346200" algn="l"/>
+                <a:tab pos="1795463" algn="l"/>
+                <a:tab pos="2244725" algn="l"/>
+                <a:tab pos="2693988" algn="l"/>
+                <a:tab pos="3143250" algn="l"/>
+                <a:tab pos="3592513" algn="l"/>
+                <a:tab pos="4041775" algn="l"/>
+                <a:tab pos="4491038" algn="l"/>
+                <a:tab pos="4940300" algn="l"/>
+                <a:tab pos="5389563" algn="l"/>
+                <a:tab pos="5838825" algn="l"/>
+                <a:tab pos="6288088" algn="l"/>
+                <a:tab pos="6737350" algn="l"/>
+                <a:tab pos="7186613" algn="l"/>
+                <a:tab pos="7635875" algn="l"/>
+                <a:tab pos="8085138" algn="l"/>
+                <a:tab pos="8534400" algn="l"/>
+                <a:tab pos="8983663" algn="l"/>
+              </a:tabLst>
+              <a:defRPr sz="1400">
+                <a:solidFill>
+                  <a:schemeClr val="bg1"/>
+                </a:solidFill>
+                <a:latin typeface="Arial" charset="0"/>
+                <a:cs typeface="DejaVu Sans" charset="0"/>
+              </a:defRPr>
+            </a:lvl3pPr>
+            <a:lvl4pPr eaLnBrk="0" hangingPunct="0">
+              <a:tabLst>
+                <a:tab pos="0" algn="l"/>
+                <a:tab pos="447675" algn="l"/>
+                <a:tab pos="896938" algn="l"/>
+                <a:tab pos="1346200" algn="l"/>
+                <a:tab pos="1795463" algn="l"/>
+                <a:tab pos="2244725" algn="l"/>
+                <a:tab pos="2693988" algn="l"/>
+                <a:tab pos="3143250" algn="l"/>
+                <a:tab pos="3592513" algn="l"/>
+                <a:tab pos="4041775" algn="l"/>
+                <a:tab pos="4491038" algn="l"/>
+                <a:tab pos="4940300" algn="l"/>
+                <a:tab pos="5389563" algn="l"/>
+                <a:tab pos="5838825" algn="l"/>
+                <a:tab pos="6288088" algn="l"/>
+                <a:tab pos="6737350" algn="l"/>
+                <a:tab pos="7186613" algn="l"/>
+                <a:tab pos="7635875" algn="l"/>
+                <a:tab pos="8085138" algn="l"/>
+                <a:tab pos="8534400" algn="l"/>
+                <a:tab pos="8983663" algn="l"/>
+              </a:tabLst>
+              <a:defRPr sz="1400">
+                <a:solidFill>
+                  <a:schemeClr val="bg1"/>
+                </a:solidFill>
+                <a:latin typeface="Arial" charset="0"/>
+                <a:cs typeface="DejaVu Sans" charset="0"/>
+              </a:defRPr>
+            </a:lvl4pPr>
+            <a:lvl5pPr eaLnBrk="0" hangingPunct="0">
+              <a:tabLst>
+                <a:tab pos="0" algn="l"/>
+                <a:tab pos="447675" algn="l"/>
+                <a:tab pos="896938" algn="l"/>
+                <a:tab pos="1346200" algn="l"/>
+                <a:tab pos="1795463" algn="l"/>
+                <a:tab pos="2244725" algn="l"/>
+                <a:tab pos="2693988" algn="l"/>
+                <a:tab pos="3143250" algn="l"/>
+                <a:tab pos="3592513" algn="l"/>
+                <a:tab pos="4041775" algn="l"/>
+                <a:tab pos="4491038" algn="l"/>
+                <a:tab pos="4940300" algn="l"/>
+                <a:tab pos="5389563" algn="l"/>
+                <a:tab pos="5838825" algn="l"/>
+                <a:tab pos="6288088" algn="l"/>
+                <a:tab pos="6737350" algn="l"/>
+                <a:tab pos="7186613" algn="l"/>
+                <a:tab pos="7635875" algn="l"/>
+                <a:tab pos="8085138" algn="l"/>
+                <a:tab pos="8534400" algn="l"/>
+                <a:tab pos="8983663" algn="l"/>
+              </a:tabLst>
+              <a:defRPr sz="1400">
+                <a:solidFill>
+                  <a:schemeClr val="bg1"/>
+                </a:solidFill>
+                <a:latin typeface="Arial" charset="0"/>
+                <a:cs typeface="DejaVu Sans" charset="0"/>
+              </a:defRPr>
+            </a:lvl5pPr>
+            <a:lvl6pPr marL="2514600" indent="-228600" defTabSz="449263" eaLnBrk="0" fontAlgn="base" hangingPunct="0">
+              <a:spcBef>
+                <a:spcPct val="0"/>
+              </a:spcBef>
+              <a:spcAft>
+                <a:spcPct val="0"/>
+              </a:spcAft>
+              <a:buClr>
+                <a:srgbClr val="000000"/>
+              </a:buClr>
+              <a:buSzPct val="100000"/>
+              <a:buFont typeface="Times New Roman" pitchFamily="16" charset="0"/>
+              <a:tabLst>
+                <a:tab pos="0" algn="l"/>
+                <a:tab pos="447675" algn="l"/>
+                <a:tab pos="896938" algn="l"/>
+                <a:tab pos="1346200" algn="l"/>
+                <a:tab pos="1795463" algn="l"/>
+                <a:tab pos="2244725" algn="l"/>
+                <a:tab pos="2693988" algn="l"/>
+                <a:tab pos="3143250" algn="l"/>
+                <a:tab pos="3592513" algn="l"/>
+                <a:tab pos="4041775" algn="l"/>
+                <a:tab pos="4491038" algn="l"/>
+                <a:tab pos="4940300" algn="l"/>
+                <a:tab pos="5389563" algn="l"/>
+                <a:tab pos="5838825" algn="l"/>
+                <a:tab pos="6288088" algn="l"/>
+                <a:tab pos="6737350" algn="l"/>
+                <a:tab pos="7186613" algn="l"/>
+                <a:tab pos="7635875" algn="l"/>
+                <a:tab pos="8085138" algn="l"/>
+                <a:tab pos="8534400" algn="l"/>
+                <a:tab pos="8983663" algn="l"/>
+              </a:tabLst>
+              <a:defRPr sz="1400">
+                <a:solidFill>
+                  <a:schemeClr val="bg1"/>
+                </a:solidFill>
+                <a:latin typeface="Arial" charset="0"/>
+                <a:cs typeface="DejaVu Sans" charset="0"/>
+              </a:defRPr>
+            </a:lvl6pPr>
+            <a:lvl7pPr marL="2971800" indent="-228600" defTabSz="449263" eaLnBrk="0" fontAlgn="base" hangingPunct="0">
+              <a:spcBef>
+                <a:spcPct val="0"/>
+              </a:spcBef>
+              <a:spcAft>
+                <a:spcPct val="0"/>
+              </a:spcAft>
+              <a:buClr>
+                <a:srgbClr val="000000"/>
+              </a:buClr>
+              <a:buSzPct val="100000"/>
+              <a:buFont typeface="Times New Roman" pitchFamily="16" charset="0"/>
+              <a:tabLst>
+                <a:tab pos="0" algn="l"/>
+                <a:tab pos="447675" algn="l"/>
+                <a:tab pos="896938" algn="l"/>
+                <a:tab pos="1346200" algn="l"/>
+                <a:tab pos="1795463" algn="l"/>
+                <a:tab pos="2244725" algn="l"/>
+                <a:tab pos="2693988" algn="l"/>
+                <a:tab pos="3143250" algn="l"/>
+                <a:tab pos="3592513" algn="l"/>
+                <a:tab pos="4041775" algn="l"/>
+                <a:tab pos="4491038" algn="l"/>
+                <a:tab pos="4940300" algn="l"/>
+                <a:tab pos="5389563" algn="l"/>
+                <a:tab pos="5838825" algn="l"/>
+                <a:tab pos="6288088" algn="l"/>
+                <a:tab pos="6737350" algn="l"/>
+                <a:tab pos="7186613" algn="l"/>
+                <a:tab pos="7635875" algn="l"/>
+                <a:tab pos="8085138" algn="l"/>
+                <a:tab pos="8534400" algn="l"/>
+                <a:tab pos="8983663" algn="l"/>
+              </a:tabLst>
+              <a:defRPr sz="1400">
+                <a:solidFill>
+                  <a:schemeClr val="bg1"/>
+                </a:solidFill>
+                <a:latin typeface="Arial" charset="0"/>
+                <a:cs typeface="DejaVu Sans" charset="0"/>
+              </a:defRPr>
+            </a:lvl7pPr>
+            <a:lvl8pPr marL="3429000" indent="-228600" defTabSz="449263" eaLnBrk="0" fontAlgn="base" hangingPunct="0">
+              <a:spcBef>
+                <a:spcPct val="0"/>
+              </a:spcBef>
+              <a:spcAft>
+                <a:spcPct val="0"/>
+              </a:spcAft>
+              <a:buClr>
+                <a:srgbClr val="000000"/>
+              </a:buClr>
+              <a:buSzPct val="100000"/>
+              <a:buFont typeface="Times New Roman" pitchFamily="16" charset="0"/>
+              <a:tabLst>
+                <a:tab pos="0" algn="l"/>
+                <a:tab pos="447675" algn="l"/>
+                <a:tab pos="896938" algn="l"/>
+                <a:tab pos="1346200" algn="l"/>
+                <a:tab pos="1795463" algn="l"/>
+                <a:tab pos="2244725" algn="l"/>
+                <a:tab pos="2693988" algn="l"/>
+                <a:tab pos="3143250" algn="l"/>
+                <a:tab pos="3592513" algn="l"/>
+                <a:tab pos="4041775" algn="l"/>
+                <a:tab pos="4491038" algn="l"/>
+                <a:tab pos="4940300" algn="l"/>
+                <a:tab pos="5389563" algn="l"/>
+                <a:tab pos="5838825" algn="l"/>
+                <a:tab pos="6288088" algn="l"/>
+                <a:tab pos="6737350" algn="l"/>
+                <a:tab pos="7186613" algn="l"/>
+                <a:tab pos="7635875" algn="l"/>
+                <a:tab pos="8085138" algn="l"/>
+                <a:tab pos="8534400" algn="l"/>
+                <a:tab pos="8983663" algn="l"/>
+              </a:tabLst>
+              <a:defRPr sz="1400">
+                <a:solidFill>
+                  <a:schemeClr val="bg1"/>
+                </a:solidFill>
+                <a:latin typeface="Arial" charset="0"/>
+                <a:cs typeface="DejaVu Sans" charset="0"/>
+              </a:defRPr>
+            </a:lvl8pPr>
+            <a:lvl9pPr marL="3886200" indent="-228600" defTabSz="449263" eaLnBrk="0" fontAlgn="base" hangingPunct="0">
+              <a:spcBef>
+                <a:spcPct val="0"/>
+              </a:spcBef>
+              <a:spcAft>
+                <a:spcPct val="0"/>
+              </a:spcAft>
+              <a:buClr>
+                <a:srgbClr val="000000"/>
+              </a:buClr>
+              <a:buSzPct val="100000"/>
+              <a:buFont typeface="Times New Roman" pitchFamily="16" charset="0"/>
+              <a:tabLst>
+                <a:tab pos="0" algn="l"/>
+                <a:tab pos="447675" algn="l"/>
+                <a:tab pos="896938" algn="l"/>
+                <a:tab pos="1346200" algn="l"/>
+                <a:tab pos="1795463" algn="l"/>
+                <a:tab pos="2244725" algn="l"/>
+                <a:tab pos="2693988" algn="l"/>
+                <a:tab pos="3143250" algn="l"/>
+                <a:tab pos="3592513" algn="l"/>
+                <a:tab pos="4041775" algn="l"/>
+                <a:tab pos="4491038" algn="l"/>
+                <a:tab pos="4940300" algn="l"/>
+                <a:tab pos="5389563" algn="l"/>
+                <a:tab pos="5838825" algn="l"/>
+                <a:tab pos="6288088" algn="l"/>
+                <a:tab pos="6737350" algn="l"/>
+                <a:tab pos="7186613" algn="l"/>
+                <a:tab pos="7635875" algn="l"/>
+                <a:tab pos="8085138" algn="l"/>
+                <a:tab pos="8534400" algn="l"/>
+                <a:tab pos="8983663" algn="l"/>
+              </a:tabLst>
+              <a:defRPr sz="1400">
+                <a:solidFill>
+                  <a:schemeClr val="bg1"/>
+                </a:solidFill>
+                <a:latin typeface="Arial" charset="0"/>
+                <a:cs typeface="DejaVu Sans" charset="0"/>
+              </a:defRPr>
+            </a:lvl9pPr>
+          </a:lstStyle>
+          <a:p>
+            <a:pPr eaLnBrk="1" hangingPunct="1">
+              <a:spcBef>
+                <a:spcPts val="725"/>
+              </a:spcBef>
+            </a:pPr>
+            <a:r>
+              <a:rPr lang="en-US" sz="2000" dirty="0">
+                <a:solidFill>
+                  <a:srgbClr val="000000"/>
+                </a:solidFill>
+              </a:rPr>
+              <a:t>On software:                                   On hardware:</a:t>
+            </a:r>
+          </a:p>
+          <a:p>
+            <a:pPr eaLnBrk="1" hangingPunct="1">
+              <a:spcBef>
+                <a:spcPts val="725"/>
+              </a:spcBef>
+            </a:pPr>
+            <a:endParaRPr lang="fi-FI" sz="2000" dirty="0" smtClean="0">
+              <a:solidFill>
+                <a:srgbClr val="000000"/>
+              </a:solidFill>
+            </a:endParaRPr>
+          </a:p>
+          <a:p>
+            <a:pPr eaLnBrk="1" hangingPunct="1">
+              <a:spcBef>
+                <a:spcPts val="725"/>
+              </a:spcBef>
+            </a:pPr>
+            <a:endParaRPr lang="en-US" sz="2000" dirty="0">
+              <a:solidFill>
+                <a:srgbClr val="000000"/>
+              </a:solidFill>
+            </a:endParaRPr>
+          </a:p>
+          <a:p>
+            <a:pPr eaLnBrk="1" hangingPunct="1">
+              <a:spcBef>
+                <a:spcPts val="725"/>
+              </a:spcBef>
+            </a:pPr>
+            <a:r>
+              <a:rPr lang="en-US" b="1" dirty="0">
+                <a:solidFill>
+                  <a:srgbClr val="000000"/>
+                </a:solidFill>
+                <a:latin typeface="Courier New" pitchFamily="49" charset="0"/>
+                <a:cs typeface="Courier New" pitchFamily="49" charset="0"/>
+              </a:rPr>
+              <a:t>for</a:t>
+            </a:r>
+            <a:r>
+              <a:rPr lang="en-US" dirty="0">
+                <a:solidFill>
+                  <a:srgbClr val="000000"/>
+                </a:solidFill>
+                <a:latin typeface="Courier New" pitchFamily="49" charset="0"/>
+                <a:cs typeface="Courier New" pitchFamily="49" charset="0"/>
+              </a:rPr>
+              <a:t> (bit = 0; bit &lt; </a:t>
+            </a:r>
+            <a:r>
+              <a:rPr lang="en-US" dirty="0" err="1">
+                <a:solidFill>
+                  <a:srgbClr val="000000"/>
+                </a:solidFill>
+                <a:latin typeface="Courier New" pitchFamily="49" charset="0"/>
+                <a:cs typeface="Courier New" pitchFamily="49" charset="0"/>
+              </a:rPr>
+              <a:t>nBits</a:t>
+            </a:r>
+            <a:r>
+              <a:rPr lang="en-US" dirty="0">
+                <a:solidFill>
+                  <a:srgbClr val="000000"/>
+                </a:solidFill>
+                <a:latin typeface="Courier New" pitchFamily="49" charset="0"/>
+                <a:cs typeface="Courier New" pitchFamily="49" charset="0"/>
+              </a:rPr>
+              <a:t>; bit++) </a:t>
+            </a:r>
+            <a:r>
+              <a:rPr lang="fi-FI" dirty="0">
+                <a:solidFill>
+                  <a:srgbClr val="000000"/>
+                </a:solidFill>
+                <a:latin typeface="Courier New" pitchFamily="49" charset="0"/>
+                <a:cs typeface="Courier New" pitchFamily="49" charset="0"/>
+              </a:rPr>
+              <a:t>{</a:t>
+            </a:r>
+          </a:p>
+          <a:p>
+            <a:pPr eaLnBrk="1" hangingPunct="1">
+              <a:spcBef>
+                <a:spcPts val="725"/>
+              </a:spcBef>
+            </a:pPr>
+            <a:r>
+              <a:rPr lang="fi-FI" dirty="0">
+                <a:solidFill>
+                  <a:srgbClr val="000000"/>
+                </a:solidFill>
+                <a:latin typeface="Courier New" pitchFamily="49" charset="0"/>
+                <a:cs typeface="Courier New" pitchFamily="49" charset="0"/>
+              </a:rPr>
+              <a:t>  </a:t>
+            </a:r>
+            <a:r>
+              <a:rPr lang="fi-FI" b="1" dirty="0" err="1">
+                <a:solidFill>
+                  <a:srgbClr val="000000"/>
+                </a:solidFill>
+                <a:latin typeface="Courier New" pitchFamily="49" charset="0"/>
+                <a:cs typeface="Courier New" pitchFamily="49" charset="0"/>
+              </a:rPr>
+              <a:t>if</a:t>
+            </a:r>
+            <a:r>
+              <a:rPr lang="fi-FI" b="1" dirty="0">
+                <a:solidFill>
+                  <a:srgbClr val="000000"/>
+                </a:solidFill>
+                <a:latin typeface="Courier New" pitchFamily="49" charset="0"/>
+                <a:cs typeface="Courier New" pitchFamily="49" charset="0"/>
+              </a:rPr>
+              <a:t> </a:t>
+            </a:r>
+            <a:r>
+              <a:rPr lang="fi-FI" dirty="0">
+                <a:solidFill>
+                  <a:srgbClr val="000000"/>
+                </a:solidFill>
+                <a:latin typeface="Courier New" pitchFamily="49" charset="0"/>
+                <a:cs typeface="Courier New" pitchFamily="49" charset="0"/>
+              </a:rPr>
+              <a:t>(data &amp; 0x01) {</a:t>
+            </a:r>
+          </a:p>
+          <a:p>
+            <a:pPr eaLnBrk="1" hangingPunct="1">
+              <a:spcBef>
+                <a:spcPts val="725"/>
+              </a:spcBef>
+            </a:pPr>
+            <a:r>
+              <a:rPr lang="en-US" dirty="0">
+                <a:solidFill>
+                  <a:srgbClr val="000000"/>
+                </a:solidFill>
+                <a:latin typeface="Courier New" pitchFamily="49" charset="0"/>
+                <a:cs typeface="Courier New" pitchFamily="49" charset="0"/>
+              </a:rPr>
+              <a:t>    reflection </a:t>
+            </a:r>
+            <a:r>
+              <a:rPr lang="fi-FI" dirty="0">
+                <a:solidFill>
+                  <a:srgbClr val="000000"/>
+                </a:solidFill>
+                <a:latin typeface="Courier New" pitchFamily="49" charset="0"/>
+                <a:cs typeface="Courier New" pitchFamily="49" charset="0"/>
+              </a:rPr>
+              <a:t>I= </a:t>
+            </a:r>
+          </a:p>
+          <a:p>
+            <a:pPr eaLnBrk="1" hangingPunct="1">
+              <a:spcBef>
+                <a:spcPts val="725"/>
+              </a:spcBef>
+            </a:pPr>
+            <a:r>
+              <a:rPr lang="fi-FI" dirty="0">
+                <a:solidFill>
+                  <a:srgbClr val="000000"/>
+                </a:solidFill>
+                <a:latin typeface="Courier New" pitchFamily="49" charset="0"/>
+                <a:cs typeface="Courier New" pitchFamily="49" charset="0"/>
+              </a:rPr>
+              <a:t>           (1 &lt;&lt; ((nBits-1) – </a:t>
+            </a:r>
+            <a:r>
+              <a:rPr lang="fi-FI" dirty="0" err="1">
+                <a:solidFill>
+                  <a:srgbClr val="000000"/>
+                </a:solidFill>
+                <a:latin typeface="Courier New" pitchFamily="49" charset="0"/>
+                <a:cs typeface="Courier New" pitchFamily="49" charset="0"/>
+              </a:rPr>
+              <a:t>bit</a:t>
+            </a:r>
+            <a:r>
+              <a:rPr lang="fi-FI" dirty="0">
+                <a:solidFill>
+                  <a:srgbClr val="000000"/>
+                </a:solidFill>
+                <a:latin typeface="Courier New" pitchFamily="49" charset="0"/>
+                <a:cs typeface="Courier New" pitchFamily="49" charset="0"/>
+              </a:rPr>
+              <a:t>));</a:t>
+            </a:r>
+          </a:p>
+          <a:p>
+            <a:pPr eaLnBrk="1" hangingPunct="1">
+              <a:spcBef>
+                <a:spcPts val="725"/>
+              </a:spcBef>
+            </a:pPr>
+            <a:r>
+              <a:rPr lang="en-US" dirty="0">
+                <a:solidFill>
+                  <a:srgbClr val="000000"/>
+                </a:solidFill>
+                <a:latin typeface="Courier New" pitchFamily="49" charset="0"/>
+                <a:cs typeface="Courier New" pitchFamily="49" charset="0"/>
+              </a:rPr>
+              <a:t>   </a:t>
+            </a:r>
+            <a:r>
+              <a:rPr lang="fi-FI" dirty="0">
+                <a:solidFill>
+                  <a:srgbClr val="000000"/>
+                </a:solidFill>
+                <a:latin typeface="Courier New" pitchFamily="49" charset="0"/>
+                <a:cs typeface="Courier New" pitchFamily="49" charset="0"/>
+              </a:rPr>
+              <a:t>}</a:t>
+            </a:r>
+          </a:p>
+          <a:p>
+            <a:pPr eaLnBrk="1" hangingPunct="1">
+              <a:spcBef>
+                <a:spcPts val="725"/>
+              </a:spcBef>
+            </a:pPr>
+            <a:r>
+              <a:rPr lang="en-US" dirty="0">
+                <a:solidFill>
+                  <a:srgbClr val="000000"/>
+                </a:solidFill>
+                <a:latin typeface="Courier New" pitchFamily="49" charset="0"/>
+                <a:cs typeface="Courier New" pitchFamily="49" charset="0"/>
+              </a:rPr>
+              <a:t>   data = (data &gt;&gt; 1);</a:t>
+            </a:r>
+          </a:p>
+          <a:p>
+            <a:pPr eaLnBrk="1" hangingPunct="1">
+              <a:spcBef>
+                <a:spcPts val="725"/>
+              </a:spcBef>
+            </a:pPr>
+            <a:r>
+              <a:rPr lang="fi-FI" dirty="0">
+                <a:solidFill>
+                  <a:srgbClr val="000000"/>
+                </a:solidFill>
+                <a:latin typeface="Courier New" pitchFamily="49" charset="0"/>
+                <a:cs typeface="Courier New" pitchFamily="49" charset="0"/>
+              </a:rPr>
+              <a:t>}</a:t>
+            </a:r>
+          </a:p>
+          <a:p>
+            <a:pPr eaLnBrk="1" hangingPunct="1">
+              <a:spcBef>
+                <a:spcPts val="725"/>
+              </a:spcBef>
+            </a:pPr>
+            <a:endParaRPr lang="fi-FI" dirty="0">
+              <a:solidFill>
+                <a:srgbClr val="000000"/>
+              </a:solidFill>
+              <a:latin typeface="Courier New" pitchFamily="49" charset="0"/>
+              <a:cs typeface="Courier New" pitchFamily="49" charset="0"/>
+            </a:endParaRPr>
+          </a:p>
+          <a:p>
+            <a:pPr eaLnBrk="1" hangingPunct="1">
+              <a:spcBef>
+                <a:spcPts val="725"/>
+              </a:spcBef>
+            </a:pPr>
+            <a:endParaRPr lang="fi-FI" sz="2000" dirty="0">
+              <a:solidFill>
+                <a:srgbClr val="000000"/>
+              </a:solidFill>
+            </a:endParaRPr>
+          </a:p>
+        </p:txBody>
+      </p:sp>
+      <p:sp>
+        <p:nvSpPr>
+          <p:cNvPr id="14340" name="Rectangle 3"/>
+          <p:cNvSpPr>
+            <a:spLocks noChangeArrowheads="1"/>
+          </p:cNvSpPr>
+          <p:nvPr/>
+        </p:nvSpPr>
+        <p:spPr bwMode="auto">
+          <a:xfrm>
+            <a:off x="4471988" y="4146005"/>
+            <a:ext cx="457200" cy="324000"/>
+          </a:xfrm>
+          <a:prstGeom prst="rect">
+            <a:avLst/>
+          </a:prstGeom>
+          <a:solidFill>
+            <a:srgbClr val="99CCFF"/>
+          </a:solidFill>
+          <a:ln w="6350">
+            <a:solidFill>
+              <a:srgbClr val="000000"/>
+            </a:solidFill>
+            <a:round/>
+            <a:headEnd/>
+            <a:tailEnd/>
+          </a:ln>
+        </p:spPr>
+        <p:txBody>
+          <a:bodyPr wrap="none" anchor="ctr"/>
+          <a:lstStyle/>
+          <a:p>
+            <a:endParaRPr lang="en-US"/>
+          </a:p>
+        </p:txBody>
+      </p:sp>
+      <p:sp>
+        <p:nvSpPr>
+          <p:cNvPr id="14341" name="Rectangle 4"/>
+          <p:cNvSpPr>
+            <a:spLocks noChangeArrowheads="1"/>
+          </p:cNvSpPr>
+          <p:nvPr/>
+        </p:nvSpPr>
+        <p:spPr bwMode="auto">
+          <a:xfrm>
+            <a:off x="4929188" y="4146005"/>
+            <a:ext cx="457200" cy="324000"/>
+          </a:xfrm>
+          <a:prstGeom prst="rect">
+            <a:avLst/>
+          </a:prstGeom>
+          <a:solidFill>
+            <a:srgbClr val="99CCFF"/>
+          </a:solidFill>
+          <a:ln w="6350">
+            <a:solidFill>
+              <a:srgbClr val="000000"/>
+            </a:solidFill>
+            <a:round/>
+            <a:headEnd/>
+            <a:tailEnd/>
+          </a:ln>
+        </p:spPr>
+        <p:txBody>
+          <a:bodyPr wrap="none" anchor="ctr"/>
+          <a:lstStyle/>
+          <a:p>
+            <a:endParaRPr lang="en-US"/>
+          </a:p>
+        </p:txBody>
+      </p:sp>
+      <p:sp>
+        <p:nvSpPr>
+          <p:cNvPr id="14342" name="Rectangle 5"/>
+          <p:cNvSpPr>
+            <a:spLocks noChangeArrowheads="1"/>
+          </p:cNvSpPr>
+          <p:nvPr/>
+        </p:nvSpPr>
+        <p:spPr bwMode="auto">
+          <a:xfrm>
+            <a:off x="5386388" y="4146005"/>
+            <a:ext cx="457200" cy="324000"/>
+          </a:xfrm>
+          <a:prstGeom prst="rect">
+            <a:avLst/>
+          </a:prstGeom>
+          <a:solidFill>
+            <a:srgbClr val="99CCFF"/>
+          </a:solidFill>
+          <a:ln w="6350">
+            <a:solidFill>
+              <a:srgbClr val="000000"/>
+            </a:solidFill>
+            <a:round/>
+            <a:headEnd/>
+            <a:tailEnd/>
+          </a:ln>
+        </p:spPr>
+        <p:txBody>
+          <a:bodyPr wrap="none" anchor="ctr"/>
+          <a:lstStyle/>
+          <a:p>
+            <a:endParaRPr lang="en-US"/>
+          </a:p>
+        </p:txBody>
+      </p:sp>
+      <p:sp>
+        <p:nvSpPr>
+          <p:cNvPr id="14343" name="Rectangle 6"/>
+          <p:cNvSpPr>
+            <a:spLocks noChangeArrowheads="1"/>
+          </p:cNvSpPr>
+          <p:nvPr/>
+        </p:nvSpPr>
+        <p:spPr bwMode="auto">
+          <a:xfrm>
+            <a:off x="5843588" y="4146005"/>
+            <a:ext cx="457200" cy="324000"/>
+          </a:xfrm>
+          <a:prstGeom prst="rect">
+            <a:avLst/>
+          </a:prstGeom>
+          <a:solidFill>
+            <a:srgbClr val="99CCFF"/>
+          </a:solidFill>
+          <a:ln w="6350">
+            <a:solidFill>
+              <a:srgbClr val="000000"/>
+            </a:solidFill>
+            <a:round/>
+            <a:headEnd/>
+            <a:tailEnd/>
+          </a:ln>
+        </p:spPr>
+        <p:txBody>
+          <a:bodyPr wrap="none" anchor="ctr"/>
+          <a:lstStyle/>
+          <a:p>
+            <a:endParaRPr lang="en-US"/>
+          </a:p>
+        </p:txBody>
+      </p:sp>
+      <p:sp>
+        <p:nvSpPr>
+          <p:cNvPr id="14344" name="Rectangle 7"/>
+          <p:cNvSpPr>
+            <a:spLocks noChangeArrowheads="1"/>
+          </p:cNvSpPr>
+          <p:nvPr/>
+        </p:nvSpPr>
+        <p:spPr bwMode="auto">
+          <a:xfrm>
+            <a:off x="6300788" y="4146005"/>
+            <a:ext cx="457200" cy="324000"/>
+          </a:xfrm>
+          <a:prstGeom prst="rect">
+            <a:avLst/>
+          </a:prstGeom>
+          <a:solidFill>
+            <a:srgbClr val="99CCFF"/>
+          </a:solidFill>
+          <a:ln w="6350">
+            <a:solidFill>
+              <a:srgbClr val="000000"/>
+            </a:solidFill>
+            <a:round/>
+            <a:headEnd/>
+            <a:tailEnd/>
+          </a:ln>
+        </p:spPr>
+        <p:txBody>
+          <a:bodyPr wrap="none" anchor="ctr"/>
+          <a:lstStyle/>
+          <a:p>
+            <a:endParaRPr lang="en-US"/>
+          </a:p>
+        </p:txBody>
+      </p:sp>
+      <p:sp>
+        <p:nvSpPr>
+          <p:cNvPr id="14345" name="Rectangle 8"/>
+          <p:cNvSpPr>
+            <a:spLocks noChangeArrowheads="1"/>
+          </p:cNvSpPr>
+          <p:nvPr/>
+        </p:nvSpPr>
+        <p:spPr bwMode="auto">
+          <a:xfrm>
+            <a:off x="6757988" y="4146005"/>
+            <a:ext cx="457200" cy="324000"/>
+          </a:xfrm>
+          <a:prstGeom prst="rect">
+            <a:avLst/>
+          </a:prstGeom>
+          <a:solidFill>
+            <a:srgbClr val="99CCFF"/>
+          </a:solidFill>
+          <a:ln w="6350">
+            <a:solidFill>
+              <a:srgbClr val="000000"/>
+            </a:solidFill>
+            <a:round/>
+            <a:headEnd/>
+            <a:tailEnd/>
+          </a:ln>
+        </p:spPr>
+        <p:txBody>
+          <a:bodyPr wrap="none" anchor="ctr"/>
+          <a:lstStyle/>
+          <a:p>
+            <a:endParaRPr lang="en-US"/>
+          </a:p>
+        </p:txBody>
+      </p:sp>
+      <p:sp>
+        <p:nvSpPr>
+          <p:cNvPr id="14346" name="Rectangle 9"/>
+          <p:cNvSpPr>
+            <a:spLocks noChangeArrowheads="1"/>
+          </p:cNvSpPr>
+          <p:nvPr/>
+        </p:nvSpPr>
+        <p:spPr bwMode="auto">
+          <a:xfrm>
+            <a:off x="7215188" y="4146005"/>
+            <a:ext cx="457200" cy="324000"/>
+          </a:xfrm>
+          <a:prstGeom prst="rect">
+            <a:avLst/>
+          </a:prstGeom>
+          <a:solidFill>
+            <a:srgbClr val="99CCFF"/>
+          </a:solidFill>
+          <a:ln w="6350">
+            <a:solidFill>
+              <a:srgbClr val="000000"/>
+            </a:solidFill>
+            <a:round/>
+            <a:headEnd/>
+            <a:tailEnd/>
+          </a:ln>
+        </p:spPr>
+        <p:txBody>
+          <a:bodyPr wrap="none" anchor="ctr"/>
+          <a:lstStyle/>
+          <a:p>
+            <a:endParaRPr lang="en-US"/>
+          </a:p>
+        </p:txBody>
+      </p:sp>
+      <p:sp>
+        <p:nvSpPr>
+          <p:cNvPr id="14347" name="Rectangle 10"/>
+          <p:cNvSpPr>
+            <a:spLocks noChangeArrowheads="1"/>
+          </p:cNvSpPr>
+          <p:nvPr/>
+        </p:nvSpPr>
+        <p:spPr bwMode="auto">
+          <a:xfrm>
+            <a:off x="7672388" y="4146005"/>
+            <a:ext cx="457200" cy="324000"/>
+          </a:xfrm>
+          <a:prstGeom prst="rect">
+            <a:avLst/>
+          </a:prstGeom>
+          <a:solidFill>
+            <a:srgbClr val="99CCFF"/>
+          </a:solidFill>
+          <a:ln w="6350">
+            <a:solidFill>
+              <a:srgbClr val="000000"/>
+            </a:solidFill>
+            <a:round/>
+            <a:headEnd/>
+            <a:tailEnd/>
+          </a:ln>
+        </p:spPr>
+        <p:txBody>
+          <a:bodyPr wrap="none" anchor="ctr"/>
+          <a:lstStyle/>
+          <a:p>
+            <a:endParaRPr lang="en-US"/>
+          </a:p>
+        </p:txBody>
+      </p:sp>
+      <p:sp>
+        <p:nvSpPr>
+          <p:cNvPr id="14348" name="Line 11"/>
+          <p:cNvSpPr>
+            <a:spLocks noChangeShapeType="1"/>
+          </p:cNvSpPr>
+          <p:nvPr/>
+        </p:nvSpPr>
+        <p:spPr bwMode="auto">
+          <a:xfrm>
+            <a:off x="4700588" y="2088605"/>
+            <a:ext cx="1587" cy="457200"/>
+          </a:xfrm>
+          <a:prstGeom prst="line">
+            <a:avLst/>
+          </a:prstGeom>
+          <a:noFill/>
+          <a:ln w="9360">
+            <a:solidFill>
+              <a:srgbClr val="000000"/>
+            </a:solidFill>
+            <a:miter lim="800000"/>
+            <a:headEnd/>
+            <a:tailEnd/>
+          </a:ln>
+          <a:extLst>
+            <a:ext uri="{909E8E84-426E-40DD-AFC4-6F175D3DCCD1}">
+              <a14:hiddenFill xmlns:a14="http://schemas.microsoft.com/office/drawing/2010/main">
+                <a:noFill/>
+              </a14:hiddenFill>
+            </a:ext>
+          </a:extLst>
+        </p:spPr>
+        <p:txBody>
+          <a:bodyPr/>
+          <a:lstStyle/>
+          <a:p>
+            <a:endParaRPr lang="en-US"/>
+          </a:p>
+        </p:txBody>
+      </p:sp>
+      <p:sp>
+        <p:nvSpPr>
+          <p:cNvPr id="14349" name="Line 12"/>
+          <p:cNvSpPr>
+            <a:spLocks noChangeShapeType="1"/>
+          </p:cNvSpPr>
+          <p:nvPr/>
+        </p:nvSpPr>
+        <p:spPr bwMode="auto">
+          <a:xfrm>
+            <a:off x="5157788" y="2088605"/>
+            <a:ext cx="1587" cy="457200"/>
+          </a:xfrm>
+          <a:prstGeom prst="line">
+            <a:avLst/>
+          </a:prstGeom>
+          <a:noFill/>
+          <a:ln w="9360">
+            <a:solidFill>
+              <a:srgbClr val="000000"/>
+            </a:solidFill>
+            <a:miter lim="800000"/>
+            <a:headEnd/>
+            <a:tailEnd/>
+          </a:ln>
+          <a:extLst>
+            <a:ext uri="{909E8E84-426E-40DD-AFC4-6F175D3DCCD1}">
+              <a14:hiddenFill xmlns:a14="http://schemas.microsoft.com/office/drawing/2010/main">
+                <a:noFill/>
+              </a14:hiddenFill>
+            </a:ext>
+          </a:extLst>
+        </p:spPr>
+        <p:txBody>
+          <a:bodyPr/>
+          <a:lstStyle/>
+          <a:p>
+            <a:endParaRPr lang="en-US"/>
+          </a:p>
+        </p:txBody>
+      </p:sp>
+      <p:sp>
+        <p:nvSpPr>
+          <p:cNvPr id="14350" name="Line 13"/>
+          <p:cNvSpPr>
+            <a:spLocks noChangeShapeType="1"/>
+          </p:cNvSpPr>
+          <p:nvPr/>
+        </p:nvSpPr>
+        <p:spPr bwMode="auto">
+          <a:xfrm>
+            <a:off x="5614988" y="2088605"/>
+            <a:ext cx="1587" cy="457200"/>
+          </a:xfrm>
+          <a:prstGeom prst="line">
+            <a:avLst/>
+          </a:prstGeom>
+          <a:noFill/>
+          <a:ln w="9360">
+            <a:solidFill>
+              <a:srgbClr val="000000"/>
+            </a:solidFill>
+            <a:miter lim="800000"/>
+            <a:headEnd/>
+            <a:tailEnd/>
+          </a:ln>
+          <a:extLst>
+            <a:ext uri="{909E8E84-426E-40DD-AFC4-6F175D3DCCD1}">
+              <a14:hiddenFill xmlns:a14="http://schemas.microsoft.com/office/drawing/2010/main">
+                <a:noFill/>
+              </a14:hiddenFill>
+            </a:ext>
+          </a:extLst>
+        </p:spPr>
+        <p:txBody>
+          <a:bodyPr/>
+          <a:lstStyle/>
+          <a:p>
+            <a:endParaRPr lang="en-US"/>
+          </a:p>
+        </p:txBody>
+      </p:sp>
+      <p:sp>
+        <p:nvSpPr>
+          <p:cNvPr id="14351" name="Line 14"/>
+          <p:cNvSpPr>
+            <a:spLocks noChangeShapeType="1"/>
+          </p:cNvSpPr>
+          <p:nvPr/>
+        </p:nvSpPr>
+        <p:spPr bwMode="auto">
+          <a:xfrm>
+            <a:off x="6072188" y="2088605"/>
+            <a:ext cx="1587" cy="457200"/>
+          </a:xfrm>
+          <a:prstGeom prst="line">
+            <a:avLst/>
+          </a:prstGeom>
+          <a:noFill/>
+          <a:ln w="9360">
+            <a:solidFill>
+              <a:srgbClr val="000000"/>
+            </a:solidFill>
+            <a:miter lim="800000"/>
+            <a:headEnd/>
+            <a:tailEnd/>
+          </a:ln>
+          <a:extLst>
+            <a:ext uri="{909E8E84-426E-40DD-AFC4-6F175D3DCCD1}">
+              <a14:hiddenFill xmlns:a14="http://schemas.microsoft.com/office/drawing/2010/main">
+                <a:noFill/>
+              </a14:hiddenFill>
+            </a:ext>
+          </a:extLst>
+        </p:spPr>
+        <p:txBody>
+          <a:bodyPr/>
+          <a:lstStyle/>
+          <a:p>
+            <a:endParaRPr lang="en-US"/>
+          </a:p>
+        </p:txBody>
+      </p:sp>
+      <p:sp>
+        <p:nvSpPr>
+          <p:cNvPr id="14352" name="Line 15"/>
+          <p:cNvSpPr>
+            <a:spLocks noChangeShapeType="1"/>
+          </p:cNvSpPr>
+          <p:nvPr/>
+        </p:nvSpPr>
+        <p:spPr bwMode="auto">
+          <a:xfrm>
+            <a:off x="6529388" y="2088605"/>
+            <a:ext cx="1587" cy="457200"/>
+          </a:xfrm>
+          <a:prstGeom prst="line">
+            <a:avLst/>
+          </a:prstGeom>
+          <a:noFill/>
+          <a:ln w="9360">
+            <a:solidFill>
+              <a:srgbClr val="000000"/>
+            </a:solidFill>
+            <a:miter lim="800000"/>
+            <a:headEnd/>
+            <a:tailEnd/>
+          </a:ln>
+          <a:extLst>
+            <a:ext uri="{909E8E84-426E-40DD-AFC4-6F175D3DCCD1}">
+              <a14:hiddenFill xmlns:a14="http://schemas.microsoft.com/office/drawing/2010/main">
+                <a:noFill/>
+              </a14:hiddenFill>
+            </a:ext>
+          </a:extLst>
+        </p:spPr>
+        <p:txBody>
+          <a:bodyPr/>
+          <a:lstStyle/>
+          <a:p>
+            <a:endParaRPr lang="en-US"/>
+          </a:p>
+        </p:txBody>
+      </p:sp>
+      <p:sp>
+        <p:nvSpPr>
+          <p:cNvPr id="14353" name="Line 16"/>
+          <p:cNvSpPr>
+            <a:spLocks noChangeShapeType="1"/>
+          </p:cNvSpPr>
+          <p:nvPr/>
+        </p:nvSpPr>
+        <p:spPr bwMode="auto">
+          <a:xfrm>
+            <a:off x="6986588" y="2088605"/>
+            <a:ext cx="1587" cy="457200"/>
+          </a:xfrm>
+          <a:prstGeom prst="line">
+            <a:avLst/>
+          </a:prstGeom>
+          <a:noFill/>
+          <a:ln w="9360">
+            <a:solidFill>
+              <a:srgbClr val="000000"/>
+            </a:solidFill>
+            <a:miter lim="800000"/>
+            <a:headEnd/>
+            <a:tailEnd/>
+          </a:ln>
+          <a:extLst>
+            <a:ext uri="{909E8E84-426E-40DD-AFC4-6F175D3DCCD1}">
+              <a14:hiddenFill xmlns:a14="http://schemas.microsoft.com/office/drawing/2010/main">
+                <a:noFill/>
+              </a14:hiddenFill>
+            </a:ext>
+          </a:extLst>
+        </p:spPr>
+        <p:txBody>
+          <a:bodyPr/>
+          <a:lstStyle/>
+          <a:p>
+            <a:endParaRPr lang="en-US"/>
+          </a:p>
+        </p:txBody>
+      </p:sp>
+      <p:sp>
+        <p:nvSpPr>
+          <p:cNvPr id="14354" name="Line 17"/>
+          <p:cNvSpPr>
+            <a:spLocks noChangeShapeType="1"/>
+          </p:cNvSpPr>
+          <p:nvPr/>
+        </p:nvSpPr>
+        <p:spPr bwMode="auto">
+          <a:xfrm>
+            <a:off x="7443788" y="2088605"/>
+            <a:ext cx="1587" cy="457200"/>
+          </a:xfrm>
+          <a:prstGeom prst="line">
+            <a:avLst/>
+          </a:prstGeom>
+          <a:noFill/>
+          <a:ln w="9360">
+            <a:solidFill>
+              <a:srgbClr val="000000"/>
+            </a:solidFill>
+            <a:miter lim="800000"/>
+            <a:headEnd/>
+            <a:tailEnd/>
+          </a:ln>
+          <a:extLst>
+            <a:ext uri="{909E8E84-426E-40DD-AFC4-6F175D3DCCD1}">
+              <a14:hiddenFill xmlns:a14="http://schemas.microsoft.com/office/drawing/2010/main">
+                <a:noFill/>
+              </a14:hiddenFill>
+            </a:ext>
+          </a:extLst>
+        </p:spPr>
+        <p:txBody>
+          <a:bodyPr/>
+          <a:lstStyle/>
+          <a:p>
+            <a:endParaRPr lang="en-US"/>
+          </a:p>
+        </p:txBody>
+      </p:sp>
+      <p:sp>
+        <p:nvSpPr>
+          <p:cNvPr id="14355" name="Line 18"/>
+          <p:cNvSpPr>
+            <a:spLocks noChangeShapeType="1"/>
+          </p:cNvSpPr>
+          <p:nvPr/>
+        </p:nvSpPr>
+        <p:spPr bwMode="auto">
+          <a:xfrm>
+            <a:off x="7900988" y="2088605"/>
+            <a:ext cx="1587" cy="457200"/>
+          </a:xfrm>
+          <a:prstGeom prst="line">
+            <a:avLst/>
+          </a:prstGeom>
+          <a:noFill/>
+          <a:ln w="9360">
+            <a:solidFill>
+              <a:srgbClr val="000000"/>
+            </a:solidFill>
+            <a:miter lim="800000"/>
+            <a:headEnd/>
+            <a:tailEnd/>
+          </a:ln>
+          <a:extLst>
+            <a:ext uri="{909E8E84-426E-40DD-AFC4-6F175D3DCCD1}">
+              <a14:hiddenFill xmlns:a14="http://schemas.microsoft.com/office/drawing/2010/main">
+                <a:noFill/>
+              </a14:hiddenFill>
+            </a:ext>
+          </a:extLst>
+        </p:spPr>
+        <p:txBody>
+          <a:bodyPr/>
+          <a:lstStyle/>
+          <a:p>
+            <a:endParaRPr lang="en-US"/>
+          </a:p>
+        </p:txBody>
+      </p:sp>
+      <p:sp>
+        <p:nvSpPr>
+          <p:cNvPr id="14356" name="Line 19"/>
+          <p:cNvSpPr>
+            <a:spLocks noChangeShapeType="1"/>
+          </p:cNvSpPr>
+          <p:nvPr/>
+        </p:nvSpPr>
+        <p:spPr bwMode="auto">
+          <a:xfrm>
+            <a:off x="4700588" y="3688805"/>
+            <a:ext cx="1587" cy="457200"/>
+          </a:xfrm>
+          <a:prstGeom prst="line">
+            <a:avLst/>
+          </a:prstGeom>
+          <a:noFill/>
+          <a:ln w="9360">
+            <a:solidFill>
+              <a:srgbClr val="000000"/>
+            </a:solidFill>
+            <a:miter lim="800000"/>
+            <a:headEnd type="none" w="med" len="med"/>
+            <a:tailEnd type="triangle" w="med" len="med"/>
+          </a:ln>
+          <a:extLst>
+            <a:ext uri="{909E8E84-426E-40DD-AFC4-6F175D3DCCD1}">
+              <a14:hiddenFill xmlns:a14="http://schemas.microsoft.com/office/drawing/2010/main">
+                <a:noFill/>
+              </a14:hiddenFill>
+            </a:ext>
+          </a:extLst>
+        </p:spPr>
+        <p:txBody>
+          <a:bodyPr/>
+          <a:lstStyle/>
+          <a:p>
+            <a:endParaRPr lang="en-US"/>
+          </a:p>
+        </p:txBody>
+      </p:sp>
+      <p:sp>
+        <p:nvSpPr>
+          <p:cNvPr id="14357" name="Line 20"/>
+          <p:cNvSpPr>
+            <a:spLocks noChangeShapeType="1"/>
+          </p:cNvSpPr>
+          <p:nvPr/>
+        </p:nvSpPr>
+        <p:spPr bwMode="auto">
+          <a:xfrm>
+            <a:off x="5157788" y="3688805"/>
+            <a:ext cx="1587" cy="457200"/>
+          </a:xfrm>
+          <a:prstGeom prst="line">
+            <a:avLst/>
+          </a:prstGeom>
+          <a:noFill/>
+          <a:ln w="9360">
+            <a:solidFill>
+              <a:srgbClr val="000000"/>
+            </a:solidFill>
+            <a:miter lim="800000"/>
+            <a:headEnd type="none" w="med" len="med"/>
+            <a:tailEnd type="triangle" w="med" len="med"/>
+          </a:ln>
+          <a:extLst>
+            <a:ext uri="{909E8E84-426E-40DD-AFC4-6F175D3DCCD1}">
+              <a14:hiddenFill xmlns:a14="http://schemas.microsoft.com/office/drawing/2010/main">
+                <a:noFill/>
+              </a14:hiddenFill>
+            </a:ext>
+          </a:extLst>
+        </p:spPr>
+        <p:txBody>
+          <a:bodyPr/>
+          <a:lstStyle/>
+          <a:p>
+            <a:endParaRPr lang="en-US"/>
+          </a:p>
+        </p:txBody>
+      </p:sp>
+      <p:sp>
+        <p:nvSpPr>
+          <p:cNvPr id="14358" name="Line 21"/>
+          <p:cNvSpPr>
+            <a:spLocks noChangeShapeType="1"/>
+          </p:cNvSpPr>
+          <p:nvPr/>
+        </p:nvSpPr>
+        <p:spPr bwMode="auto">
+          <a:xfrm>
+            <a:off x="5614988" y="3688805"/>
+            <a:ext cx="1587" cy="457200"/>
+          </a:xfrm>
+          <a:prstGeom prst="line">
+            <a:avLst/>
+          </a:prstGeom>
+          <a:noFill/>
+          <a:ln w="9360">
+            <a:solidFill>
+              <a:srgbClr val="000000"/>
+            </a:solidFill>
+            <a:miter lim="800000"/>
+            <a:headEnd type="none" w="med" len="med"/>
+            <a:tailEnd type="triangle" w="med" len="med"/>
+          </a:ln>
+          <a:extLst>
+            <a:ext uri="{909E8E84-426E-40DD-AFC4-6F175D3DCCD1}">
+              <a14:hiddenFill xmlns:a14="http://schemas.microsoft.com/office/drawing/2010/main">
+                <a:noFill/>
+              </a14:hiddenFill>
+            </a:ext>
+          </a:extLst>
+        </p:spPr>
+        <p:txBody>
+          <a:bodyPr/>
+          <a:lstStyle/>
+          <a:p>
+            <a:endParaRPr lang="en-US"/>
+          </a:p>
+        </p:txBody>
+      </p:sp>
+      <p:sp>
+        <p:nvSpPr>
+          <p:cNvPr id="14359" name="Line 22"/>
+          <p:cNvSpPr>
+            <a:spLocks noChangeShapeType="1"/>
+          </p:cNvSpPr>
+          <p:nvPr/>
+        </p:nvSpPr>
+        <p:spPr bwMode="auto">
+          <a:xfrm>
+            <a:off x="6072188" y="3688805"/>
+            <a:ext cx="1587" cy="457200"/>
+          </a:xfrm>
+          <a:prstGeom prst="line">
+            <a:avLst/>
+          </a:prstGeom>
+          <a:noFill/>
+          <a:ln w="9360">
+            <a:solidFill>
+              <a:srgbClr val="000000"/>
+            </a:solidFill>
+            <a:miter lim="800000"/>
+            <a:headEnd type="none" w="med" len="med"/>
+            <a:tailEnd type="triangle" w="med" len="med"/>
+          </a:ln>
+          <a:extLst>
+            <a:ext uri="{909E8E84-426E-40DD-AFC4-6F175D3DCCD1}">
+              <a14:hiddenFill xmlns:a14="http://schemas.microsoft.com/office/drawing/2010/main">
+                <a:noFill/>
+              </a14:hiddenFill>
+            </a:ext>
+          </a:extLst>
+        </p:spPr>
+        <p:txBody>
+          <a:bodyPr/>
+          <a:lstStyle/>
+          <a:p>
+            <a:endParaRPr lang="en-US"/>
+          </a:p>
+        </p:txBody>
+      </p:sp>
+      <p:sp>
+        <p:nvSpPr>
+          <p:cNvPr id="14360" name="Line 23"/>
+          <p:cNvSpPr>
+            <a:spLocks noChangeShapeType="1"/>
+          </p:cNvSpPr>
+          <p:nvPr/>
+        </p:nvSpPr>
+        <p:spPr bwMode="auto">
+          <a:xfrm>
+            <a:off x="6529388" y="3688805"/>
+            <a:ext cx="1587" cy="457200"/>
+          </a:xfrm>
+          <a:prstGeom prst="line">
+            <a:avLst/>
+          </a:prstGeom>
+          <a:noFill/>
+          <a:ln w="9360">
+            <a:solidFill>
+              <a:srgbClr val="000000"/>
+            </a:solidFill>
+            <a:miter lim="800000"/>
+            <a:headEnd type="none" w="med" len="med"/>
+            <a:tailEnd type="triangle" w="med" len="med"/>
+          </a:ln>
+          <a:extLst>
+            <a:ext uri="{909E8E84-426E-40DD-AFC4-6F175D3DCCD1}">
+              <a14:hiddenFill xmlns:a14="http://schemas.microsoft.com/office/drawing/2010/main">
+                <a:noFill/>
+              </a14:hiddenFill>
+            </a:ext>
+          </a:extLst>
+        </p:spPr>
+        <p:txBody>
+          <a:bodyPr/>
+          <a:lstStyle/>
+          <a:p>
+            <a:endParaRPr lang="en-US"/>
+          </a:p>
+        </p:txBody>
+      </p:sp>
+      <p:sp>
+        <p:nvSpPr>
+          <p:cNvPr id="14361" name="Line 24"/>
+          <p:cNvSpPr>
+            <a:spLocks noChangeShapeType="1"/>
+          </p:cNvSpPr>
+          <p:nvPr/>
+        </p:nvSpPr>
+        <p:spPr bwMode="auto">
+          <a:xfrm>
+            <a:off x="6986588" y="3688805"/>
+            <a:ext cx="1587" cy="457200"/>
+          </a:xfrm>
+          <a:prstGeom prst="line">
+            <a:avLst/>
+          </a:prstGeom>
+          <a:noFill/>
+          <a:ln w="9360">
+            <a:solidFill>
+              <a:srgbClr val="000000"/>
+            </a:solidFill>
+            <a:miter lim="800000"/>
+            <a:headEnd type="none" w="med" len="med"/>
+            <a:tailEnd type="triangle" w="med" len="med"/>
+          </a:ln>
+          <a:extLst>
+            <a:ext uri="{909E8E84-426E-40DD-AFC4-6F175D3DCCD1}">
+              <a14:hiddenFill xmlns:a14="http://schemas.microsoft.com/office/drawing/2010/main">
+                <a:noFill/>
+              </a14:hiddenFill>
+            </a:ext>
+          </a:extLst>
+        </p:spPr>
+        <p:txBody>
+          <a:bodyPr/>
+          <a:lstStyle/>
+          <a:p>
+            <a:endParaRPr lang="en-US"/>
+          </a:p>
+        </p:txBody>
+      </p:sp>
+      <p:sp>
+        <p:nvSpPr>
+          <p:cNvPr id="14362" name="Line 25"/>
+          <p:cNvSpPr>
+            <a:spLocks noChangeShapeType="1"/>
+          </p:cNvSpPr>
+          <p:nvPr/>
+        </p:nvSpPr>
+        <p:spPr bwMode="auto">
+          <a:xfrm>
+            <a:off x="7443788" y="3688805"/>
+            <a:ext cx="1587" cy="457200"/>
+          </a:xfrm>
+          <a:prstGeom prst="line">
+            <a:avLst/>
+          </a:prstGeom>
+          <a:noFill/>
+          <a:ln w="9360">
+            <a:solidFill>
+              <a:srgbClr val="000000"/>
+            </a:solidFill>
+            <a:miter lim="800000"/>
+            <a:headEnd type="none" w="med" len="med"/>
+            <a:tailEnd type="triangle" w="med" len="med"/>
+          </a:ln>
+          <a:extLst>
+            <a:ext uri="{909E8E84-426E-40DD-AFC4-6F175D3DCCD1}">
+              <a14:hiddenFill xmlns:a14="http://schemas.microsoft.com/office/drawing/2010/main">
+                <a:noFill/>
+              </a14:hiddenFill>
+            </a:ext>
+          </a:extLst>
+        </p:spPr>
+        <p:txBody>
+          <a:bodyPr/>
+          <a:lstStyle/>
+          <a:p>
+            <a:endParaRPr lang="en-US"/>
+          </a:p>
+        </p:txBody>
+      </p:sp>
+      <p:sp>
+        <p:nvSpPr>
+          <p:cNvPr id="14363" name="Line 26"/>
+          <p:cNvSpPr>
+            <a:spLocks noChangeShapeType="1"/>
+          </p:cNvSpPr>
+          <p:nvPr/>
+        </p:nvSpPr>
+        <p:spPr bwMode="auto">
+          <a:xfrm>
+            <a:off x="7900988" y="3688805"/>
+            <a:ext cx="1587" cy="457200"/>
+          </a:xfrm>
+          <a:prstGeom prst="line">
+            <a:avLst/>
+          </a:prstGeom>
+          <a:noFill/>
+          <a:ln w="9360">
+            <a:solidFill>
+              <a:srgbClr val="000000"/>
+            </a:solidFill>
+            <a:miter lim="800000"/>
+            <a:headEnd type="none" w="med" len="med"/>
+            <a:tailEnd type="triangle" w="med" len="med"/>
+          </a:ln>
+          <a:extLst>
+            <a:ext uri="{909E8E84-426E-40DD-AFC4-6F175D3DCCD1}">
+              <a14:hiddenFill xmlns:a14="http://schemas.microsoft.com/office/drawing/2010/main">
+                <a:noFill/>
+              </a14:hiddenFill>
+            </a:ext>
+          </a:extLst>
+        </p:spPr>
+        <p:txBody>
+          <a:bodyPr/>
+          <a:lstStyle/>
+          <a:p>
+            <a:endParaRPr lang="en-US"/>
+          </a:p>
+        </p:txBody>
+      </p:sp>
+      <p:sp>
+        <p:nvSpPr>
+          <p:cNvPr id="14364" name="Line 27"/>
+          <p:cNvSpPr>
+            <a:spLocks noChangeShapeType="1"/>
+          </p:cNvSpPr>
+          <p:nvPr/>
+        </p:nvSpPr>
+        <p:spPr bwMode="auto">
+          <a:xfrm>
+            <a:off x="4700588" y="4473116"/>
+            <a:ext cx="1587" cy="457200"/>
+          </a:xfrm>
+          <a:prstGeom prst="line">
+            <a:avLst/>
+          </a:prstGeom>
+          <a:noFill/>
+          <a:ln w="9360">
+            <a:solidFill>
+              <a:srgbClr val="000000"/>
+            </a:solidFill>
+            <a:miter lim="800000"/>
+            <a:headEnd type="none" w="med" len="med"/>
+            <a:tailEnd type="triangle" w="med" len="med"/>
+          </a:ln>
+          <a:extLst>
+            <a:ext uri="{909E8E84-426E-40DD-AFC4-6F175D3DCCD1}">
+              <a14:hiddenFill xmlns:a14="http://schemas.microsoft.com/office/drawing/2010/main">
+                <a:noFill/>
+              </a14:hiddenFill>
+            </a:ext>
+          </a:extLst>
+        </p:spPr>
+        <p:txBody>
+          <a:bodyPr/>
+          <a:lstStyle/>
+          <a:p>
+            <a:endParaRPr lang="en-US"/>
+          </a:p>
+        </p:txBody>
+      </p:sp>
+      <p:sp>
+        <p:nvSpPr>
+          <p:cNvPr id="14365" name="Line 28"/>
+          <p:cNvSpPr>
+            <a:spLocks noChangeShapeType="1"/>
+          </p:cNvSpPr>
+          <p:nvPr/>
+        </p:nvSpPr>
+        <p:spPr bwMode="auto">
+          <a:xfrm>
+            <a:off x="5157788" y="4473116"/>
+            <a:ext cx="1587" cy="457200"/>
+          </a:xfrm>
+          <a:prstGeom prst="line">
+            <a:avLst/>
+          </a:prstGeom>
+          <a:noFill/>
+          <a:ln w="9360">
+            <a:solidFill>
+              <a:srgbClr val="000000"/>
+            </a:solidFill>
+            <a:miter lim="800000"/>
+            <a:headEnd type="none" w="med" len="med"/>
+            <a:tailEnd type="triangle" w="med" len="med"/>
+          </a:ln>
+          <a:extLst>
+            <a:ext uri="{909E8E84-426E-40DD-AFC4-6F175D3DCCD1}">
+              <a14:hiddenFill xmlns:a14="http://schemas.microsoft.com/office/drawing/2010/main">
+                <a:noFill/>
+              </a14:hiddenFill>
+            </a:ext>
+          </a:extLst>
+        </p:spPr>
+        <p:txBody>
+          <a:bodyPr/>
+          <a:lstStyle/>
+          <a:p>
+            <a:endParaRPr lang="en-US"/>
+          </a:p>
+        </p:txBody>
+      </p:sp>
+      <p:sp>
+        <p:nvSpPr>
+          <p:cNvPr id="14366" name="Line 29"/>
+          <p:cNvSpPr>
+            <a:spLocks noChangeShapeType="1"/>
+          </p:cNvSpPr>
+          <p:nvPr/>
+        </p:nvSpPr>
+        <p:spPr bwMode="auto">
+          <a:xfrm>
+            <a:off x="5614988" y="4473116"/>
+            <a:ext cx="1587" cy="457200"/>
+          </a:xfrm>
+          <a:prstGeom prst="line">
+            <a:avLst/>
+          </a:prstGeom>
+          <a:noFill/>
+          <a:ln w="9360">
+            <a:solidFill>
+              <a:srgbClr val="000000"/>
+            </a:solidFill>
+            <a:miter lim="800000"/>
+            <a:headEnd type="none" w="med" len="med"/>
+            <a:tailEnd type="triangle" w="med" len="med"/>
+          </a:ln>
+          <a:extLst>
+            <a:ext uri="{909E8E84-426E-40DD-AFC4-6F175D3DCCD1}">
+              <a14:hiddenFill xmlns:a14="http://schemas.microsoft.com/office/drawing/2010/main">
+                <a:noFill/>
+              </a14:hiddenFill>
+            </a:ext>
+          </a:extLst>
+        </p:spPr>
+        <p:txBody>
+          <a:bodyPr/>
+          <a:lstStyle/>
+          <a:p>
+            <a:endParaRPr lang="en-US"/>
+          </a:p>
+        </p:txBody>
+      </p:sp>
+      <p:sp>
+        <p:nvSpPr>
+          <p:cNvPr id="14367" name="Line 30"/>
+          <p:cNvSpPr>
+            <a:spLocks noChangeShapeType="1"/>
+          </p:cNvSpPr>
+          <p:nvPr/>
+        </p:nvSpPr>
+        <p:spPr bwMode="auto">
+          <a:xfrm>
+            <a:off x="6072188" y="4473116"/>
+            <a:ext cx="1587" cy="457200"/>
+          </a:xfrm>
+          <a:prstGeom prst="line">
+            <a:avLst/>
+          </a:prstGeom>
+          <a:noFill/>
+          <a:ln w="9360">
+            <a:solidFill>
+              <a:srgbClr val="000000"/>
+            </a:solidFill>
+            <a:miter lim="800000"/>
+            <a:headEnd type="none" w="med" len="med"/>
+            <a:tailEnd type="triangle" w="med" len="med"/>
+          </a:ln>
+          <a:extLst>
+            <a:ext uri="{909E8E84-426E-40DD-AFC4-6F175D3DCCD1}">
+              <a14:hiddenFill xmlns:a14="http://schemas.microsoft.com/office/drawing/2010/main">
+                <a:noFill/>
+              </a14:hiddenFill>
+            </a:ext>
+          </a:extLst>
+        </p:spPr>
+        <p:txBody>
+          <a:bodyPr/>
+          <a:lstStyle/>
+          <a:p>
+            <a:endParaRPr lang="en-US"/>
+          </a:p>
+        </p:txBody>
+      </p:sp>
+      <p:sp>
+        <p:nvSpPr>
+          <p:cNvPr id="14368" name="Line 31"/>
+          <p:cNvSpPr>
+            <a:spLocks noChangeShapeType="1"/>
+          </p:cNvSpPr>
+          <p:nvPr/>
+        </p:nvSpPr>
+        <p:spPr bwMode="auto">
+          <a:xfrm>
+            <a:off x="6529388" y="4473116"/>
+            <a:ext cx="1587" cy="457200"/>
+          </a:xfrm>
+          <a:prstGeom prst="line">
+            <a:avLst/>
+          </a:prstGeom>
+          <a:noFill/>
+          <a:ln w="9360">
+            <a:solidFill>
+              <a:srgbClr val="000000"/>
+            </a:solidFill>
+            <a:miter lim="800000"/>
+            <a:headEnd type="none" w="med" len="med"/>
+            <a:tailEnd type="triangle" w="med" len="med"/>
+          </a:ln>
+          <a:extLst>
+            <a:ext uri="{909E8E84-426E-40DD-AFC4-6F175D3DCCD1}">
+              <a14:hiddenFill xmlns:a14="http://schemas.microsoft.com/office/drawing/2010/main">
+                <a:noFill/>
+              </a14:hiddenFill>
+            </a:ext>
+          </a:extLst>
+        </p:spPr>
+        <p:txBody>
+          <a:bodyPr/>
+          <a:lstStyle/>
+          <a:p>
+            <a:endParaRPr lang="en-US"/>
+          </a:p>
+        </p:txBody>
+      </p:sp>
+      <p:sp>
+        <p:nvSpPr>
+          <p:cNvPr id="14369" name="Line 32"/>
+          <p:cNvSpPr>
+            <a:spLocks noChangeShapeType="1"/>
+          </p:cNvSpPr>
+          <p:nvPr/>
+        </p:nvSpPr>
+        <p:spPr bwMode="auto">
+          <a:xfrm>
+            <a:off x="6986588" y="4473116"/>
+            <a:ext cx="1587" cy="457200"/>
+          </a:xfrm>
+          <a:prstGeom prst="line">
+            <a:avLst/>
+          </a:prstGeom>
+          <a:noFill/>
+          <a:ln w="9360">
+            <a:solidFill>
+              <a:srgbClr val="000000"/>
+            </a:solidFill>
+            <a:miter lim="800000"/>
+            <a:headEnd type="none" w="med" len="med"/>
+            <a:tailEnd type="triangle" w="med" len="med"/>
+          </a:ln>
+          <a:extLst>
+            <a:ext uri="{909E8E84-426E-40DD-AFC4-6F175D3DCCD1}">
+              <a14:hiddenFill xmlns:a14="http://schemas.microsoft.com/office/drawing/2010/main">
+                <a:noFill/>
+              </a14:hiddenFill>
+            </a:ext>
+          </a:extLst>
+        </p:spPr>
+        <p:txBody>
+          <a:bodyPr/>
+          <a:lstStyle/>
+          <a:p>
+            <a:endParaRPr lang="en-US"/>
+          </a:p>
+        </p:txBody>
+      </p:sp>
+      <p:sp>
+        <p:nvSpPr>
+          <p:cNvPr id="14370" name="Line 33"/>
+          <p:cNvSpPr>
+            <a:spLocks noChangeShapeType="1"/>
+          </p:cNvSpPr>
+          <p:nvPr/>
+        </p:nvSpPr>
+        <p:spPr bwMode="auto">
+          <a:xfrm>
+            <a:off x="7443788" y="4473116"/>
+            <a:ext cx="1587" cy="457200"/>
+          </a:xfrm>
+          <a:prstGeom prst="line">
+            <a:avLst/>
+          </a:prstGeom>
+          <a:noFill/>
+          <a:ln w="9360">
+            <a:solidFill>
+              <a:srgbClr val="000000"/>
+            </a:solidFill>
+            <a:miter lim="800000"/>
+            <a:headEnd type="none" w="med" len="med"/>
+            <a:tailEnd type="triangle" w="med" len="med"/>
+          </a:ln>
+          <a:extLst>
+            <a:ext uri="{909E8E84-426E-40DD-AFC4-6F175D3DCCD1}">
+              <a14:hiddenFill xmlns:a14="http://schemas.microsoft.com/office/drawing/2010/main">
+                <a:noFill/>
+              </a14:hiddenFill>
+            </a:ext>
+          </a:extLst>
+        </p:spPr>
+        <p:txBody>
+          <a:bodyPr/>
+          <a:lstStyle/>
+          <a:p>
+            <a:endParaRPr lang="en-US"/>
+          </a:p>
+        </p:txBody>
+      </p:sp>
+      <p:sp>
+        <p:nvSpPr>
+          <p:cNvPr id="14371" name="Line 34"/>
+          <p:cNvSpPr>
+            <a:spLocks noChangeShapeType="1"/>
+          </p:cNvSpPr>
+          <p:nvPr/>
+        </p:nvSpPr>
+        <p:spPr bwMode="auto">
+          <a:xfrm>
+            <a:off x="7900988" y="4473116"/>
+            <a:ext cx="1587" cy="457200"/>
+          </a:xfrm>
+          <a:prstGeom prst="line">
+            <a:avLst/>
+          </a:prstGeom>
+          <a:noFill/>
+          <a:ln w="9360">
+            <a:solidFill>
+              <a:srgbClr val="000000"/>
+            </a:solidFill>
+            <a:miter lim="800000"/>
+            <a:headEnd type="none" w="med" len="med"/>
+            <a:tailEnd type="triangle" w="med" len="med"/>
+          </a:ln>
+          <a:extLst>
+            <a:ext uri="{909E8E84-426E-40DD-AFC4-6F175D3DCCD1}">
+              <a14:hiddenFill xmlns:a14="http://schemas.microsoft.com/office/drawing/2010/main">
+                <a:noFill/>
+              </a14:hiddenFill>
+            </a:ext>
+          </a:extLst>
+        </p:spPr>
+        <p:txBody>
+          <a:bodyPr/>
+          <a:lstStyle/>
+          <a:p>
+            <a:endParaRPr lang="en-US"/>
+          </a:p>
+        </p:txBody>
+      </p:sp>
+      <p:sp>
+        <p:nvSpPr>
+          <p:cNvPr id="14372" name="Line 35"/>
+          <p:cNvSpPr>
+            <a:spLocks noChangeShapeType="1"/>
+          </p:cNvSpPr>
+          <p:nvPr/>
+        </p:nvSpPr>
+        <p:spPr bwMode="auto">
+          <a:xfrm flipH="1">
+            <a:off x="6059488" y="2545805"/>
+            <a:ext cx="482600" cy="1143000"/>
+          </a:xfrm>
+          <a:prstGeom prst="line">
+            <a:avLst/>
+          </a:prstGeom>
+          <a:noFill/>
+          <a:ln w="9360">
+            <a:solidFill>
+              <a:srgbClr val="000000"/>
+            </a:solidFill>
+            <a:miter lim="800000"/>
+            <a:headEnd/>
+            <a:tailEnd/>
+          </a:ln>
+          <a:extLst>
+            <a:ext uri="{909E8E84-426E-40DD-AFC4-6F175D3DCCD1}">
+              <a14:hiddenFill xmlns:a14="http://schemas.microsoft.com/office/drawing/2010/main">
+                <a:noFill/>
+              </a14:hiddenFill>
+            </a:ext>
+          </a:extLst>
+        </p:spPr>
+        <p:txBody>
+          <a:bodyPr/>
+          <a:lstStyle/>
+          <a:p>
+            <a:endParaRPr lang="en-US"/>
+          </a:p>
+        </p:txBody>
+      </p:sp>
+      <p:sp>
+        <p:nvSpPr>
+          <p:cNvPr id="14373" name="Line 36"/>
+          <p:cNvSpPr>
+            <a:spLocks noChangeShapeType="1"/>
+          </p:cNvSpPr>
+          <p:nvPr/>
+        </p:nvSpPr>
+        <p:spPr bwMode="auto">
+          <a:xfrm>
+            <a:off x="6072188" y="2545805"/>
+            <a:ext cx="457200" cy="1143000"/>
+          </a:xfrm>
+          <a:prstGeom prst="line">
+            <a:avLst/>
+          </a:prstGeom>
+          <a:noFill/>
+          <a:ln w="9360">
+            <a:solidFill>
+              <a:srgbClr val="000000"/>
+            </a:solidFill>
+            <a:miter lim="800000"/>
+            <a:headEnd/>
+            <a:tailEnd/>
+          </a:ln>
+          <a:extLst>
+            <a:ext uri="{909E8E84-426E-40DD-AFC4-6F175D3DCCD1}">
+              <a14:hiddenFill xmlns:a14="http://schemas.microsoft.com/office/drawing/2010/main">
+                <a:noFill/>
+              </a14:hiddenFill>
+            </a:ext>
+          </a:extLst>
+        </p:spPr>
+        <p:txBody>
+          <a:bodyPr/>
+          <a:lstStyle/>
+          <a:p>
+            <a:endParaRPr lang="en-US"/>
+          </a:p>
+        </p:txBody>
+      </p:sp>
+      <p:sp>
+        <p:nvSpPr>
+          <p:cNvPr id="14374" name="Line 37"/>
+          <p:cNvSpPr>
+            <a:spLocks noChangeShapeType="1"/>
+          </p:cNvSpPr>
+          <p:nvPr/>
+        </p:nvSpPr>
+        <p:spPr bwMode="auto">
+          <a:xfrm flipH="1">
+            <a:off x="5602288" y="2545805"/>
+            <a:ext cx="1397000" cy="1143000"/>
+          </a:xfrm>
+          <a:prstGeom prst="line">
+            <a:avLst/>
+          </a:prstGeom>
+          <a:noFill/>
+          <a:ln w="9360">
+            <a:solidFill>
+              <a:srgbClr val="000000"/>
+            </a:solidFill>
+            <a:miter lim="800000"/>
+            <a:headEnd/>
+            <a:tailEnd/>
+          </a:ln>
+          <a:extLst>
+            <a:ext uri="{909E8E84-426E-40DD-AFC4-6F175D3DCCD1}">
+              <a14:hiddenFill xmlns:a14="http://schemas.microsoft.com/office/drawing/2010/main">
+                <a:noFill/>
+              </a14:hiddenFill>
+            </a:ext>
+          </a:extLst>
+        </p:spPr>
+        <p:txBody>
+          <a:bodyPr/>
+          <a:lstStyle/>
+          <a:p>
+            <a:endParaRPr lang="en-US"/>
+          </a:p>
+        </p:txBody>
+      </p:sp>
+      <p:sp>
+        <p:nvSpPr>
+          <p:cNvPr id="14375" name="Line 38"/>
+          <p:cNvSpPr>
+            <a:spLocks noChangeShapeType="1"/>
+          </p:cNvSpPr>
+          <p:nvPr/>
+        </p:nvSpPr>
+        <p:spPr bwMode="auto">
+          <a:xfrm flipH="1">
+            <a:off x="5145088" y="2545805"/>
+            <a:ext cx="2311400" cy="1143000"/>
+          </a:xfrm>
+          <a:prstGeom prst="line">
+            <a:avLst/>
+          </a:prstGeom>
+          <a:noFill/>
+          <a:ln w="9360">
+            <a:solidFill>
+              <a:srgbClr val="000000"/>
+            </a:solidFill>
+            <a:miter lim="800000"/>
+            <a:headEnd/>
+            <a:tailEnd/>
+          </a:ln>
+          <a:extLst>
+            <a:ext uri="{909E8E84-426E-40DD-AFC4-6F175D3DCCD1}">
+              <a14:hiddenFill xmlns:a14="http://schemas.microsoft.com/office/drawing/2010/main">
+                <a:noFill/>
+              </a14:hiddenFill>
+            </a:ext>
+          </a:extLst>
+        </p:spPr>
+        <p:txBody>
+          <a:bodyPr/>
+          <a:lstStyle/>
+          <a:p>
+            <a:endParaRPr lang="en-US"/>
+          </a:p>
+        </p:txBody>
+      </p:sp>
+      <p:sp>
+        <p:nvSpPr>
+          <p:cNvPr id="14376" name="Line 39"/>
+          <p:cNvSpPr>
+            <a:spLocks noChangeShapeType="1"/>
+          </p:cNvSpPr>
+          <p:nvPr/>
+        </p:nvSpPr>
+        <p:spPr bwMode="auto">
+          <a:xfrm flipH="1">
+            <a:off x="4687888" y="2545805"/>
+            <a:ext cx="3225800" cy="1143000"/>
+          </a:xfrm>
+          <a:prstGeom prst="line">
+            <a:avLst/>
+          </a:prstGeom>
+          <a:noFill/>
+          <a:ln w="9360">
+            <a:solidFill>
+              <a:srgbClr val="000000"/>
+            </a:solidFill>
+            <a:miter lim="800000"/>
+            <a:headEnd/>
+            <a:tailEnd/>
+          </a:ln>
+          <a:extLst>
+            <a:ext uri="{909E8E84-426E-40DD-AFC4-6F175D3DCCD1}">
+              <a14:hiddenFill xmlns:a14="http://schemas.microsoft.com/office/drawing/2010/main">
+                <a:noFill/>
+              </a14:hiddenFill>
+            </a:ext>
+          </a:extLst>
+        </p:spPr>
+        <p:txBody>
+          <a:bodyPr/>
+          <a:lstStyle/>
+          <a:p>
+            <a:endParaRPr lang="en-US"/>
+          </a:p>
+        </p:txBody>
+      </p:sp>
+      <p:sp>
+        <p:nvSpPr>
+          <p:cNvPr id="14377" name="Line 40"/>
+          <p:cNvSpPr>
+            <a:spLocks noChangeShapeType="1"/>
+          </p:cNvSpPr>
+          <p:nvPr/>
+        </p:nvSpPr>
+        <p:spPr bwMode="auto">
+          <a:xfrm>
+            <a:off x="5614988" y="2545805"/>
+            <a:ext cx="1371600" cy="1143000"/>
+          </a:xfrm>
+          <a:prstGeom prst="line">
+            <a:avLst/>
+          </a:prstGeom>
+          <a:noFill/>
+          <a:ln w="9360">
+            <a:solidFill>
+              <a:srgbClr val="000000"/>
+            </a:solidFill>
+            <a:miter lim="800000"/>
+            <a:headEnd/>
+            <a:tailEnd/>
+          </a:ln>
+          <a:extLst>
+            <a:ext uri="{909E8E84-426E-40DD-AFC4-6F175D3DCCD1}">
+              <a14:hiddenFill xmlns:a14="http://schemas.microsoft.com/office/drawing/2010/main">
+                <a:noFill/>
+              </a14:hiddenFill>
+            </a:ext>
+          </a:extLst>
+        </p:spPr>
+        <p:txBody>
+          <a:bodyPr/>
+          <a:lstStyle/>
+          <a:p>
+            <a:endParaRPr lang="en-US"/>
+          </a:p>
+        </p:txBody>
+      </p:sp>
+      <p:sp>
+        <p:nvSpPr>
+          <p:cNvPr id="14378" name="Line 41"/>
+          <p:cNvSpPr>
+            <a:spLocks noChangeShapeType="1"/>
+          </p:cNvSpPr>
+          <p:nvPr/>
+        </p:nvSpPr>
+        <p:spPr bwMode="auto">
+          <a:xfrm>
+            <a:off x="5157788" y="2545805"/>
+            <a:ext cx="2286000" cy="1143000"/>
+          </a:xfrm>
+          <a:prstGeom prst="line">
+            <a:avLst/>
+          </a:prstGeom>
+          <a:noFill/>
+          <a:ln w="9360">
+            <a:solidFill>
+              <a:srgbClr val="000000"/>
+            </a:solidFill>
+            <a:miter lim="800000"/>
+            <a:headEnd/>
+            <a:tailEnd/>
+          </a:ln>
+          <a:extLst>
+            <a:ext uri="{909E8E84-426E-40DD-AFC4-6F175D3DCCD1}">
+              <a14:hiddenFill xmlns:a14="http://schemas.microsoft.com/office/drawing/2010/main">
+                <a:noFill/>
+              </a14:hiddenFill>
+            </a:ext>
+          </a:extLst>
+        </p:spPr>
+        <p:txBody>
+          <a:bodyPr/>
+          <a:lstStyle/>
+          <a:p>
+            <a:endParaRPr lang="en-US"/>
+          </a:p>
+        </p:txBody>
+      </p:sp>
+      <p:sp>
+        <p:nvSpPr>
+          <p:cNvPr id="14379" name="Line 42"/>
+          <p:cNvSpPr>
+            <a:spLocks noChangeShapeType="1"/>
+          </p:cNvSpPr>
+          <p:nvPr/>
+        </p:nvSpPr>
+        <p:spPr bwMode="auto">
+          <a:xfrm>
+            <a:off x="4700588" y="2545805"/>
+            <a:ext cx="3200400" cy="1143000"/>
+          </a:xfrm>
+          <a:prstGeom prst="line">
+            <a:avLst/>
+          </a:prstGeom>
+          <a:noFill/>
+          <a:ln w="9360">
+            <a:solidFill>
+              <a:srgbClr val="000000"/>
+            </a:solidFill>
+            <a:miter lim="800000"/>
+            <a:headEnd/>
+            <a:tailEnd/>
+          </a:ln>
+          <a:extLst>
+            <a:ext uri="{909E8E84-426E-40DD-AFC4-6F175D3DCCD1}">
+              <a14:hiddenFill xmlns:a14="http://schemas.microsoft.com/office/drawing/2010/main">
+                <a:noFill/>
+              </a14:hiddenFill>
+            </a:ext>
+          </a:extLst>
+        </p:spPr>
+        <p:txBody>
+          <a:bodyPr/>
+          <a:lstStyle/>
+          <a:p>
+            <a:endParaRPr lang="en-US"/>
+          </a:p>
+        </p:txBody>
+      </p:sp>
+      <p:sp>
+        <p:nvSpPr>
+          <p:cNvPr id="14380" name="Text Box 43"/>
+          <p:cNvSpPr txBox="1">
+            <a:spLocks noChangeArrowheads="1"/>
+          </p:cNvSpPr>
+          <p:nvPr/>
+        </p:nvSpPr>
+        <p:spPr bwMode="auto">
+          <a:xfrm>
+            <a:off x="4540250" y="1850480"/>
+            <a:ext cx="3540125" cy="303212"/>
+          </a:xfrm>
+          <a:prstGeom prst="rect">
+            <a:avLst/>
+          </a:prstGeom>
+          <a:noFill/>
+          <a:ln>
+            <a:noFill/>
+          </a:ln>
+          <a:extLst>
+            <a:ext uri="{909E8E84-426E-40DD-AFC4-6F175D3DCCD1}">
+              <a14:hiddenFill xmlns:a14="http://schemas.microsoft.com/office/drawing/2010/main">
+                <a:solidFill>
+                  <a:srgbClr val="FFFFFF"/>
+                </a:solidFill>
+              </a14:hiddenFill>
+            </a:ext>
+            <a:ext uri="{91240B29-F687-4F45-9708-019B960494DF}">
+              <a14:hiddenLine xmlns:a14="http://schemas.microsoft.com/office/drawing/2010/main" w="9525">
+                <a:solidFill>
+                  <a:srgbClr val="000000"/>
+                </a:solidFill>
+                <a:round/>
+                <a:headEnd/>
+                <a:tailEnd/>
+              </a14:hiddenLine>
+            </a:ext>
+          </a:extLst>
+        </p:spPr>
+        <p:txBody>
+          <a:bodyPr wrap="none" lIns="90000" tIns="45000" rIns="90000" bIns="45000"/>
+          <a:lstStyle>
+            <a:lvl1pPr eaLnBrk="0" hangingPunct="0">
+              <a:tabLst>
+                <a:tab pos="0" algn="l"/>
+                <a:tab pos="447675" algn="l"/>
+                <a:tab pos="896938" algn="l"/>
+                <a:tab pos="1346200" algn="l"/>
+                <a:tab pos="1795463" algn="l"/>
+                <a:tab pos="2244725" algn="l"/>
+                <a:tab pos="2693988" algn="l"/>
+                <a:tab pos="3143250" algn="l"/>
+                <a:tab pos="3592513" algn="l"/>
+                <a:tab pos="4041775" algn="l"/>
+                <a:tab pos="4491038" algn="l"/>
+                <a:tab pos="4940300" algn="l"/>
+                <a:tab pos="5389563" algn="l"/>
+                <a:tab pos="5838825" algn="l"/>
+                <a:tab pos="6288088" algn="l"/>
+                <a:tab pos="6737350" algn="l"/>
+                <a:tab pos="7186613" algn="l"/>
+                <a:tab pos="7635875" algn="l"/>
+                <a:tab pos="8085138" algn="l"/>
+                <a:tab pos="8534400" algn="l"/>
+                <a:tab pos="8983663" algn="l"/>
+              </a:tabLst>
+              <a:defRPr sz="1400">
+                <a:solidFill>
+                  <a:schemeClr val="bg1"/>
+                </a:solidFill>
+                <a:latin typeface="Arial" charset="0"/>
+                <a:cs typeface="DejaVu Sans" charset="0"/>
+              </a:defRPr>
+            </a:lvl1pPr>
+            <a:lvl2pPr marL="742950" indent="-285750" eaLnBrk="0" hangingPunct="0">
+              <a:tabLst>
+                <a:tab pos="0" algn="l"/>
+                <a:tab pos="447675" algn="l"/>
+                <a:tab pos="896938" algn="l"/>
+                <a:tab pos="1346200" algn="l"/>
+                <a:tab pos="1795463" algn="l"/>
+                <a:tab pos="2244725" algn="l"/>
+                <a:tab pos="2693988" algn="l"/>
+                <a:tab pos="3143250" algn="l"/>
+                <a:tab pos="3592513" algn="l"/>
+                <a:tab pos="4041775" algn="l"/>
+                <a:tab pos="4491038" algn="l"/>
+                <a:tab pos="4940300" algn="l"/>
+                <a:tab pos="5389563" algn="l"/>
+                <a:tab pos="5838825" algn="l"/>
+                <a:tab pos="6288088" algn="l"/>
+                <a:tab pos="6737350" algn="l"/>
+                <a:tab pos="7186613" algn="l"/>
+                <a:tab pos="7635875" algn="l"/>
+                <a:tab pos="8085138" algn="l"/>
+                <a:tab pos="8534400" algn="l"/>
+                <a:tab pos="8983663" algn="l"/>
+              </a:tabLst>
+              <a:defRPr sz="1400">
+                <a:solidFill>
+                  <a:schemeClr val="bg1"/>
+                </a:solidFill>
+                <a:latin typeface="Arial" charset="0"/>
+                <a:cs typeface="DejaVu Sans" charset="0"/>
+              </a:defRPr>
+            </a:lvl2pPr>
+            <a:lvl3pPr eaLnBrk="0" hangingPunct="0">
+              <a:tabLst>
+                <a:tab pos="0" algn="l"/>
+                <a:tab pos="447675" algn="l"/>
+                <a:tab pos="896938" algn="l"/>
+                <a:tab pos="1346200" algn="l"/>
+                <a:tab pos="1795463" algn="l"/>
+                <a:tab pos="2244725" algn="l"/>
+                <a:tab pos="2693988" algn="l"/>
+                <a:tab pos="3143250" algn="l"/>
+                <a:tab pos="3592513" algn="l"/>
+                <a:tab pos="4041775" algn="l"/>
+                <a:tab pos="4491038" algn="l"/>
+                <a:tab pos="4940300" algn="l"/>
+                <a:tab pos="5389563" algn="l"/>
+                <a:tab pos="5838825" algn="l"/>
+                <a:tab pos="6288088" algn="l"/>
+                <a:tab pos="6737350" algn="l"/>
+                <a:tab pos="7186613" algn="l"/>
+                <a:tab pos="7635875" algn="l"/>
+                <a:tab pos="8085138" algn="l"/>
+                <a:tab pos="8534400" algn="l"/>
+                <a:tab pos="8983663" algn="l"/>
+              </a:tabLst>
+              <a:defRPr sz="1400">
+                <a:solidFill>
+                  <a:schemeClr val="bg1"/>
+                </a:solidFill>
+                <a:latin typeface="Arial" charset="0"/>
+                <a:cs typeface="DejaVu Sans" charset="0"/>
+              </a:defRPr>
+            </a:lvl3pPr>
+            <a:lvl4pPr eaLnBrk="0" hangingPunct="0">
+              <a:tabLst>
+                <a:tab pos="0" algn="l"/>
+                <a:tab pos="447675" algn="l"/>
+                <a:tab pos="896938" algn="l"/>
+                <a:tab pos="1346200" algn="l"/>
+                <a:tab pos="1795463" algn="l"/>
+                <a:tab pos="2244725" algn="l"/>
+                <a:tab pos="2693988" algn="l"/>
+                <a:tab pos="3143250" algn="l"/>
+                <a:tab pos="3592513" algn="l"/>
+                <a:tab pos="4041775" algn="l"/>
+                <a:tab pos="4491038" algn="l"/>
+                <a:tab pos="4940300" algn="l"/>
+                <a:tab pos="5389563" algn="l"/>
+                <a:tab pos="5838825" algn="l"/>
+                <a:tab pos="6288088" algn="l"/>
+                <a:tab pos="6737350" algn="l"/>
+                <a:tab pos="7186613" algn="l"/>
+                <a:tab pos="7635875" algn="l"/>
+                <a:tab pos="8085138" algn="l"/>
+                <a:tab pos="8534400" algn="l"/>
+                <a:tab pos="8983663" algn="l"/>
+              </a:tabLst>
+              <a:defRPr sz="1400">
+                <a:solidFill>
+                  <a:schemeClr val="bg1"/>
+                </a:solidFill>
+                <a:latin typeface="Arial" charset="0"/>
+                <a:cs typeface="DejaVu Sans" charset="0"/>
+              </a:defRPr>
+            </a:lvl4pPr>
+            <a:lvl5pPr eaLnBrk="0" hangingPunct="0">
+              <a:tabLst>
+                <a:tab pos="0" algn="l"/>
+                <a:tab pos="447675" algn="l"/>
+                <a:tab pos="896938" algn="l"/>
+                <a:tab pos="1346200" algn="l"/>
+                <a:tab pos="1795463" algn="l"/>
+                <a:tab pos="2244725" algn="l"/>
+                <a:tab pos="2693988" algn="l"/>
+                <a:tab pos="3143250" algn="l"/>
+                <a:tab pos="3592513" algn="l"/>
+                <a:tab pos="4041775" algn="l"/>
+                <a:tab pos="4491038" algn="l"/>
+                <a:tab pos="4940300" algn="l"/>
+                <a:tab pos="5389563" algn="l"/>
+                <a:tab pos="5838825" algn="l"/>
+                <a:tab pos="6288088" algn="l"/>
+                <a:tab pos="6737350" algn="l"/>
+                <a:tab pos="7186613" algn="l"/>
+                <a:tab pos="7635875" algn="l"/>
+                <a:tab pos="8085138" algn="l"/>
+                <a:tab pos="8534400" algn="l"/>
+                <a:tab pos="8983663" algn="l"/>
+              </a:tabLst>
+              <a:defRPr sz="1400">
+                <a:solidFill>
+                  <a:schemeClr val="bg1"/>
+                </a:solidFill>
+                <a:latin typeface="Arial" charset="0"/>
+                <a:cs typeface="DejaVu Sans" charset="0"/>
+              </a:defRPr>
+            </a:lvl5pPr>
+            <a:lvl6pPr marL="2514600" indent="-228600" defTabSz="449263" eaLnBrk="0" fontAlgn="base" hangingPunct="0">
+              <a:spcBef>
+                <a:spcPct val="0"/>
+              </a:spcBef>
+              <a:spcAft>
+                <a:spcPct val="0"/>
+              </a:spcAft>
+              <a:buClr>
+                <a:srgbClr val="000000"/>
+              </a:buClr>
+              <a:buSzPct val="100000"/>
+              <a:buFont typeface="Times New Roman" pitchFamily="16" charset="0"/>
+              <a:tabLst>
+                <a:tab pos="0" algn="l"/>
+                <a:tab pos="447675" algn="l"/>
+                <a:tab pos="896938" algn="l"/>
+                <a:tab pos="1346200" algn="l"/>
+                <a:tab pos="1795463" algn="l"/>
+                <a:tab pos="2244725" algn="l"/>
+                <a:tab pos="2693988" algn="l"/>
+                <a:tab pos="3143250" algn="l"/>
+                <a:tab pos="3592513" algn="l"/>
+                <a:tab pos="4041775" algn="l"/>
+                <a:tab pos="4491038" algn="l"/>
+                <a:tab pos="4940300" algn="l"/>
+                <a:tab pos="5389563" algn="l"/>
+                <a:tab pos="5838825" algn="l"/>
+                <a:tab pos="6288088" algn="l"/>
+                <a:tab pos="6737350" algn="l"/>
+                <a:tab pos="7186613" algn="l"/>
+                <a:tab pos="7635875" algn="l"/>
+                <a:tab pos="8085138" algn="l"/>
+                <a:tab pos="8534400" algn="l"/>
+                <a:tab pos="8983663" algn="l"/>
+              </a:tabLst>
+              <a:defRPr sz="1400">
+                <a:solidFill>
+                  <a:schemeClr val="bg1"/>
+                </a:solidFill>
+                <a:latin typeface="Arial" charset="0"/>
+                <a:cs typeface="DejaVu Sans" charset="0"/>
+              </a:defRPr>
+            </a:lvl6pPr>
+            <a:lvl7pPr marL="2971800" indent="-228600" defTabSz="449263" eaLnBrk="0" fontAlgn="base" hangingPunct="0">
+              <a:spcBef>
+                <a:spcPct val="0"/>
+              </a:spcBef>
+              <a:spcAft>
+                <a:spcPct val="0"/>
+              </a:spcAft>
+              <a:buClr>
+                <a:srgbClr val="000000"/>
+              </a:buClr>
+              <a:buSzPct val="100000"/>
+              <a:buFont typeface="Times New Roman" pitchFamily="16" charset="0"/>
+              <a:tabLst>
+                <a:tab pos="0" algn="l"/>
+                <a:tab pos="447675" algn="l"/>
+                <a:tab pos="896938" algn="l"/>
+                <a:tab pos="1346200" algn="l"/>
+                <a:tab pos="1795463" algn="l"/>
+                <a:tab pos="2244725" algn="l"/>
+                <a:tab pos="2693988" algn="l"/>
+                <a:tab pos="3143250" algn="l"/>
+                <a:tab pos="3592513" algn="l"/>
+                <a:tab pos="4041775" algn="l"/>
+                <a:tab pos="4491038" algn="l"/>
+                <a:tab pos="4940300" algn="l"/>
+                <a:tab pos="5389563" algn="l"/>
+                <a:tab pos="5838825" algn="l"/>
+                <a:tab pos="6288088" algn="l"/>
+                <a:tab pos="6737350" algn="l"/>
+                <a:tab pos="7186613" algn="l"/>
+                <a:tab pos="7635875" algn="l"/>
+                <a:tab pos="8085138" algn="l"/>
+                <a:tab pos="8534400" algn="l"/>
+                <a:tab pos="8983663" algn="l"/>
+              </a:tabLst>
+              <a:defRPr sz="1400">
+                <a:solidFill>
+                  <a:schemeClr val="bg1"/>
+                </a:solidFill>
+                <a:latin typeface="Arial" charset="0"/>
+                <a:cs typeface="DejaVu Sans" charset="0"/>
+              </a:defRPr>
+            </a:lvl7pPr>
+            <a:lvl8pPr marL="3429000" indent="-228600" defTabSz="449263" eaLnBrk="0" fontAlgn="base" hangingPunct="0">
+              <a:spcBef>
+                <a:spcPct val="0"/>
+              </a:spcBef>
+              <a:spcAft>
+                <a:spcPct val="0"/>
+              </a:spcAft>
+              <a:buClr>
+                <a:srgbClr val="000000"/>
+              </a:buClr>
+              <a:buSzPct val="100000"/>
+              <a:buFont typeface="Times New Roman" pitchFamily="16" charset="0"/>
+              <a:tabLst>
+                <a:tab pos="0" algn="l"/>
+                <a:tab pos="447675" algn="l"/>
+                <a:tab pos="896938" algn="l"/>
+                <a:tab pos="1346200" algn="l"/>
+                <a:tab pos="1795463" algn="l"/>
+                <a:tab pos="2244725" algn="l"/>
+                <a:tab pos="2693988" algn="l"/>
+                <a:tab pos="3143250" algn="l"/>
+                <a:tab pos="3592513" algn="l"/>
+                <a:tab pos="4041775" algn="l"/>
+                <a:tab pos="4491038" algn="l"/>
+                <a:tab pos="4940300" algn="l"/>
+                <a:tab pos="5389563" algn="l"/>
+                <a:tab pos="5838825" algn="l"/>
+                <a:tab pos="6288088" algn="l"/>
+                <a:tab pos="6737350" algn="l"/>
+                <a:tab pos="7186613" algn="l"/>
+                <a:tab pos="7635875" algn="l"/>
+                <a:tab pos="8085138" algn="l"/>
+                <a:tab pos="8534400" algn="l"/>
+                <a:tab pos="8983663" algn="l"/>
+              </a:tabLst>
+              <a:defRPr sz="1400">
+                <a:solidFill>
+                  <a:schemeClr val="bg1"/>
+                </a:solidFill>
+                <a:latin typeface="Arial" charset="0"/>
+                <a:cs typeface="DejaVu Sans" charset="0"/>
+              </a:defRPr>
+            </a:lvl8pPr>
+            <a:lvl9pPr marL="3886200" indent="-228600" defTabSz="449263" eaLnBrk="0" fontAlgn="base" hangingPunct="0">
+              <a:spcBef>
+                <a:spcPct val="0"/>
+              </a:spcBef>
+              <a:spcAft>
+                <a:spcPct val="0"/>
+              </a:spcAft>
+              <a:buClr>
+                <a:srgbClr val="000000"/>
+              </a:buClr>
+              <a:buSzPct val="100000"/>
+              <a:buFont typeface="Times New Roman" pitchFamily="16" charset="0"/>
+              <a:tabLst>
+                <a:tab pos="0" algn="l"/>
+                <a:tab pos="447675" algn="l"/>
+                <a:tab pos="896938" algn="l"/>
+                <a:tab pos="1346200" algn="l"/>
+                <a:tab pos="1795463" algn="l"/>
+                <a:tab pos="2244725" algn="l"/>
+                <a:tab pos="2693988" algn="l"/>
+                <a:tab pos="3143250" algn="l"/>
+                <a:tab pos="3592513" algn="l"/>
+                <a:tab pos="4041775" algn="l"/>
+                <a:tab pos="4491038" algn="l"/>
+                <a:tab pos="4940300" algn="l"/>
+                <a:tab pos="5389563" algn="l"/>
+                <a:tab pos="5838825" algn="l"/>
+                <a:tab pos="6288088" algn="l"/>
+                <a:tab pos="6737350" algn="l"/>
+                <a:tab pos="7186613" algn="l"/>
+                <a:tab pos="7635875" algn="l"/>
+                <a:tab pos="8085138" algn="l"/>
+                <a:tab pos="8534400" algn="l"/>
+                <a:tab pos="8983663" algn="l"/>
+              </a:tabLst>
+              <a:defRPr sz="1400">
+                <a:solidFill>
+                  <a:schemeClr val="bg1"/>
+                </a:solidFill>
+                <a:latin typeface="Arial" charset="0"/>
+                <a:cs typeface="DejaVu Sans" charset="0"/>
+              </a:defRPr>
+            </a:lvl9pPr>
+          </a:lstStyle>
+          <a:p>
+            <a:pPr eaLnBrk="1" hangingPunct="1"/>
+            <a:r>
+              <a:rPr lang="en-US" dirty="0">
+                <a:solidFill>
+                  <a:srgbClr val="000000"/>
+                </a:solidFill>
+              </a:rPr>
+              <a:t>7       6        5       4       3       2        1       0</a:t>
+            </a:r>
+          </a:p>
+        </p:txBody>
+      </p:sp>
+      <p:sp>
+        <p:nvSpPr>
+          <p:cNvPr id="14382" name="Text Box 45"/>
+          <p:cNvSpPr txBox="1">
+            <a:spLocks noChangeArrowheads="1"/>
+          </p:cNvSpPr>
+          <p:nvPr/>
+        </p:nvSpPr>
+        <p:spPr bwMode="auto">
+          <a:xfrm>
+            <a:off x="5614988" y="1556792"/>
+            <a:ext cx="1246187" cy="303213"/>
+          </a:xfrm>
+          <a:prstGeom prst="rect">
+            <a:avLst/>
+          </a:prstGeom>
+          <a:noFill/>
+          <a:ln>
+            <a:noFill/>
+          </a:ln>
+          <a:extLst>
+            <a:ext uri="{909E8E84-426E-40DD-AFC4-6F175D3DCCD1}">
+              <a14:hiddenFill xmlns:a14="http://schemas.microsoft.com/office/drawing/2010/main">
+                <a:solidFill>
+                  <a:srgbClr val="FFFFFF"/>
+                </a:solidFill>
+              </a14:hiddenFill>
+            </a:ext>
+            <a:ext uri="{91240B29-F687-4F45-9708-019B960494DF}">
+              <a14:hiddenLine xmlns:a14="http://schemas.microsoft.com/office/drawing/2010/main" w="9525">
+                <a:solidFill>
+                  <a:srgbClr val="000000"/>
+                </a:solidFill>
+                <a:round/>
+                <a:headEnd/>
+                <a:tailEnd/>
+              </a14:hiddenLine>
+            </a:ext>
+          </a:extLst>
+        </p:spPr>
+        <p:txBody>
+          <a:bodyPr wrap="none" lIns="90000" tIns="45000" rIns="90000" bIns="45000"/>
+          <a:lstStyle>
+            <a:lvl1pPr eaLnBrk="0" hangingPunct="0">
+              <a:tabLst>
+                <a:tab pos="0" algn="l"/>
+                <a:tab pos="447675" algn="l"/>
+                <a:tab pos="896938" algn="l"/>
+                <a:tab pos="1346200" algn="l"/>
+                <a:tab pos="1795463" algn="l"/>
+                <a:tab pos="2244725" algn="l"/>
+                <a:tab pos="2693988" algn="l"/>
+                <a:tab pos="3143250" algn="l"/>
+                <a:tab pos="3592513" algn="l"/>
+                <a:tab pos="4041775" algn="l"/>
+                <a:tab pos="4491038" algn="l"/>
+                <a:tab pos="4940300" algn="l"/>
+                <a:tab pos="5389563" algn="l"/>
+                <a:tab pos="5838825" algn="l"/>
+                <a:tab pos="6288088" algn="l"/>
+                <a:tab pos="6737350" algn="l"/>
+                <a:tab pos="7186613" algn="l"/>
+                <a:tab pos="7635875" algn="l"/>
+                <a:tab pos="8085138" algn="l"/>
+                <a:tab pos="8534400" algn="l"/>
+                <a:tab pos="8983663" algn="l"/>
+              </a:tabLst>
+              <a:defRPr sz="1400">
+                <a:solidFill>
+                  <a:schemeClr val="bg1"/>
+                </a:solidFill>
+                <a:latin typeface="Arial" charset="0"/>
+                <a:cs typeface="DejaVu Sans" charset="0"/>
+              </a:defRPr>
+            </a:lvl1pPr>
+            <a:lvl2pPr marL="742950" indent="-285750" eaLnBrk="0" hangingPunct="0">
+              <a:tabLst>
+                <a:tab pos="0" algn="l"/>
+                <a:tab pos="447675" algn="l"/>
+                <a:tab pos="896938" algn="l"/>
+                <a:tab pos="1346200" algn="l"/>
+                <a:tab pos="1795463" algn="l"/>
+                <a:tab pos="2244725" algn="l"/>
+                <a:tab pos="2693988" algn="l"/>
+                <a:tab pos="3143250" algn="l"/>
+                <a:tab pos="3592513" algn="l"/>
+                <a:tab pos="4041775" algn="l"/>
+                <a:tab pos="4491038" algn="l"/>
+                <a:tab pos="4940300" algn="l"/>
+                <a:tab pos="5389563" algn="l"/>
+                <a:tab pos="5838825" algn="l"/>
+                <a:tab pos="6288088" algn="l"/>
+                <a:tab pos="6737350" algn="l"/>
+                <a:tab pos="7186613" algn="l"/>
+                <a:tab pos="7635875" algn="l"/>
+                <a:tab pos="8085138" algn="l"/>
+                <a:tab pos="8534400" algn="l"/>
+                <a:tab pos="8983663" algn="l"/>
+              </a:tabLst>
+              <a:defRPr sz="1400">
+                <a:solidFill>
+                  <a:schemeClr val="bg1"/>
+                </a:solidFill>
+                <a:latin typeface="Arial" charset="0"/>
+                <a:cs typeface="DejaVu Sans" charset="0"/>
+              </a:defRPr>
+            </a:lvl2pPr>
+            <a:lvl3pPr eaLnBrk="0" hangingPunct="0">
+              <a:tabLst>
+                <a:tab pos="0" algn="l"/>
+                <a:tab pos="447675" algn="l"/>
+                <a:tab pos="896938" algn="l"/>
+                <a:tab pos="1346200" algn="l"/>
+                <a:tab pos="1795463" algn="l"/>
+                <a:tab pos="2244725" algn="l"/>
+                <a:tab pos="2693988" algn="l"/>
+                <a:tab pos="3143250" algn="l"/>
+                <a:tab pos="3592513" algn="l"/>
+                <a:tab pos="4041775" algn="l"/>
+                <a:tab pos="4491038" algn="l"/>
+                <a:tab pos="4940300" algn="l"/>
+                <a:tab pos="5389563" algn="l"/>
+                <a:tab pos="5838825" algn="l"/>
+                <a:tab pos="6288088" algn="l"/>
+                <a:tab pos="6737350" algn="l"/>
+                <a:tab pos="7186613" algn="l"/>
+                <a:tab pos="7635875" algn="l"/>
+                <a:tab pos="8085138" algn="l"/>
+                <a:tab pos="8534400" algn="l"/>
+                <a:tab pos="8983663" algn="l"/>
+              </a:tabLst>
+              <a:defRPr sz="1400">
+                <a:solidFill>
+                  <a:schemeClr val="bg1"/>
+                </a:solidFill>
+                <a:latin typeface="Arial" charset="0"/>
+                <a:cs typeface="DejaVu Sans" charset="0"/>
+              </a:defRPr>
+            </a:lvl3pPr>
+            <a:lvl4pPr eaLnBrk="0" hangingPunct="0">
+              <a:tabLst>
+                <a:tab pos="0" algn="l"/>
+                <a:tab pos="447675" algn="l"/>
+                <a:tab pos="896938" algn="l"/>
+                <a:tab pos="1346200" algn="l"/>
+                <a:tab pos="1795463" algn="l"/>
+                <a:tab pos="2244725" algn="l"/>
+                <a:tab pos="2693988" algn="l"/>
+                <a:tab pos="3143250" algn="l"/>
+                <a:tab pos="3592513" algn="l"/>
+                <a:tab pos="4041775" algn="l"/>
+                <a:tab pos="4491038" algn="l"/>
+                <a:tab pos="4940300" algn="l"/>
+                <a:tab pos="5389563" algn="l"/>
+                <a:tab pos="5838825" algn="l"/>
+                <a:tab pos="6288088" algn="l"/>
+                <a:tab pos="6737350" algn="l"/>
+                <a:tab pos="7186613" algn="l"/>
+                <a:tab pos="7635875" algn="l"/>
+                <a:tab pos="8085138" algn="l"/>
+                <a:tab pos="8534400" algn="l"/>
+                <a:tab pos="8983663" algn="l"/>
+              </a:tabLst>
+              <a:defRPr sz="1400">
+                <a:solidFill>
+                  <a:schemeClr val="bg1"/>
+                </a:solidFill>
+                <a:latin typeface="Arial" charset="0"/>
+                <a:cs typeface="DejaVu Sans" charset="0"/>
+              </a:defRPr>
+            </a:lvl4pPr>
+            <a:lvl5pPr eaLnBrk="0" hangingPunct="0">
+              <a:tabLst>
+                <a:tab pos="0" algn="l"/>
+                <a:tab pos="447675" algn="l"/>
+                <a:tab pos="896938" algn="l"/>
+                <a:tab pos="1346200" algn="l"/>
+                <a:tab pos="1795463" algn="l"/>
+                <a:tab pos="2244725" algn="l"/>
+                <a:tab pos="2693988" algn="l"/>
+                <a:tab pos="3143250" algn="l"/>
+                <a:tab pos="3592513" algn="l"/>
+                <a:tab pos="4041775" algn="l"/>
+                <a:tab pos="4491038" algn="l"/>
+                <a:tab pos="4940300" algn="l"/>
+                <a:tab pos="5389563" algn="l"/>
+                <a:tab pos="5838825" algn="l"/>
+                <a:tab pos="6288088" algn="l"/>
+                <a:tab pos="6737350" algn="l"/>
+                <a:tab pos="7186613" algn="l"/>
+                <a:tab pos="7635875" algn="l"/>
+                <a:tab pos="8085138" algn="l"/>
+                <a:tab pos="8534400" algn="l"/>
+                <a:tab pos="8983663" algn="l"/>
+              </a:tabLst>
+              <a:defRPr sz="1400">
+                <a:solidFill>
+                  <a:schemeClr val="bg1"/>
+                </a:solidFill>
+                <a:latin typeface="Arial" charset="0"/>
+                <a:cs typeface="DejaVu Sans" charset="0"/>
+              </a:defRPr>
+            </a:lvl5pPr>
+            <a:lvl6pPr marL="2514600" indent="-228600" defTabSz="449263" eaLnBrk="0" fontAlgn="base" hangingPunct="0">
+              <a:spcBef>
+                <a:spcPct val="0"/>
+              </a:spcBef>
+              <a:spcAft>
+                <a:spcPct val="0"/>
+              </a:spcAft>
+              <a:buClr>
+                <a:srgbClr val="000000"/>
+              </a:buClr>
+              <a:buSzPct val="100000"/>
+              <a:buFont typeface="Times New Roman" pitchFamily="16" charset="0"/>
+              <a:tabLst>
+                <a:tab pos="0" algn="l"/>
+                <a:tab pos="447675" algn="l"/>
+                <a:tab pos="896938" algn="l"/>
+                <a:tab pos="1346200" algn="l"/>
+                <a:tab pos="1795463" algn="l"/>
+                <a:tab pos="2244725" algn="l"/>
+                <a:tab pos="2693988" algn="l"/>
+                <a:tab pos="3143250" algn="l"/>
+                <a:tab pos="3592513" algn="l"/>
+                <a:tab pos="4041775" algn="l"/>
+                <a:tab pos="4491038" algn="l"/>
+                <a:tab pos="4940300" algn="l"/>
+                <a:tab pos="5389563" algn="l"/>
+                <a:tab pos="5838825" algn="l"/>
+                <a:tab pos="6288088" algn="l"/>
+                <a:tab pos="6737350" algn="l"/>
+                <a:tab pos="7186613" algn="l"/>
+                <a:tab pos="7635875" algn="l"/>
+                <a:tab pos="8085138" algn="l"/>
+                <a:tab pos="8534400" algn="l"/>
+                <a:tab pos="8983663" algn="l"/>
+              </a:tabLst>
+              <a:defRPr sz="1400">
+                <a:solidFill>
+                  <a:schemeClr val="bg1"/>
+                </a:solidFill>
+                <a:latin typeface="Arial" charset="0"/>
+                <a:cs typeface="DejaVu Sans" charset="0"/>
+              </a:defRPr>
+            </a:lvl6pPr>
+            <a:lvl7pPr marL="2971800" indent="-228600" defTabSz="449263" eaLnBrk="0" fontAlgn="base" hangingPunct="0">
+              <a:spcBef>
+                <a:spcPct val="0"/>
+              </a:spcBef>
+              <a:spcAft>
+                <a:spcPct val="0"/>
+              </a:spcAft>
+              <a:buClr>
+                <a:srgbClr val="000000"/>
+              </a:buClr>
+              <a:buSzPct val="100000"/>
+              <a:buFont typeface="Times New Roman" pitchFamily="16" charset="0"/>
+              <a:tabLst>
+                <a:tab pos="0" algn="l"/>
+                <a:tab pos="447675" algn="l"/>
+                <a:tab pos="896938" algn="l"/>
+                <a:tab pos="1346200" algn="l"/>
+                <a:tab pos="1795463" algn="l"/>
+                <a:tab pos="2244725" algn="l"/>
+                <a:tab pos="2693988" algn="l"/>
+                <a:tab pos="3143250" algn="l"/>
+                <a:tab pos="3592513" algn="l"/>
+                <a:tab pos="4041775" algn="l"/>
+                <a:tab pos="4491038" algn="l"/>
+                <a:tab pos="4940300" algn="l"/>
+                <a:tab pos="5389563" algn="l"/>
+                <a:tab pos="5838825" algn="l"/>
+                <a:tab pos="6288088" algn="l"/>
+                <a:tab pos="6737350" algn="l"/>
+                <a:tab pos="7186613" algn="l"/>
+                <a:tab pos="7635875" algn="l"/>
+                <a:tab pos="8085138" algn="l"/>
+                <a:tab pos="8534400" algn="l"/>
+                <a:tab pos="8983663" algn="l"/>
+              </a:tabLst>
+              <a:defRPr sz="1400">
+                <a:solidFill>
+                  <a:schemeClr val="bg1"/>
+                </a:solidFill>
+                <a:latin typeface="Arial" charset="0"/>
+                <a:cs typeface="DejaVu Sans" charset="0"/>
+              </a:defRPr>
+            </a:lvl7pPr>
+            <a:lvl8pPr marL="3429000" indent="-228600" defTabSz="449263" eaLnBrk="0" fontAlgn="base" hangingPunct="0">
+              <a:spcBef>
+                <a:spcPct val="0"/>
+              </a:spcBef>
+              <a:spcAft>
+                <a:spcPct val="0"/>
+              </a:spcAft>
+              <a:buClr>
+                <a:srgbClr val="000000"/>
+              </a:buClr>
+              <a:buSzPct val="100000"/>
+              <a:buFont typeface="Times New Roman" pitchFamily="16" charset="0"/>
+              <a:tabLst>
+                <a:tab pos="0" algn="l"/>
+                <a:tab pos="447675" algn="l"/>
+                <a:tab pos="896938" algn="l"/>
+                <a:tab pos="1346200" algn="l"/>
+                <a:tab pos="1795463" algn="l"/>
+                <a:tab pos="2244725" algn="l"/>
+                <a:tab pos="2693988" algn="l"/>
+                <a:tab pos="3143250" algn="l"/>
+                <a:tab pos="3592513" algn="l"/>
+                <a:tab pos="4041775" algn="l"/>
+                <a:tab pos="4491038" algn="l"/>
+                <a:tab pos="4940300" algn="l"/>
+                <a:tab pos="5389563" algn="l"/>
+                <a:tab pos="5838825" algn="l"/>
+                <a:tab pos="6288088" algn="l"/>
+                <a:tab pos="6737350" algn="l"/>
+                <a:tab pos="7186613" algn="l"/>
+                <a:tab pos="7635875" algn="l"/>
+                <a:tab pos="8085138" algn="l"/>
+                <a:tab pos="8534400" algn="l"/>
+                <a:tab pos="8983663" algn="l"/>
+              </a:tabLst>
+              <a:defRPr sz="1400">
+                <a:solidFill>
+                  <a:schemeClr val="bg1"/>
+                </a:solidFill>
+                <a:latin typeface="Arial" charset="0"/>
+                <a:cs typeface="DejaVu Sans" charset="0"/>
+              </a:defRPr>
+            </a:lvl8pPr>
+            <a:lvl9pPr marL="3886200" indent="-228600" defTabSz="449263" eaLnBrk="0" fontAlgn="base" hangingPunct="0">
+              <a:spcBef>
+                <a:spcPct val="0"/>
+              </a:spcBef>
+              <a:spcAft>
+                <a:spcPct val="0"/>
+              </a:spcAft>
+              <a:buClr>
+                <a:srgbClr val="000000"/>
+              </a:buClr>
+              <a:buSzPct val="100000"/>
+              <a:buFont typeface="Times New Roman" pitchFamily="16" charset="0"/>
+              <a:tabLst>
+                <a:tab pos="0" algn="l"/>
+                <a:tab pos="447675" algn="l"/>
+                <a:tab pos="896938" algn="l"/>
+                <a:tab pos="1346200" algn="l"/>
+                <a:tab pos="1795463" algn="l"/>
+                <a:tab pos="2244725" algn="l"/>
+                <a:tab pos="2693988" algn="l"/>
+                <a:tab pos="3143250" algn="l"/>
+                <a:tab pos="3592513" algn="l"/>
+                <a:tab pos="4041775" algn="l"/>
+                <a:tab pos="4491038" algn="l"/>
+                <a:tab pos="4940300" algn="l"/>
+                <a:tab pos="5389563" algn="l"/>
+                <a:tab pos="5838825" algn="l"/>
+                <a:tab pos="6288088" algn="l"/>
+                <a:tab pos="6737350" algn="l"/>
+                <a:tab pos="7186613" algn="l"/>
+                <a:tab pos="7635875" algn="l"/>
+                <a:tab pos="8085138" algn="l"/>
+                <a:tab pos="8534400" algn="l"/>
+                <a:tab pos="8983663" algn="l"/>
+              </a:tabLst>
+              <a:defRPr sz="1400">
+                <a:solidFill>
+                  <a:schemeClr val="bg1"/>
+                </a:solidFill>
+                <a:latin typeface="Arial" charset="0"/>
+                <a:cs typeface="DejaVu Sans" charset="0"/>
+              </a:defRPr>
+            </a:lvl9pPr>
+          </a:lstStyle>
+          <a:p>
+            <a:pPr eaLnBrk="1" hangingPunct="1"/>
+            <a:r>
+              <a:rPr lang="en-US">
+                <a:solidFill>
+                  <a:srgbClr val="000000"/>
+                </a:solidFill>
+              </a:rPr>
+              <a:t>INPUT DATA</a:t>
+            </a:r>
+          </a:p>
+        </p:txBody>
+      </p:sp>
+      <p:sp>
+        <p:nvSpPr>
+          <p:cNvPr id="14383" name="Text Box 46"/>
+          <p:cNvSpPr txBox="1">
+            <a:spLocks noChangeArrowheads="1"/>
+          </p:cNvSpPr>
+          <p:nvPr/>
+        </p:nvSpPr>
+        <p:spPr bwMode="auto">
+          <a:xfrm>
+            <a:off x="5629275" y="5589240"/>
+            <a:ext cx="1444625" cy="303213"/>
+          </a:xfrm>
+          <a:prstGeom prst="rect">
+            <a:avLst/>
+          </a:prstGeom>
+          <a:noFill/>
+          <a:ln>
+            <a:noFill/>
+          </a:ln>
+          <a:extLst>
+            <a:ext uri="{909E8E84-426E-40DD-AFC4-6F175D3DCCD1}">
+              <a14:hiddenFill xmlns:a14="http://schemas.microsoft.com/office/drawing/2010/main">
+                <a:solidFill>
+                  <a:srgbClr val="FFFFFF"/>
+                </a:solidFill>
+              </a14:hiddenFill>
+            </a:ext>
+            <a:ext uri="{91240B29-F687-4F45-9708-019B960494DF}">
+              <a14:hiddenLine xmlns:a14="http://schemas.microsoft.com/office/drawing/2010/main" w="9525">
+                <a:solidFill>
+                  <a:srgbClr val="000000"/>
+                </a:solidFill>
+                <a:round/>
+                <a:headEnd/>
+                <a:tailEnd/>
+              </a14:hiddenLine>
+            </a:ext>
+          </a:extLst>
+        </p:spPr>
+        <p:txBody>
+          <a:bodyPr wrap="none" lIns="90000" tIns="45000" rIns="90000" bIns="45000"/>
+          <a:lstStyle>
+            <a:lvl1pPr eaLnBrk="0" hangingPunct="0">
+              <a:tabLst>
+                <a:tab pos="0" algn="l"/>
+                <a:tab pos="447675" algn="l"/>
+                <a:tab pos="896938" algn="l"/>
+                <a:tab pos="1346200" algn="l"/>
+                <a:tab pos="1795463" algn="l"/>
+                <a:tab pos="2244725" algn="l"/>
+                <a:tab pos="2693988" algn="l"/>
+                <a:tab pos="3143250" algn="l"/>
+                <a:tab pos="3592513" algn="l"/>
+                <a:tab pos="4041775" algn="l"/>
+                <a:tab pos="4491038" algn="l"/>
+                <a:tab pos="4940300" algn="l"/>
+                <a:tab pos="5389563" algn="l"/>
+                <a:tab pos="5838825" algn="l"/>
+                <a:tab pos="6288088" algn="l"/>
+                <a:tab pos="6737350" algn="l"/>
+                <a:tab pos="7186613" algn="l"/>
+                <a:tab pos="7635875" algn="l"/>
+                <a:tab pos="8085138" algn="l"/>
+                <a:tab pos="8534400" algn="l"/>
+                <a:tab pos="8983663" algn="l"/>
+              </a:tabLst>
+              <a:defRPr sz="1400">
+                <a:solidFill>
+                  <a:schemeClr val="bg1"/>
+                </a:solidFill>
+                <a:latin typeface="Arial" charset="0"/>
+                <a:cs typeface="DejaVu Sans" charset="0"/>
+              </a:defRPr>
+            </a:lvl1pPr>
+            <a:lvl2pPr marL="742950" indent="-285750" eaLnBrk="0" hangingPunct="0">
+              <a:tabLst>
+                <a:tab pos="0" algn="l"/>
+                <a:tab pos="447675" algn="l"/>
+                <a:tab pos="896938" algn="l"/>
+                <a:tab pos="1346200" algn="l"/>
+                <a:tab pos="1795463" algn="l"/>
+                <a:tab pos="2244725" algn="l"/>
+                <a:tab pos="2693988" algn="l"/>
+                <a:tab pos="3143250" algn="l"/>
+                <a:tab pos="3592513" algn="l"/>
+                <a:tab pos="4041775" algn="l"/>
+                <a:tab pos="4491038" algn="l"/>
+                <a:tab pos="4940300" algn="l"/>
+                <a:tab pos="5389563" algn="l"/>
+                <a:tab pos="5838825" algn="l"/>
+                <a:tab pos="6288088" algn="l"/>
+                <a:tab pos="6737350" algn="l"/>
+                <a:tab pos="7186613" algn="l"/>
+                <a:tab pos="7635875" algn="l"/>
+                <a:tab pos="8085138" algn="l"/>
+                <a:tab pos="8534400" algn="l"/>
+                <a:tab pos="8983663" algn="l"/>
+              </a:tabLst>
+              <a:defRPr sz="1400">
+                <a:solidFill>
+                  <a:schemeClr val="bg1"/>
+                </a:solidFill>
+                <a:latin typeface="Arial" charset="0"/>
+                <a:cs typeface="DejaVu Sans" charset="0"/>
+              </a:defRPr>
+            </a:lvl2pPr>
+            <a:lvl3pPr eaLnBrk="0" hangingPunct="0">
+              <a:tabLst>
+                <a:tab pos="0" algn="l"/>
+                <a:tab pos="447675" algn="l"/>
+                <a:tab pos="896938" algn="l"/>
+                <a:tab pos="1346200" algn="l"/>
+                <a:tab pos="1795463" algn="l"/>
+                <a:tab pos="2244725" algn="l"/>
+                <a:tab pos="2693988" algn="l"/>
+                <a:tab pos="3143250" algn="l"/>
+                <a:tab pos="3592513" algn="l"/>
+                <a:tab pos="4041775" algn="l"/>
+                <a:tab pos="4491038" algn="l"/>
+                <a:tab pos="4940300" algn="l"/>
+                <a:tab pos="5389563" algn="l"/>
+                <a:tab pos="5838825" algn="l"/>
+                <a:tab pos="6288088" algn="l"/>
+                <a:tab pos="6737350" algn="l"/>
+                <a:tab pos="7186613" algn="l"/>
+                <a:tab pos="7635875" algn="l"/>
+                <a:tab pos="8085138" algn="l"/>
+                <a:tab pos="8534400" algn="l"/>
+                <a:tab pos="8983663" algn="l"/>
+              </a:tabLst>
+              <a:defRPr sz="1400">
+                <a:solidFill>
+                  <a:schemeClr val="bg1"/>
+                </a:solidFill>
+                <a:latin typeface="Arial" charset="0"/>
+                <a:cs typeface="DejaVu Sans" charset="0"/>
+              </a:defRPr>
+            </a:lvl3pPr>
+            <a:lvl4pPr eaLnBrk="0" hangingPunct="0">
+              <a:tabLst>
+                <a:tab pos="0" algn="l"/>
+                <a:tab pos="447675" algn="l"/>
+                <a:tab pos="896938" algn="l"/>
+                <a:tab pos="1346200" algn="l"/>
+                <a:tab pos="1795463" algn="l"/>
+                <a:tab pos="2244725" algn="l"/>
+                <a:tab pos="2693988" algn="l"/>
+                <a:tab pos="3143250" algn="l"/>
+                <a:tab pos="3592513" algn="l"/>
+                <a:tab pos="4041775" algn="l"/>
+                <a:tab pos="4491038" algn="l"/>
+                <a:tab pos="4940300" algn="l"/>
+                <a:tab pos="5389563" algn="l"/>
+                <a:tab pos="5838825" algn="l"/>
+                <a:tab pos="6288088" algn="l"/>
+                <a:tab pos="6737350" algn="l"/>
+                <a:tab pos="7186613" algn="l"/>
+                <a:tab pos="7635875" algn="l"/>
+                <a:tab pos="8085138" algn="l"/>
+                <a:tab pos="8534400" algn="l"/>
+                <a:tab pos="8983663" algn="l"/>
+              </a:tabLst>
+              <a:defRPr sz="1400">
+                <a:solidFill>
+                  <a:schemeClr val="bg1"/>
+                </a:solidFill>
+                <a:latin typeface="Arial" charset="0"/>
+                <a:cs typeface="DejaVu Sans" charset="0"/>
+              </a:defRPr>
+            </a:lvl4pPr>
+            <a:lvl5pPr eaLnBrk="0" hangingPunct="0">
+              <a:tabLst>
+                <a:tab pos="0" algn="l"/>
+                <a:tab pos="447675" algn="l"/>
+                <a:tab pos="896938" algn="l"/>
+                <a:tab pos="1346200" algn="l"/>
+                <a:tab pos="1795463" algn="l"/>
+                <a:tab pos="2244725" algn="l"/>
+                <a:tab pos="2693988" algn="l"/>
+                <a:tab pos="3143250" algn="l"/>
+                <a:tab pos="3592513" algn="l"/>
+                <a:tab pos="4041775" algn="l"/>
+                <a:tab pos="4491038" algn="l"/>
+                <a:tab pos="4940300" algn="l"/>
+                <a:tab pos="5389563" algn="l"/>
+                <a:tab pos="5838825" algn="l"/>
+                <a:tab pos="6288088" algn="l"/>
+                <a:tab pos="6737350" algn="l"/>
+                <a:tab pos="7186613" algn="l"/>
+                <a:tab pos="7635875" algn="l"/>
+                <a:tab pos="8085138" algn="l"/>
+                <a:tab pos="8534400" algn="l"/>
+                <a:tab pos="8983663" algn="l"/>
+              </a:tabLst>
+              <a:defRPr sz="1400">
+                <a:solidFill>
+                  <a:schemeClr val="bg1"/>
+                </a:solidFill>
+                <a:latin typeface="Arial" charset="0"/>
+                <a:cs typeface="DejaVu Sans" charset="0"/>
+              </a:defRPr>
+            </a:lvl5pPr>
+            <a:lvl6pPr marL="2514600" indent="-228600" defTabSz="449263" eaLnBrk="0" fontAlgn="base" hangingPunct="0">
+              <a:spcBef>
+                <a:spcPct val="0"/>
+              </a:spcBef>
+              <a:spcAft>
+                <a:spcPct val="0"/>
+              </a:spcAft>
+              <a:buClr>
+                <a:srgbClr val="000000"/>
+              </a:buClr>
+              <a:buSzPct val="100000"/>
+              <a:buFont typeface="Times New Roman" pitchFamily="16" charset="0"/>
+              <a:tabLst>
+                <a:tab pos="0" algn="l"/>
+                <a:tab pos="447675" algn="l"/>
+                <a:tab pos="896938" algn="l"/>
+                <a:tab pos="1346200" algn="l"/>
+                <a:tab pos="1795463" algn="l"/>
+                <a:tab pos="2244725" algn="l"/>
+                <a:tab pos="2693988" algn="l"/>
+                <a:tab pos="3143250" algn="l"/>
+                <a:tab pos="3592513" algn="l"/>
+                <a:tab pos="4041775" algn="l"/>
+                <a:tab pos="4491038" algn="l"/>
+                <a:tab pos="4940300" algn="l"/>
+                <a:tab pos="5389563" algn="l"/>
+                <a:tab pos="5838825" algn="l"/>
+                <a:tab pos="6288088" algn="l"/>
+                <a:tab pos="6737350" algn="l"/>
+                <a:tab pos="7186613" algn="l"/>
+                <a:tab pos="7635875" algn="l"/>
+                <a:tab pos="8085138" algn="l"/>
+                <a:tab pos="8534400" algn="l"/>
+                <a:tab pos="8983663" algn="l"/>
+              </a:tabLst>
+              <a:defRPr sz="1400">
+                <a:solidFill>
+                  <a:schemeClr val="bg1"/>
+                </a:solidFill>
+                <a:latin typeface="Arial" charset="0"/>
+                <a:cs typeface="DejaVu Sans" charset="0"/>
+              </a:defRPr>
+            </a:lvl6pPr>
+            <a:lvl7pPr marL="2971800" indent="-228600" defTabSz="449263" eaLnBrk="0" fontAlgn="base" hangingPunct="0">
+              <a:spcBef>
+                <a:spcPct val="0"/>
+              </a:spcBef>
+              <a:spcAft>
+                <a:spcPct val="0"/>
+              </a:spcAft>
+              <a:buClr>
+                <a:srgbClr val="000000"/>
+              </a:buClr>
+              <a:buSzPct val="100000"/>
+              <a:buFont typeface="Times New Roman" pitchFamily="16" charset="0"/>
+              <a:tabLst>
+                <a:tab pos="0" algn="l"/>
+                <a:tab pos="447675" algn="l"/>
+                <a:tab pos="896938" algn="l"/>
+                <a:tab pos="1346200" algn="l"/>
+                <a:tab pos="1795463" algn="l"/>
+                <a:tab pos="2244725" algn="l"/>
+                <a:tab pos="2693988" algn="l"/>
+                <a:tab pos="3143250" algn="l"/>
+                <a:tab pos="3592513" algn="l"/>
+                <a:tab pos="4041775" algn="l"/>
+                <a:tab pos="4491038" algn="l"/>
+                <a:tab pos="4940300" algn="l"/>
+                <a:tab pos="5389563" algn="l"/>
+                <a:tab pos="5838825" algn="l"/>
+                <a:tab pos="6288088" algn="l"/>
+                <a:tab pos="6737350" algn="l"/>
+                <a:tab pos="7186613" algn="l"/>
+                <a:tab pos="7635875" algn="l"/>
+                <a:tab pos="8085138" algn="l"/>
+                <a:tab pos="8534400" algn="l"/>
+                <a:tab pos="8983663" algn="l"/>
+              </a:tabLst>
+              <a:defRPr sz="1400">
+                <a:solidFill>
+                  <a:schemeClr val="bg1"/>
+                </a:solidFill>
+                <a:latin typeface="Arial" charset="0"/>
+                <a:cs typeface="DejaVu Sans" charset="0"/>
+              </a:defRPr>
+            </a:lvl7pPr>
+            <a:lvl8pPr marL="3429000" indent="-228600" defTabSz="449263" eaLnBrk="0" fontAlgn="base" hangingPunct="0">
+              <a:spcBef>
+                <a:spcPct val="0"/>
+              </a:spcBef>
+              <a:spcAft>
+                <a:spcPct val="0"/>
+              </a:spcAft>
+              <a:buClr>
+                <a:srgbClr val="000000"/>
+              </a:buClr>
+              <a:buSzPct val="100000"/>
+              <a:buFont typeface="Times New Roman" pitchFamily="16" charset="0"/>
+              <a:tabLst>
+                <a:tab pos="0" algn="l"/>
+                <a:tab pos="447675" algn="l"/>
+                <a:tab pos="896938" algn="l"/>
+                <a:tab pos="1346200" algn="l"/>
+                <a:tab pos="1795463" algn="l"/>
+                <a:tab pos="2244725" algn="l"/>
+                <a:tab pos="2693988" algn="l"/>
+                <a:tab pos="3143250" algn="l"/>
+                <a:tab pos="3592513" algn="l"/>
+                <a:tab pos="4041775" algn="l"/>
+                <a:tab pos="4491038" algn="l"/>
+                <a:tab pos="4940300" algn="l"/>
+                <a:tab pos="5389563" algn="l"/>
+                <a:tab pos="5838825" algn="l"/>
+                <a:tab pos="6288088" algn="l"/>
+                <a:tab pos="6737350" algn="l"/>
+                <a:tab pos="7186613" algn="l"/>
+                <a:tab pos="7635875" algn="l"/>
+                <a:tab pos="8085138" algn="l"/>
+                <a:tab pos="8534400" algn="l"/>
+                <a:tab pos="8983663" algn="l"/>
+              </a:tabLst>
+              <a:defRPr sz="1400">
+                <a:solidFill>
+                  <a:schemeClr val="bg1"/>
+                </a:solidFill>
+                <a:latin typeface="Arial" charset="0"/>
+                <a:cs typeface="DejaVu Sans" charset="0"/>
+              </a:defRPr>
+            </a:lvl8pPr>
+            <a:lvl9pPr marL="3886200" indent="-228600" defTabSz="449263" eaLnBrk="0" fontAlgn="base" hangingPunct="0">
+              <a:spcBef>
+                <a:spcPct val="0"/>
+              </a:spcBef>
+              <a:spcAft>
+                <a:spcPct val="0"/>
+              </a:spcAft>
+              <a:buClr>
+                <a:srgbClr val="000000"/>
+              </a:buClr>
+              <a:buSzPct val="100000"/>
+              <a:buFont typeface="Times New Roman" pitchFamily="16" charset="0"/>
+              <a:tabLst>
+                <a:tab pos="0" algn="l"/>
+                <a:tab pos="447675" algn="l"/>
+                <a:tab pos="896938" algn="l"/>
+                <a:tab pos="1346200" algn="l"/>
+                <a:tab pos="1795463" algn="l"/>
+                <a:tab pos="2244725" algn="l"/>
+                <a:tab pos="2693988" algn="l"/>
+                <a:tab pos="3143250" algn="l"/>
+                <a:tab pos="3592513" algn="l"/>
+                <a:tab pos="4041775" algn="l"/>
+                <a:tab pos="4491038" algn="l"/>
+                <a:tab pos="4940300" algn="l"/>
+                <a:tab pos="5389563" algn="l"/>
+                <a:tab pos="5838825" algn="l"/>
+                <a:tab pos="6288088" algn="l"/>
+                <a:tab pos="6737350" algn="l"/>
+                <a:tab pos="7186613" algn="l"/>
+                <a:tab pos="7635875" algn="l"/>
+                <a:tab pos="8085138" algn="l"/>
+                <a:tab pos="8534400" algn="l"/>
+                <a:tab pos="8983663" algn="l"/>
+              </a:tabLst>
+              <a:defRPr sz="1400">
+                <a:solidFill>
+                  <a:schemeClr val="bg1"/>
+                </a:solidFill>
+                <a:latin typeface="Arial" charset="0"/>
+                <a:cs typeface="DejaVu Sans" charset="0"/>
+              </a:defRPr>
+            </a:lvl9pPr>
+          </a:lstStyle>
+          <a:p>
+            <a:pPr eaLnBrk="1" hangingPunct="1"/>
+            <a:r>
+              <a:rPr lang="en-US" dirty="0">
+                <a:solidFill>
+                  <a:srgbClr val="000000"/>
+                </a:solidFill>
+              </a:rPr>
+              <a:t>OUTPUT DATA</a:t>
+            </a:r>
+          </a:p>
+        </p:txBody>
+      </p:sp>
+      <p:sp>
+        <p:nvSpPr>
+          <p:cNvPr id="14384" name="Text Box 47"/>
+          <p:cNvSpPr txBox="1">
+            <a:spLocks noChangeArrowheads="1"/>
+          </p:cNvSpPr>
+          <p:nvPr/>
+        </p:nvSpPr>
+        <p:spPr bwMode="auto">
+          <a:xfrm>
+            <a:off x="8204200" y="4149080"/>
+            <a:ext cx="939800" cy="303213"/>
+          </a:xfrm>
+          <a:prstGeom prst="rect">
+            <a:avLst/>
+          </a:prstGeom>
+          <a:noFill/>
+          <a:ln>
+            <a:noFill/>
+          </a:ln>
+          <a:extLst>
+            <a:ext uri="{909E8E84-426E-40DD-AFC4-6F175D3DCCD1}">
+              <a14:hiddenFill xmlns:a14="http://schemas.microsoft.com/office/drawing/2010/main">
+                <a:solidFill>
+                  <a:srgbClr val="FFFFFF"/>
+                </a:solidFill>
+              </a14:hiddenFill>
+            </a:ext>
+            <a:ext uri="{91240B29-F687-4F45-9708-019B960494DF}">
+              <a14:hiddenLine xmlns:a14="http://schemas.microsoft.com/office/drawing/2010/main" w="9525">
+                <a:solidFill>
+                  <a:srgbClr val="000000"/>
+                </a:solidFill>
+                <a:round/>
+                <a:headEnd/>
+                <a:tailEnd/>
+              </a14:hiddenLine>
+            </a:ext>
+          </a:extLst>
+        </p:spPr>
+        <p:txBody>
+          <a:bodyPr wrap="none" lIns="90000" tIns="45000" rIns="90000" bIns="45000"/>
+          <a:lstStyle>
+            <a:lvl1pPr eaLnBrk="0" hangingPunct="0">
+              <a:tabLst>
+                <a:tab pos="0" algn="l"/>
+                <a:tab pos="447675" algn="l"/>
+                <a:tab pos="896938" algn="l"/>
+                <a:tab pos="1346200" algn="l"/>
+                <a:tab pos="1795463" algn="l"/>
+                <a:tab pos="2244725" algn="l"/>
+                <a:tab pos="2693988" algn="l"/>
+                <a:tab pos="3143250" algn="l"/>
+                <a:tab pos="3592513" algn="l"/>
+                <a:tab pos="4041775" algn="l"/>
+                <a:tab pos="4491038" algn="l"/>
+                <a:tab pos="4940300" algn="l"/>
+                <a:tab pos="5389563" algn="l"/>
+                <a:tab pos="5838825" algn="l"/>
+                <a:tab pos="6288088" algn="l"/>
+                <a:tab pos="6737350" algn="l"/>
+                <a:tab pos="7186613" algn="l"/>
+                <a:tab pos="7635875" algn="l"/>
+                <a:tab pos="8085138" algn="l"/>
+                <a:tab pos="8534400" algn="l"/>
+                <a:tab pos="8983663" algn="l"/>
+              </a:tabLst>
+              <a:defRPr sz="1400">
+                <a:solidFill>
+                  <a:schemeClr val="bg1"/>
+                </a:solidFill>
+                <a:latin typeface="Arial" charset="0"/>
+                <a:cs typeface="DejaVu Sans" charset="0"/>
+              </a:defRPr>
+            </a:lvl1pPr>
+            <a:lvl2pPr marL="742950" indent="-285750" eaLnBrk="0" hangingPunct="0">
+              <a:tabLst>
+                <a:tab pos="0" algn="l"/>
+                <a:tab pos="447675" algn="l"/>
+                <a:tab pos="896938" algn="l"/>
+                <a:tab pos="1346200" algn="l"/>
+                <a:tab pos="1795463" algn="l"/>
+                <a:tab pos="2244725" algn="l"/>
+                <a:tab pos="2693988" algn="l"/>
+                <a:tab pos="3143250" algn="l"/>
+                <a:tab pos="3592513" algn="l"/>
+                <a:tab pos="4041775" algn="l"/>
+                <a:tab pos="4491038" algn="l"/>
+                <a:tab pos="4940300" algn="l"/>
+                <a:tab pos="5389563" algn="l"/>
+                <a:tab pos="5838825" algn="l"/>
+                <a:tab pos="6288088" algn="l"/>
+                <a:tab pos="6737350" algn="l"/>
+                <a:tab pos="7186613" algn="l"/>
+                <a:tab pos="7635875" algn="l"/>
+                <a:tab pos="8085138" algn="l"/>
+                <a:tab pos="8534400" algn="l"/>
+                <a:tab pos="8983663" algn="l"/>
+              </a:tabLst>
+              <a:defRPr sz="1400">
+                <a:solidFill>
+                  <a:schemeClr val="bg1"/>
+                </a:solidFill>
+                <a:latin typeface="Arial" charset="0"/>
+                <a:cs typeface="DejaVu Sans" charset="0"/>
+              </a:defRPr>
+            </a:lvl2pPr>
+            <a:lvl3pPr eaLnBrk="0" hangingPunct="0">
+              <a:tabLst>
+                <a:tab pos="0" algn="l"/>
+                <a:tab pos="447675" algn="l"/>
+                <a:tab pos="896938" algn="l"/>
+                <a:tab pos="1346200" algn="l"/>
+                <a:tab pos="1795463" algn="l"/>
+                <a:tab pos="2244725" algn="l"/>
+                <a:tab pos="2693988" algn="l"/>
+                <a:tab pos="3143250" algn="l"/>
+                <a:tab pos="3592513" algn="l"/>
+                <a:tab pos="4041775" algn="l"/>
+                <a:tab pos="4491038" algn="l"/>
+                <a:tab pos="4940300" algn="l"/>
+                <a:tab pos="5389563" algn="l"/>
+                <a:tab pos="5838825" algn="l"/>
+                <a:tab pos="6288088" algn="l"/>
+                <a:tab pos="6737350" algn="l"/>
+                <a:tab pos="7186613" algn="l"/>
+                <a:tab pos="7635875" algn="l"/>
+                <a:tab pos="8085138" algn="l"/>
+                <a:tab pos="8534400" algn="l"/>
+                <a:tab pos="8983663" algn="l"/>
+              </a:tabLst>
+              <a:defRPr sz="1400">
+                <a:solidFill>
+                  <a:schemeClr val="bg1"/>
+                </a:solidFill>
+                <a:latin typeface="Arial" charset="0"/>
+                <a:cs typeface="DejaVu Sans" charset="0"/>
+              </a:defRPr>
+            </a:lvl3pPr>
+            <a:lvl4pPr eaLnBrk="0" hangingPunct="0">
+              <a:tabLst>
+                <a:tab pos="0" algn="l"/>
+                <a:tab pos="447675" algn="l"/>
+                <a:tab pos="896938" algn="l"/>
+                <a:tab pos="1346200" algn="l"/>
+                <a:tab pos="1795463" algn="l"/>
+                <a:tab pos="2244725" algn="l"/>
+                <a:tab pos="2693988" algn="l"/>
+                <a:tab pos="3143250" algn="l"/>
+                <a:tab pos="3592513" algn="l"/>
+                <a:tab pos="4041775" algn="l"/>
+                <a:tab pos="4491038" algn="l"/>
+                <a:tab pos="4940300" algn="l"/>
+                <a:tab pos="5389563" algn="l"/>
+                <a:tab pos="5838825" algn="l"/>
+                <a:tab pos="6288088" algn="l"/>
+                <a:tab pos="6737350" algn="l"/>
+                <a:tab pos="7186613" algn="l"/>
+                <a:tab pos="7635875" algn="l"/>
+                <a:tab pos="8085138" algn="l"/>
+                <a:tab pos="8534400" algn="l"/>
+                <a:tab pos="8983663" algn="l"/>
+              </a:tabLst>
+              <a:defRPr sz="1400">
+                <a:solidFill>
+                  <a:schemeClr val="bg1"/>
+                </a:solidFill>
+                <a:latin typeface="Arial" charset="0"/>
+                <a:cs typeface="DejaVu Sans" charset="0"/>
+              </a:defRPr>
+            </a:lvl4pPr>
+            <a:lvl5pPr eaLnBrk="0" hangingPunct="0">
+              <a:tabLst>
+                <a:tab pos="0" algn="l"/>
+                <a:tab pos="447675" algn="l"/>
+                <a:tab pos="896938" algn="l"/>
+                <a:tab pos="1346200" algn="l"/>
+                <a:tab pos="1795463" algn="l"/>
+                <a:tab pos="2244725" algn="l"/>
+                <a:tab pos="2693988" algn="l"/>
+                <a:tab pos="3143250" algn="l"/>
+                <a:tab pos="3592513" algn="l"/>
+                <a:tab pos="4041775" algn="l"/>
+                <a:tab pos="4491038" algn="l"/>
+                <a:tab pos="4940300" algn="l"/>
+                <a:tab pos="5389563" algn="l"/>
+                <a:tab pos="5838825" algn="l"/>
+                <a:tab pos="6288088" algn="l"/>
+                <a:tab pos="6737350" algn="l"/>
+                <a:tab pos="7186613" algn="l"/>
+                <a:tab pos="7635875" algn="l"/>
+                <a:tab pos="8085138" algn="l"/>
+                <a:tab pos="8534400" algn="l"/>
+                <a:tab pos="8983663" algn="l"/>
+              </a:tabLst>
+              <a:defRPr sz="1400">
+                <a:solidFill>
+                  <a:schemeClr val="bg1"/>
+                </a:solidFill>
+                <a:latin typeface="Arial" charset="0"/>
+                <a:cs typeface="DejaVu Sans" charset="0"/>
+              </a:defRPr>
+            </a:lvl5pPr>
+            <a:lvl6pPr marL="2514600" indent="-228600" defTabSz="449263" eaLnBrk="0" fontAlgn="base" hangingPunct="0">
+              <a:spcBef>
+                <a:spcPct val="0"/>
+              </a:spcBef>
+              <a:spcAft>
+                <a:spcPct val="0"/>
+              </a:spcAft>
+              <a:buClr>
+                <a:srgbClr val="000000"/>
+              </a:buClr>
+              <a:buSzPct val="100000"/>
+              <a:buFont typeface="Times New Roman" pitchFamily="16" charset="0"/>
+              <a:tabLst>
+                <a:tab pos="0" algn="l"/>
+                <a:tab pos="447675" algn="l"/>
+                <a:tab pos="896938" algn="l"/>
+                <a:tab pos="1346200" algn="l"/>
+                <a:tab pos="1795463" algn="l"/>
+                <a:tab pos="2244725" algn="l"/>
+                <a:tab pos="2693988" algn="l"/>
+                <a:tab pos="3143250" algn="l"/>
+                <a:tab pos="3592513" algn="l"/>
+                <a:tab pos="4041775" algn="l"/>
+                <a:tab pos="4491038" algn="l"/>
+                <a:tab pos="4940300" algn="l"/>
+                <a:tab pos="5389563" algn="l"/>
+                <a:tab pos="5838825" algn="l"/>
+                <a:tab pos="6288088" algn="l"/>
+                <a:tab pos="6737350" algn="l"/>
+                <a:tab pos="7186613" algn="l"/>
+                <a:tab pos="7635875" algn="l"/>
+                <a:tab pos="8085138" algn="l"/>
+                <a:tab pos="8534400" algn="l"/>
+                <a:tab pos="8983663" algn="l"/>
+              </a:tabLst>
+              <a:defRPr sz="1400">
+                <a:solidFill>
+                  <a:schemeClr val="bg1"/>
+                </a:solidFill>
+                <a:latin typeface="Arial" charset="0"/>
+                <a:cs typeface="DejaVu Sans" charset="0"/>
+              </a:defRPr>
+            </a:lvl6pPr>
+            <a:lvl7pPr marL="2971800" indent="-228600" defTabSz="449263" eaLnBrk="0" fontAlgn="base" hangingPunct="0">
+              <a:spcBef>
+                <a:spcPct val="0"/>
+              </a:spcBef>
+              <a:spcAft>
+                <a:spcPct val="0"/>
+              </a:spcAft>
+              <a:buClr>
+                <a:srgbClr val="000000"/>
+              </a:buClr>
+              <a:buSzPct val="100000"/>
+              <a:buFont typeface="Times New Roman" pitchFamily="16" charset="0"/>
+              <a:tabLst>
+                <a:tab pos="0" algn="l"/>
+                <a:tab pos="447675" algn="l"/>
+                <a:tab pos="896938" algn="l"/>
+                <a:tab pos="1346200" algn="l"/>
+                <a:tab pos="1795463" algn="l"/>
+                <a:tab pos="2244725" algn="l"/>
+                <a:tab pos="2693988" algn="l"/>
+                <a:tab pos="3143250" algn="l"/>
+                <a:tab pos="3592513" algn="l"/>
+                <a:tab pos="4041775" algn="l"/>
+                <a:tab pos="4491038" algn="l"/>
+                <a:tab pos="4940300" algn="l"/>
+                <a:tab pos="5389563" algn="l"/>
+                <a:tab pos="5838825" algn="l"/>
+                <a:tab pos="6288088" algn="l"/>
+                <a:tab pos="6737350" algn="l"/>
+                <a:tab pos="7186613" algn="l"/>
+                <a:tab pos="7635875" algn="l"/>
+                <a:tab pos="8085138" algn="l"/>
+                <a:tab pos="8534400" algn="l"/>
+                <a:tab pos="8983663" algn="l"/>
+              </a:tabLst>
+              <a:defRPr sz="1400">
+                <a:solidFill>
+                  <a:schemeClr val="bg1"/>
+                </a:solidFill>
+                <a:latin typeface="Arial" charset="0"/>
+                <a:cs typeface="DejaVu Sans" charset="0"/>
+              </a:defRPr>
+            </a:lvl7pPr>
+            <a:lvl8pPr marL="3429000" indent="-228600" defTabSz="449263" eaLnBrk="0" fontAlgn="base" hangingPunct="0">
+              <a:spcBef>
+                <a:spcPct val="0"/>
+              </a:spcBef>
+              <a:spcAft>
+                <a:spcPct val="0"/>
+              </a:spcAft>
+              <a:buClr>
+                <a:srgbClr val="000000"/>
+              </a:buClr>
+              <a:buSzPct val="100000"/>
+              <a:buFont typeface="Times New Roman" pitchFamily="16" charset="0"/>
+              <a:tabLst>
+                <a:tab pos="0" algn="l"/>
+                <a:tab pos="447675" algn="l"/>
+                <a:tab pos="896938" algn="l"/>
+                <a:tab pos="1346200" algn="l"/>
+                <a:tab pos="1795463" algn="l"/>
+                <a:tab pos="2244725" algn="l"/>
+                <a:tab pos="2693988" algn="l"/>
+                <a:tab pos="3143250" algn="l"/>
+                <a:tab pos="3592513" algn="l"/>
+                <a:tab pos="4041775" algn="l"/>
+                <a:tab pos="4491038" algn="l"/>
+                <a:tab pos="4940300" algn="l"/>
+                <a:tab pos="5389563" algn="l"/>
+                <a:tab pos="5838825" algn="l"/>
+                <a:tab pos="6288088" algn="l"/>
+                <a:tab pos="6737350" algn="l"/>
+                <a:tab pos="7186613" algn="l"/>
+                <a:tab pos="7635875" algn="l"/>
+                <a:tab pos="8085138" algn="l"/>
+                <a:tab pos="8534400" algn="l"/>
+                <a:tab pos="8983663" algn="l"/>
+              </a:tabLst>
+              <a:defRPr sz="1400">
+                <a:solidFill>
+                  <a:schemeClr val="bg1"/>
+                </a:solidFill>
+                <a:latin typeface="Arial" charset="0"/>
+                <a:cs typeface="DejaVu Sans" charset="0"/>
+              </a:defRPr>
+            </a:lvl8pPr>
+            <a:lvl9pPr marL="3886200" indent="-228600" defTabSz="449263" eaLnBrk="0" fontAlgn="base" hangingPunct="0">
+              <a:spcBef>
+                <a:spcPct val="0"/>
+              </a:spcBef>
+              <a:spcAft>
+                <a:spcPct val="0"/>
+              </a:spcAft>
+              <a:buClr>
+                <a:srgbClr val="000000"/>
+              </a:buClr>
+              <a:buSzPct val="100000"/>
+              <a:buFont typeface="Times New Roman" pitchFamily="16" charset="0"/>
+              <a:tabLst>
+                <a:tab pos="0" algn="l"/>
+                <a:tab pos="447675" algn="l"/>
+                <a:tab pos="896938" algn="l"/>
+                <a:tab pos="1346200" algn="l"/>
+                <a:tab pos="1795463" algn="l"/>
+                <a:tab pos="2244725" algn="l"/>
+                <a:tab pos="2693988" algn="l"/>
+                <a:tab pos="3143250" algn="l"/>
+                <a:tab pos="3592513" algn="l"/>
+                <a:tab pos="4041775" algn="l"/>
+                <a:tab pos="4491038" algn="l"/>
+                <a:tab pos="4940300" algn="l"/>
+                <a:tab pos="5389563" algn="l"/>
+                <a:tab pos="5838825" algn="l"/>
+                <a:tab pos="6288088" algn="l"/>
+                <a:tab pos="6737350" algn="l"/>
+                <a:tab pos="7186613" algn="l"/>
+                <a:tab pos="7635875" algn="l"/>
+                <a:tab pos="8085138" algn="l"/>
+                <a:tab pos="8534400" algn="l"/>
+                <a:tab pos="8983663" algn="l"/>
+              </a:tabLst>
+              <a:defRPr sz="1400">
+                <a:solidFill>
+                  <a:schemeClr val="bg1"/>
+                </a:solidFill>
+                <a:latin typeface="Arial" charset="0"/>
+                <a:cs typeface="DejaVu Sans" charset="0"/>
+              </a:defRPr>
+            </a:lvl9pPr>
+          </a:lstStyle>
+          <a:p>
+            <a:pPr eaLnBrk="1" hangingPunct="1"/>
+            <a:r>
+              <a:rPr lang="en-US" dirty="0">
+                <a:solidFill>
+                  <a:srgbClr val="000000"/>
+                </a:solidFill>
+              </a:rPr>
+              <a:t>Registers</a:t>
+            </a:r>
+          </a:p>
+        </p:txBody>
+      </p:sp>
+      <p:sp>
+        <p:nvSpPr>
+          <p:cNvPr id="2" name="Isosceles Triangle 1"/>
+          <p:cNvSpPr/>
+          <p:nvPr/>
+        </p:nvSpPr>
+        <p:spPr bwMode="auto">
+          <a:xfrm rot="10800000">
+            <a:off x="4496722" y="4147048"/>
+            <a:ext cx="108011" cy="80924"/>
+          </a:xfrm>
+          <a:prstGeom prst="triangle">
+            <a:avLst/>
+          </a:prstGeom>
+          <a:solidFill>
+            <a:srgbClr val="99CCFF"/>
+          </a:solidFill>
+          <a:ln w="6350" cap="flat" cmpd="sng" algn="ctr">
+            <a:solidFill>
+              <a:schemeClr val="tx1"/>
+            </a:solidFill>
+            <a:prstDash val="solid"/>
+            <a:round/>
+            <a:headEnd type="none" w="med" len="med"/>
+            <a:tailEnd type="none" w="med" len="med"/>
+          </a:ln>
+          <a:effectLst/>
+        </p:spPr>
+        <p:txBody>
+          <a:bodyPr vert="horz" wrap="square" lIns="91440" tIns="45720" rIns="91440" bIns="45720" numCol="1" rtlCol="0" anchor="t" anchorCtr="0" compatLnSpc="1">
+            <a:prstTxWarp prst="textNoShape">
+              <a:avLst/>
+            </a:prstTxWarp>
+          </a:bodyPr>
+          <a:lstStyle/>
+          <a:p>
+            <a:pPr marL="0" marR="0" indent="0" algn="l" defTabSz="449263" rtl="0" eaLnBrk="1" fontAlgn="base" latinLnBrk="0" hangingPunct="1">
+              <a:lnSpc>
+                <a:spcPct val="100000"/>
+              </a:lnSpc>
+              <a:spcBef>
+                <a:spcPct val="0"/>
+              </a:spcBef>
+              <a:spcAft>
+                <a:spcPct val="0"/>
+              </a:spcAft>
+              <a:buClr>
+                <a:srgbClr val="000000"/>
+              </a:buClr>
+              <a:buSzPct val="100000"/>
+              <a:buFont typeface="Times New Roman" pitchFamily="16" charset="0"/>
+              <a:buNone/>
+              <a:tabLst/>
+            </a:pPr>
+            <a:endParaRPr kumimoji="0" lang="en-US" sz="1400" b="0" i="0" u="none" strike="noStrike" cap="none" normalizeH="0" baseline="0" smtClean="0">
+              <a:ln>
+                <a:noFill/>
+              </a:ln>
+              <a:solidFill>
+                <a:schemeClr val="bg1"/>
+              </a:solidFill>
+              <a:effectLst/>
+              <a:latin typeface="Arial" charset="0"/>
+              <a:cs typeface="DejaVu Sans" charset="0"/>
+            </a:endParaRPr>
+          </a:p>
+        </p:txBody>
+      </p:sp>
+      <p:sp>
+        <p:nvSpPr>
+          <p:cNvPr id="50" name="Isosceles Triangle 49"/>
+          <p:cNvSpPr/>
+          <p:nvPr/>
+        </p:nvSpPr>
+        <p:spPr bwMode="auto">
+          <a:xfrm rot="10800000">
+            <a:off x="4932041" y="4147048"/>
+            <a:ext cx="108011" cy="80924"/>
+          </a:xfrm>
+          <a:prstGeom prst="triangle">
+            <a:avLst/>
+          </a:prstGeom>
+          <a:solidFill>
+            <a:srgbClr val="99CCFF"/>
+          </a:solidFill>
+          <a:ln w="6350" cap="flat" cmpd="sng" algn="ctr">
+            <a:solidFill>
+              <a:schemeClr val="tx1"/>
+            </a:solidFill>
+            <a:prstDash val="solid"/>
+            <a:round/>
+            <a:headEnd type="none" w="med" len="med"/>
+            <a:tailEnd type="none" w="med" len="med"/>
+          </a:ln>
+          <a:effectLst/>
+        </p:spPr>
+        <p:txBody>
+          <a:bodyPr vert="horz" wrap="square" lIns="91440" tIns="45720" rIns="91440" bIns="45720" numCol="1" rtlCol="0" anchor="t" anchorCtr="0" compatLnSpc="1">
+            <a:prstTxWarp prst="textNoShape">
+              <a:avLst/>
+            </a:prstTxWarp>
+          </a:bodyPr>
+          <a:lstStyle/>
+          <a:p>
+            <a:pPr marL="0" marR="0" indent="0" algn="l" defTabSz="449263" rtl="0" eaLnBrk="1" fontAlgn="base" latinLnBrk="0" hangingPunct="1">
+              <a:lnSpc>
+                <a:spcPct val="100000"/>
+              </a:lnSpc>
+              <a:spcBef>
+                <a:spcPct val="0"/>
+              </a:spcBef>
+              <a:spcAft>
+                <a:spcPct val="0"/>
+              </a:spcAft>
+              <a:buClr>
+                <a:srgbClr val="000000"/>
+              </a:buClr>
+              <a:buSzPct val="100000"/>
+              <a:buFont typeface="Times New Roman" pitchFamily="16" charset="0"/>
+              <a:buNone/>
+              <a:tabLst/>
+            </a:pPr>
+            <a:endParaRPr kumimoji="0" lang="en-US" sz="1400" b="0" i="0" u="none" strike="noStrike" cap="none" normalizeH="0" baseline="0" smtClean="0">
+              <a:ln>
+                <a:noFill/>
+              </a:ln>
+              <a:solidFill>
+                <a:schemeClr val="bg1"/>
+              </a:solidFill>
+              <a:effectLst/>
+              <a:latin typeface="Arial" charset="0"/>
+              <a:cs typeface="DejaVu Sans" charset="0"/>
+            </a:endParaRPr>
+          </a:p>
+        </p:txBody>
+      </p:sp>
+      <p:sp>
+        <p:nvSpPr>
+          <p:cNvPr id="51" name="Isosceles Triangle 50"/>
+          <p:cNvSpPr/>
+          <p:nvPr/>
+        </p:nvSpPr>
+        <p:spPr bwMode="auto">
+          <a:xfrm rot="10800000">
+            <a:off x="5432826" y="4147048"/>
+            <a:ext cx="108011" cy="80924"/>
+          </a:xfrm>
+          <a:prstGeom prst="triangle">
+            <a:avLst/>
+          </a:prstGeom>
+          <a:solidFill>
+            <a:srgbClr val="99CCFF"/>
+          </a:solidFill>
+          <a:ln w="6350" cap="flat" cmpd="sng" algn="ctr">
+            <a:solidFill>
+              <a:schemeClr val="tx1"/>
+            </a:solidFill>
+            <a:prstDash val="solid"/>
+            <a:round/>
+            <a:headEnd type="none" w="med" len="med"/>
+            <a:tailEnd type="none" w="med" len="med"/>
+          </a:ln>
+          <a:effectLst/>
+        </p:spPr>
+        <p:txBody>
+          <a:bodyPr vert="horz" wrap="square" lIns="91440" tIns="45720" rIns="91440" bIns="45720" numCol="1" rtlCol="0" anchor="t" anchorCtr="0" compatLnSpc="1">
+            <a:prstTxWarp prst="textNoShape">
+              <a:avLst/>
+            </a:prstTxWarp>
+          </a:bodyPr>
+          <a:lstStyle/>
+          <a:p>
+            <a:pPr marL="0" marR="0" indent="0" algn="l" defTabSz="449263" rtl="0" eaLnBrk="1" fontAlgn="base" latinLnBrk="0" hangingPunct="1">
+              <a:lnSpc>
+                <a:spcPct val="100000"/>
+              </a:lnSpc>
+              <a:spcBef>
+                <a:spcPct val="0"/>
+              </a:spcBef>
+              <a:spcAft>
+                <a:spcPct val="0"/>
+              </a:spcAft>
+              <a:buClr>
+                <a:srgbClr val="000000"/>
+              </a:buClr>
+              <a:buSzPct val="100000"/>
+              <a:buFont typeface="Times New Roman" pitchFamily="16" charset="0"/>
+              <a:buNone/>
+              <a:tabLst/>
+            </a:pPr>
+            <a:endParaRPr kumimoji="0" lang="en-US" sz="1400" b="0" i="0" u="none" strike="noStrike" cap="none" normalizeH="0" baseline="0" smtClean="0">
+              <a:ln>
+                <a:noFill/>
+              </a:ln>
+              <a:solidFill>
+                <a:schemeClr val="bg1"/>
+              </a:solidFill>
+              <a:effectLst/>
+              <a:latin typeface="Arial" charset="0"/>
+              <a:cs typeface="DejaVu Sans" charset="0"/>
+            </a:endParaRPr>
+          </a:p>
+        </p:txBody>
+      </p:sp>
+      <p:sp>
+        <p:nvSpPr>
+          <p:cNvPr id="52" name="Isosceles Triangle 51"/>
+          <p:cNvSpPr/>
+          <p:nvPr/>
+        </p:nvSpPr>
+        <p:spPr bwMode="auto">
+          <a:xfrm rot="10800000">
+            <a:off x="5868145" y="4147048"/>
+            <a:ext cx="108011" cy="80924"/>
+          </a:xfrm>
+          <a:prstGeom prst="triangle">
+            <a:avLst/>
+          </a:prstGeom>
+          <a:solidFill>
+            <a:srgbClr val="99CCFF"/>
+          </a:solidFill>
+          <a:ln w="6350" cap="flat" cmpd="sng" algn="ctr">
+            <a:solidFill>
+              <a:schemeClr val="tx1"/>
+            </a:solidFill>
+            <a:prstDash val="solid"/>
+            <a:round/>
+            <a:headEnd type="none" w="med" len="med"/>
+            <a:tailEnd type="none" w="med" len="med"/>
+          </a:ln>
+          <a:effectLst/>
+        </p:spPr>
+        <p:txBody>
+          <a:bodyPr vert="horz" wrap="square" lIns="91440" tIns="45720" rIns="91440" bIns="45720" numCol="1" rtlCol="0" anchor="t" anchorCtr="0" compatLnSpc="1">
+            <a:prstTxWarp prst="textNoShape">
+              <a:avLst/>
+            </a:prstTxWarp>
+          </a:bodyPr>
+          <a:lstStyle/>
+          <a:p>
+            <a:pPr marL="0" marR="0" indent="0" algn="l" defTabSz="449263" rtl="0" eaLnBrk="1" fontAlgn="base" latinLnBrk="0" hangingPunct="1">
+              <a:lnSpc>
+                <a:spcPct val="100000"/>
+              </a:lnSpc>
+              <a:spcBef>
+                <a:spcPct val="0"/>
+              </a:spcBef>
+              <a:spcAft>
+                <a:spcPct val="0"/>
+              </a:spcAft>
+              <a:buClr>
+                <a:srgbClr val="000000"/>
+              </a:buClr>
+              <a:buSzPct val="100000"/>
+              <a:buFont typeface="Times New Roman" pitchFamily="16" charset="0"/>
+              <a:buNone/>
+              <a:tabLst/>
+            </a:pPr>
+            <a:endParaRPr kumimoji="0" lang="en-US" sz="1400" b="0" i="0" u="none" strike="noStrike" cap="none" normalizeH="0" baseline="0" smtClean="0">
+              <a:ln>
+                <a:noFill/>
+              </a:ln>
+              <a:solidFill>
+                <a:schemeClr val="bg1"/>
+              </a:solidFill>
+              <a:effectLst/>
+              <a:latin typeface="Arial" charset="0"/>
+              <a:cs typeface="DejaVu Sans" charset="0"/>
+            </a:endParaRPr>
+          </a:p>
+        </p:txBody>
+      </p:sp>
+      <p:sp>
+        <p:nvSpPr>
+          <p:cNvPr id="53" name="Isosceles Triangle 52"/>
+          <p:cNvSpPr/>
+          <p:nvPr/>
+        </p:nvSpPr>
+        <p:spPr bwMode="auto">
+          <a:xfrm rot="10800000">
+            <a:off x="6368930" y="4147048"/>
+            <a:ext cx="108011" cy="80924"/>
+          </a:xfrm>
+          <a:prstGeom prst="triangle">
+            <a:avLst/>
+          </a:prstGeom>
+          <a:solidFill>
+            <a:srgbClr val="99CCFF"/>
+          </a:solidFill>
+          <a:ln w="6350" cap="flat" cmpd="sng" algn="ctr">
+            <a:solidFill>
+              <a:schemeClr val="tx1"/>
+            </a:solidFill>
+            <a:prstDash val="solid"/>
+            <a:round/>
+            <a:headEnd type="none" w="med" len="med"/>
+            <a:tailEnd type="none" w="med" len="med"/>
+          </a:ln>
+          <a:effectLst/>
+        </p:spPr>
+        <p:txBody>
+          <a:bodyPr vert="horz" wrap="square" lIns="91440" tIns="45720" rIns="91440" bIns="45720" numCol="1" rtlCol="0" anchor="t" anchorCtr="0" compatLnSpc="1">
+            <a:prstTxWarp prst="textNoShape">
+              <a:avLst/>
+            </a:prstTxWarp>
+          </a:bodyPr>
+          <a:lstStyle/>
+          <a:p>
+            <a:pPr marL="0" marR="0" indent="0" algn="l" defTabSz="449263" rtl="0" eaLnBrk="1" fontAlgn="base" latinLnBrk="0" hangingPunct="1">
+              <a:lnSpc>
+                <a:spcPct val="100000"/>
+              </a:lnSpc>
+              <a:spcBef>
+                <a:spcPct val="0"/>
+              </a:spcBef>
+              <a:spcAft>
+                <a:spcPct val="0"/>
+              </a:spcAft>
+              <a:buClr>
+                <a:srgbClr val="000000"/>
+              </a:buClr>
+              <a:buSzPct val="100000"/>
+              <a:buFont typeface="Times New Roman" pitchFamily="16" charset="0"/>
+              <a:buNone/>
+              <a:tabLst/>
+            </a:pPr>
+            <a:endParaRPr kumimoji="0" lang="en-US" sz="1400" b="0" i="0" u="none" strike="noStrike" cap="none" normalizeH="0" baseline="0" smtClean="0">
+              <a:ln>
+                <a:noFill/>
+              </a:ln>
+              <a:solidFill>
+                <a:schemeClr val="bg1"/>
+              </a:solidFill>
+              <a:effectLst/>
+              <a:latin typeface="Arial" charset="0"/>
+              <a:cs typeface="DejaVu Sans" charset="0"/>
+            </a:endParaRPr>
+          </a:p>
+        </p:txBody>
+      </p:sp>
+      <p:sp>
+        <p:nvSpPr>
+          <p:cNvPr id="54" name="Isosceles Triangle 53"/>
+          <p:cNvSpPr/>
+          <p:nvPr/>
+        </p:nvSpPr>
+        <p:spPr bwMode="auto">
+          <a:xfrm rot="10800000">
+            <a:off x="6804249" y="4147048"/>
+            <a:ext cx="108011" cy="80924"/>
+          </a:xfrm>
+          <a:prstGeom prst="triangle">
+            <a:avLst/>
+          </a:prstGeom>
+          <a:solidFill>
+            <a:srgbClr val="99CCFF"/>
+          </a:solidFill>
+          <a:ln w="6350" cap="flat" cmpd="sng" algn="ctr">
+            <a:solidFill>
+              <a:schemeClr val="tx1"/>
+            </a:solidFill>
+            <a:prstDash val="solid"/>
+            <a:round/>
+            <a:headEnd type="none" w="med" len="med"/>
+            <a:tailEnd type="none" w="med" len="med"/>
+          </a:ln>
+          <a:effectLst/>
+        </p:spPr>
+        <p:txBody>
+          <a:bodyPr vert="horz" wrap="square" lIns="91440" tIns="45720" rIns="91440" bIns="45720" numCol="1" rtlCol="0" anchor="t" anchorCtr="0" compatLnSpc="1">
+            <a:prstTxWarp prst="textNoShape">
+              <a:avLst/>
+            </a:prstTxWarp>
+          </a:bodyPr>
+          <a:lstStyle/>
+          <a:p>
+            <a:pPr marL="0" marR="0" indent="0" algn="l" defTabSz="449263" rtl="0" eaLnBrk="1" fontAlgn="base" latinLnBrk="0" hangingPunct="1">
+              <a:lnSpc>
+                <a:spcPct val="100000"/>
+              </a:lnSpc>
+              <a:spcBef>
+                <a:spcPct val="0"/>
+              </a:spcBef>
+              <a:spcAft>
+                <a:spcPct val="0"/>
+              </a:spcAft>
+              <a:buClr>
+                <a:srgbClr val="000000"/>
+              </a:buClr>
+              <a:buSzPct val="100000"/>
+              <a:buFont typeface="Times New Roman" pitchFamily="16" charset="0"/>
+              <a:buNone/>
+              <a:tabLst/>
+            </a:pPr>
+            <a:endParaRPr kumimoji="0" lang="en-US" sz="1400" b="0" i="0" u="none" strike="noStrike" cap="none" normalizeH="0" baseline="0" smtClean="0">
+              <a:ln>
+                <a:noFill/>
+              </a:ln>
+              <a:solidFill>
+                <a:schemeClr val="bg1"/>
+              </a:solidFill>
+              <a:effectLst/>
+              <a:latin typeface="Arial" charset="0"/>
+              <a:cs typeface="DejaVu Sans" charset="0"/>
+            </a:endParaRPr>
+          </a:p>
+        </p:txBody>
+      </p:sp>
+      <p:sp>
+        <p:nvSpPr>
+          <p:cNvPr id="55" name="Isosceles Triangle 54"/>
+          <p:cNvSpPr/>
+          <p:nvPr/>
+        </p:nvSpPr>
+        <p:spPr bwMode="auto">
+          <a:xfrm rot="10800000">
+            <a:off x="7305034" y="4147048"/>
+            <a:ext cx="108011" cy="80924"/>
+          </a:xfrm>
+          <a:prstGeom prst="triangle">
+            <a:avLst/>
+          </a:prstGeom>
+          <a:solidFill>
+            <a:srgbClr val="99CCFF"/>
+          </a:solidFill>
+          <a:ln w="6350" cap="flat" cmpd="sng" algn="ctr">
+            <a:solidFill>
+              <a:schemeClr val="tx1"/>
+            </a:solidFill>
+            <a:prstDash val="solid"/>
+            <a:round/>
+            <a:headEnd type="none" w="med" len="med"/>
+            <a:tailEnd type="none" w="med" len="med"/>
+          </a:ln>
+          <a:effectLst/>
+        </p:spPr>
+        <p:txBody>
+          <a:bodyPr vert="horz" wrap="square" lIns="91440" tIns="45720" rIns="91440" bIns="45720" numCol="1" rtlCol="0" anchor="t" anchorCtr="0" compatLnSpc="1">
+            <a:prstTxWarp prst="textNoShape">
+              <a:avLst/>
+            </a:prstTxWarp>
+          </a:bodyPr>
+          <a:lstStyle/>
+          <a:p>
+            <a:pPr marL="0" marR="0" indent="0" algn="l" defTabSz="449263" rtl="0" eaLnBrk="1" fontAlgn="base" latinLnBrk="0" hangingPunct="1">
+              <a:lnSpc>
+                <a:spcPct val="100000"/>
+              </a:lnSpc>
+              <a:spcBef>
+                <a:spcPct val="0"/>
+              </a:spcBef>
+              <a:spcAft>
+                <a:spcPct val="0"/>
+              </a:spcAft>
+              <a:buClr>
+                <a:srgbClr val="000000"/>
+              </a:buClr>
+              <a:buSzPct val="100000"/>
+              <a:buFont typeface="Times New Roman" pitchFamily="16" charset="0"/>
+              <a:buNone/>
+              <a:tabLst/>
+            </a:pPr>
+            <a:endParaRPr kumimoji="0" lang="en-US" sz="1400" b="0" i="0" u="none" strike="noStrike" cap="none" normalizeH="0" baseline="0" smtClean="0">
+              <a:ln>
+                <a:noFill/>
+              </a:ln>
+              <a:solidFill>
+                <a:schemeClr val="bg1"/>
+              </a:solidFill>
+              <a:effectLst/>
+              <a:latin typeface="Arial" charset="0"/>
+              <a:cs typeface="DejaVu Sans" charset="0"/>
+            </a:endParaRPr>
+          </a:p>
+        </p:txBody>
+      </p:sp>
+      <p:sp>
+        <p:nvSpPr>
+          <p:cNvPr id="56" name="Isosceles Triangle 55"/>
+          <p:cNvSpPr/>
+          <p:nvPr/>
+        </p:nvSpPr>
+        <p:spPr bwMode="auto">
+          <a:xfrm rot="10800000">
+            <a:off x="7740353" y="4147048"/>
+            <a:ext cx="108011" cy="80924"/>
+          </a:xfrm>
+          <a:prstGeom prst="triangle">
+            <a:avLst/>
+          </a:prstGeom>
+          <a:solidFill>
+            <a:srgbClr val="99CCFF"/>
+          </a:solidFill>
+          <a:ln w="6350" cap="flat" cmpd="sng" algn="ctr">
+            <a:solidFill>
+              <a:schemeClr val="tx1"/>
+            </a:solidFill>
+            <a:prstDash val="solid"/>
+            <a:round/>
+            <a:headEnd type="none" w="med" len="med"/>
+            <a:tailEnd type="none" w="med" len="med"/>
+          </a:ln>
+          <a:effectLst/>
+        </p:spPr>
+        <p:txBody>
+          <a:bodyPr vert="horz" wrap="square" lIns="91440" tIns="45720" rIns="91440" bIns="45720" numCol="1" rtlCol="0" anchor="t" anchorCtr="0" compatLnSpc="1">
+            <a:prstTxWarp prst="textNoShape">
+              <a:avLst/>
+            </a:prstTxWarp>
+          </a:bodyPr>
+          <a:lstStyle/>
+          <a:p>
+            <a:pPr marL="0" marR="0" indent="0" algn="l" defTabSz="449263" rtl="0" eaLnBrk="1" fontAlgn="base" latinLnBrk="0" hangingPunct="1">
+              <a:lnSpc>
+                <a:spcPct val="100000"/>
+              </a:lnSpc>
+              <a:spcBef>
+                <a:spcPct val="0"/>
+              </a:spcBef>
+              <a:spcAft>
+                <a:spcPct val="0"/>
+              </a:spcAft>
+              <a:buClr>
+                <a:srgbClr val="000000"/>
+              </a:buClr>
+              <a:buSzPct val="100000"/>
+              <a:buFont typeface="Times New Roman" pitchFamily="16" charset="0"/>
+              <a:buNone/>
+              <a:tabLst/>
+            </a:pPr>
+            <a:endParaRPr kumimoji="0" lang="en-US" sz="1400" b="0" i="0" u="none" strike="noStrike" cap="none" normalizeH="0" baseline="0" smtClean="0">
+              <a:ln>
+                <a:noFill/>
+              </a:ln>
+              <a:solidFill>
+                <a:schemeClr val="bg1"/>
+              </a:solidFill>
+              <a:effectLst/>
+              <a:latin typeface="Arial" charset="0"/>
+              <a:cs typeface="DejaVu Sans" charset="0"/>
+            </a:endParaRPr>
+          </a:p>
+        </p:txBody>
+      </p:sp>
+      <p:sp>
+        <p:nvSpPr>
+          <p:cNvPr id="3" name="Rectangle 2"/>
+          <p:cNvSpPr/>
+          <p:nvPr/>
+        </p:nvSpPr>
+        <p:spPr>
+          <a:xfrm>
+            <a:off x="4427984" y="2389213"/>
+            <a:ext cx="3732212" cy="2263923"/>
+          </a:xfrm>
+          <a:prstGeom prst="rect">
+            <a:avLst/>
+          </a:prstGeom>
+          <a:noFill/>
+          <a:ln w="6350"/>
+        </p:spPr>
+        <p:style>
+          <a:lnRef idx="2">
+            <a:schemeClr val="accent1">
+              <a:shade val="50000"/>
+            </a:schemeClr>
+          </a:lnRef>
+          <a:fillRef idx="1">
+            <a:schemeClr val="accent1"/>
+          </a:fillRef>
+          <a:effectRef idx="0">
+            <a:schemeClr val="accent1"/>
+          </a:effectRef>
+          <a:fontRef idx="minor">
+            <a:schemeClr val="lt1"/>
+          </a:fontRef>
+        </p:style>
+        <p:txBody>
+          <a:bodyPr rtlCol="0" anchor="ctr"/>
+          <a:lstStyle/>
+          <a:p>
+            <a:pPr algn="ctr"/>
+            <a:endParaRPr lang="en-US"/>
+          </a:p>
+        </p:txBody>
+      </p:sp>
+      <p:sp>
+        <p:nvSpPr>
+          <p:cNvPr id="58" name="Text Box 43"/>
+          <p:cNvSpPr txBox="1">
+            <a:spLocks noChangeArrowheads="1"/>
+          </p:cNvSpPr>
+          <p:nvPr/>
+        </p:nvSpPr>
+        <p:spPr bwMode="auto">
+          <a:xfrm>
+            <a:off x="4581524" y="5013176"/>
+            <a:ext cx="3540125" cy="303212"/>
+          </a:xfrm>
+          <a:prstGeom prst="rect">
+            <a:avLst/>
+          </a:prstGeom>
+          <a:noFill/>
+          <a:ln>
+            <a:noFill/>
+          </a:ln>
+          <a:extLst>
+            <a:ext uri="{909E8E84-426E-40DD-AFC4-6F175D3DCCD1}">
+              <a14:hiddenFill xmlns:a14="http://schemas.microsoft.com/office/drawing/2010/main">
+                <a:solidFill>
+                  <a:srgbClr val="FFFFFF"/>
+                </a:solidFill>
+              </a14:hiddenFill>
+            </a:ext>
+            <a:ext uri="{91240B29-F687-4F45-9708-019B960494DF}">
+              <a14:hiddenLine xmlns:a14="http://schemas.microsoft.com/office/drawing/2010/main" w="9525">
+                <a:solidFill>
+                  <a:srgbClr val="000000"/>
+                </a:solidFill>
+                <a:round/>
+                <a:headEnd/>
+                <a:tailEnd/>
+              </a14:hiddenLine>
+            </a:ext>
+          </a:extLst>
+        </p:spPr>
+        <p:txBody>
+          <a:bodyPr wrap="none" lIns="90000" tIns="45000" rIns="90000" bIns="45000"/>
+          <a:lstStyle>
+            <a:lvl1pPr eaLnBrk="0" hangingPunct="0">
+              <a:tabLst>
+                <a:tab pos="0" algn="l"/>
+                <a:tab pos="447675" algn="l"/>
+                <a:tab pos="896938" algn="l"/>
+                <a:tab pos="1346200" algn="l"/>
+                <a:tab pos="1795463" algn="l"/>
+                <a:tab pos="2244725" algn="l"/>
+                <a:tab pos="2693988" algn="l"/>
+                <a:tab pos="3143250" algn="l"/>
+                <a:tab pos="3592513" algn="l"/>
+                <a:tab pos="4041775" algn="l"/>
+                <a:tab pos="4491038" algn="l"/>
+                <a:tab pos="4940300" algn="l"/>
+                <a:tab pos="5389563" algn="l"/>
+                <a:tab pos="5838825" algn="l"/>
+                <a:tab pos="6288088" algn="l"/>
+                <a:tab pos="6737350" algn="l"/>
+                <a:tab pos="7186613" algn="l"/>
+                <a:tab pos="7635875" algn="l"/>
+                <a:tab pos="8085138" algn="l"/>
+                <a:tab pos="8534400" algn="l"/>
+                <a:tab pos="8983663" algn="l"/>
+              </a:tabLst>
+              <a:defRPr sz="1400">
+                <a:solidFill>
+                  <a:schemeClr val="bg1"/>
+                </a:solidFill>
+                <a:latin typeface="Arial" charset="0"/>
+                <a:cs typeface="DejaVu Sans" charset="0"/>
+              </a:defRPr>
+            </a:lvl1pPr>
+            <a:lvl2pPr marL="742950" indent="-285750" eaLnBrk="0" hangingPunct="0">
+              <a:tabLst>
+                <a:tab pos="0" algn="l"/>
+                <a:tab pos="447675" algn="l"/>
+                <a:tab pos="896938" algn="l"/>
+                <a:tab pos="1346200" algn="l"/>
+                <a:tab pos="1795463" algn="l"/>
+                <a:tab pos="2244725" algn="l"/>
+                <a:tab pos="2693988" algn="l"/>
+                <a:tab pos="3143250" algn="l"/>
+                <a:tab pos="3592513" algn="l"/>
+                <a:tab pos="4041775" algn="l"/>
+                <a:tab pos="4491038" algn="l"/>
+                <a:tab pos="4940300" algn="l"/>
+                <a:tab pos="5389563" algn="l"/>
+                <a:tab pos="5838825" algn="l"/>
+                <a:tab pos="6288088" algn="l"/>
+                <a:tab pos="6737350" algn="l"/>
+                <a:tab pos="7186613" algn="l"/>
+                <a:tab pos="7635875" algn="l"/>
+                <a:tab pos="8085138" algn="l"/>
+                <a:tab pos="8534400" algn="l"/>
+                <a:tab pos="8983663" algn="l"/>
+              </a:tabLst>
+              <a:defRPr sz="1400">
+                <a:solidFill>
+                  <a:schemeClr val="bg1"/>
+                </a:solidFill>
+                <a:latin typeface="Arial" charset="0"/>
+                <a:cs typeface="DejaVu Sans" charset="0"/>
+              </a:defRPr>
+            </a:lvl2pPr>
+            <a:lvl3pPr eaLnBrk="0" hangingPunct="0">
+              <a:tabLst>
+                <a:tab pos="0" algn="l"/>
+                <a:tab pos="447675" algn="l"/>
+                <a:tab pos="896938" algn="l"/>
+                <a:tab pos="1346200" algn="l"/>
+                <a:tab pos="1795463" algn="l"/>
+                <a:tab pos="2244725" algn="l"/>
+                <a:tab pos="2693988" algn="l"/>
+                <a:tab pos="3143250" algn="l"/>
+                <a:tab pos="3592513" algn="l"/>
+                <a:tab pos="4041775" algn="l"/>
+                <a:tab pos="4491038" algn="l"/>
+                <a:tab pos="4940300" algn="l"/>
+                <a:tab pos="5389563" algn="l"/>
+                <a:tab pos="5838825" algn="l"/>
+                <a:tab pos="6288088" algn="l"/>
+                <a:tab pos="6737350" algn="l"/>
+                <a:tab pos="7186613" algn="l"/>
+                <a:tab pos="7635875" algn="l"/>
+                <a:tab pos="8085138" algn="l"/>
+                <a:tab pos="8534400" algn="l"/>
+                <a:tab pos="8983663" algn="l"/>
+              </a:tabLst>
+              <a:defRPr sz="1400">
+                <a:solidFill>
+                  <a:schemeClr val="bg1"/>
+                </a:solidFill>
+                <a:latin typeface="Arial" charset="0"/>
+                <a:cs typeface="DejaVu Sans" charset="0"/>
+              </a:defRPr>
+            </a:lvl3pPr>
+            <a:lvl4pPr eaLnBrk="0" hangingPunct="0">
+              <a:tabLst>
+                <a:tab pos="0" algn="l"/>
+                <a:tab pos="447675" algn="l"/>
+                <a:tab pos="896938" algn="l"/>
+                <a:tab pos="1346200" algn="l"/>
+                <a:tab pos="1795463" algn="l"/>
+                <a:tab pos="2244725" algn="l"/>
+                <a:tab pos="2693988" algn="l"/>
+                <a:tab pos="3143250" algn="l"/>
+                <a:tab pos="3592513" algn="l"/>
+                <a:tab pos="4041775" algn="l"/>
+                <a:tab pos="4491038" algn="l"/>
+                <a:tab pos="4940300" algn="l"/>
+                <a:tab pos="5389563" algn="l"/>
+                <a:tab pos="5838825" algn="l"/>
+                <a:tab pos="6288088" algn="l"/>
+                <a:tab pos="6737350" algn="l"/>
+                <a:tab pos="7186613" algn="l"/>
+                <a:tab pos="7635875" algn="l"/>
+                <a:tab pos="8085138" algn="l"/>
+                <a:tab pos="8534400" algn="l"/>
+                <a:tab pos="8983663" algn="l"/>
+              </a:tabLst>
+              <a:defRPr sz="1400">
+                <a:solidFill>
+                  <a:schemeClr val="bg1"/>
+                </a:solidFill>
+                <a:latin typeface="Arial" charset="0"/>
+                <a:cs typeface="DejaVu Sans" charset="0"/>
+              </a:defRPr>
+            </a:lvl4pPr>
+            <a:lvl5pPr eaLnBrk="0" hangingPunct="0">
+              <a:tabLst>
+                <a:tab pos="0" algn="l"/>
+                <a:tab pos="447675" algn="l"/>
+                <a:tab pos="896938" algn="l"/>
+                <a:tab pos="1346200" algn="l"/>
+                <a:tab pos="1795463" algn="l"/>
+                <a:tab pos="2244725" algn="l"/>
+                <a:tab pos="2693988" algn="l"/>
+                <a:tab pos="3143250" algn="l"/>
+                <a:tab pos="3592513" algn="l"/>
+                <a:tab pos="4041775" algn="l"/>
+                <a:tab pos="4491038" algn="l"/>
+                <a:tab pos="4940300" algn="l"/>
+                <a:tab pos="5389563" algn="l"/>
+                <a:tab pos="5838825" algn="l"/>
+                <a:tab pos="6288088" algn="l"/>
+                <a:tab pos="6737350" algn="l"/>
+                <a:tab pos="7186613" algn="l"/>
+                <a:tab pos="7635875" algn="l"/>
+                <a:tab pos="8085138" algn="l"/>
+                <a:tab pos="8534400" algn="l"/>
+                <a:tab pos="8983663" algn="l"/>
+              </a:tabLst>
+              <a:defRPr sz="1400">
+                <a:solidFill>
+                  <a:schemeClr val="bg1"/>
+                </a:solidFill>
+                <a:latin typeface="Arial" charset="0"/>
+                <a:cs typeface="DejaVu Sans" charset="0"/>
+              </a:defRPr>
+            </a:lvl5pPr>
+            <a:lvl6pPr marL="2514600" indent="-228600" defTabSz="449263" eaLnBrk="0" fontAlgn="base" hangingPunct="0">
+              <a:spcBef>
+                <a:spcPct val="0"/>
+              </a:spcBef>
+              <a:spcAft>
+                <a:spcPct val="0"/>
+              </a:spcAft>
+              <a:buClr>
+                <a:srgbClr val="000000"/>
+              </a:buClr>
+              <a:buSzPct val="100000"/>
+              <a:buFont typeface="Times New Roman" pitchFamily="16" charset="0"/>
+              <a:tabLst>
+                <a:tab pos="0" algn="l"/>
+                <a:tab pos="447675" algn="l"/>
+                <a:tab pos="896938" algn="l"/>
+                <a:tab pos="1346200" algn="l"/>
+                <a:tab pos="1795463" algn="l"/>
+                <a:tab pos="2244725" algn="l"/>
+                <a:tab pos="2693988" algn="l"/>
+                <a:tab pos="3143250" algn="l"/>
+                <a:tab pos="3592513" algn="l"/>
+                <a:tab pos="4041775" algn="l"/>
+                <a:tab pos="4491038" algn="l"/>
+                <a:tab pos="4940300" algn="l"/>
+                <a:tab pos="5389563" algn="l"/>
+                <a:tab pos="5838825" algn="l"/>
+                <a:tab pos="6288088" algn="l"/>
+                <a:tab pos="6737350" algn="l"/>
+                <a:tab pos="7186613" algn="l"/>
+                <a:tab pos="7635875" algn="l"/>
+                <a:tab pos="8085138" algn="l"/>
+                <a:tab pos="8534400" algn="l"/>
+                <a:tab pos="8983663" algn="l"/>
+              </a:tabLst>
+              <a:defRPr sz="1400">
+                <a:solidFill>
+                  <a:schemeClr val="bg1"/>
+                </a:solidFill>
+                <a:latin typeface="Arial" charset="0"/>
+                <a:cs typeface="DejaVu Sans" charset="0"/>
+              </a:defRPr>
+            </a:lvl6pPr>
+            <a:lvl7pPr marL="2971800" indent="-228600" defTabSz="449263" eaLnBrk="0" fontAlgn="base" hangingPunct="0">
+              <a:spcBef>
+                <a:spcPct val="0"/>
+              </a:spcBef>
+              <a:spcAft>
+                <a:spcPct val="0"/>
+              </a:spcAft>
+              <a:buClr>
+                <a:srgbClr val="000000"/>
+              </a:buClr>
+              <a:buSzPct val="100000"/>
+              <a:buFont typeface="Times New Roman" pitchFamily="16" charset="0"/>
+              <a:tabLst>
+                <a:tab pos="0" algn="l"/>
+                <a:tab pos="447675" algn="l"/>
+                <a:tab pos="896938" algn="l"/>
+                <a:tab pos="1346200" algn="l"/>
+                <a:tab pos="1795463" algn="l"/>
+                <a:tab pos="2244725" algn="l"/>
+                <a:tab pos="2693988" algn="l"/>
+                <a:tab pos="3143250" algn="l"/>
+                <a:tab pos="3592513" algn="l"/>
+                <a:tab pos="4041775" algn="l"/>
+                <a:tab pos="4491038" algn="l"/>
+                <a:tab pos="4940300" algn="l"/>
+                <a:tab pos="5389563" algn="l"/>
+                <a:tab pos="5838825" algn="l"/>
+                <a:tab pos="6288088" algn="l"/>
+                <a:tab pos="6737350" algn="l"/>
+                <a:tab pos="7186613" algn="l"/>
+                <a:tab pos="7635875" algn="l"/>
+                <a:tab pos="8085138" algn="l"/>
+                <a:tab pos="8534400" algn="l"/>
+                <a:tab pos="8983663" algn="l"/>
+              </a:tabLst>
+              <a:defRPr sz="1400">
+                <a:solidFill>
+                  <a:schemeClr val="bg1"/>
+                </a:solidFill>
+                <a:latin typeface="Arial" charset="0"/>
+                <a:cs typeface="DejaVu Sans" charset="0"/>
+              </a:defRPr>
+            </a:lvl7pPr>
+            <a:lvl8pPr marL="3429000" indent="-228600" defTabSz="449263" eaLnBrk="0" fontAlgn="base" hangingPunct="0">
+              <a:spcBef>
+                <a:spcPct val="0"/>
+              </a:spcBef>
+              <a:spcAft>
+                <a:spcPct val="0"/>
+              </a:spcAft>
+              <a:buClr>
+                <a:srgbClr val="000000"/>
+              </a:buClr>
+              <a:buSzPct val="100000"/>
+              <a:buFont typeface="Times New Roman" pitchFamily="16" charset="0"/>
+              <a:tabLst>
+                <a:tab pos="0" algn="l"/>
+                <a:tab pos="447675" algn="l"/>
+                <a:tab pos="896938" algn="l"/>
+                <a:tab pos="1346200" algn="l"/>
+                <a:tab pos="1795463" algn="l"/>
+                <a:tab pos="2244725" algn="l"/>
+                <a:tab pos="2693988" algn="l"/>
+                <a:tab pos="3143250" algn="l"/>
+                <a:tab pos="3592513" algn="l"/>
+                <a:tab pos="4041775" algn="l"/>
+                <a:tab pos="4491038" algn="l"/>
+                <a:tab pos="4940300" algn="l"/>
+                <a:tab pos="5389563" algn="l"/>
+                <a:tab pos="5838825" algn="l"/>
+                <a:tab pos="6288088" algn="l"/>
+                <a:tab pos="6737350" algn="l"/>
+                <a:tab pos="7186613" algn="l"/>
+                <a:tab pos="7635875" algn="l"/>
+                <a:tab pos="8085138" algn="l"/>
+                <a:tab pos="8534400" algn="l"/>
+                <a:tab pos="8983663" algn="l"/>
+              </a:tabLst>
+              <a:defRPr sz="1400">
+                <a:solidFill>
+                  <a:schemeClr val="bg1"/>
+                </a:solidFill>
+                <a:latin typeface="Arial" charset="0"/>
+                <a:cs typeface="DejaVu Sans" charset="0"/>
+              </a:defRPr>
+            </a:lvl8pPr>
+            <a:lvl9pPr marL="3886200" indent="-228600" defTabSz="449263" eaLnBrk="0" fontAlgn="base" hangingPunct="0">
+              <a:spcBef>
+                <a:spcPct val="0"/>
+              </a:spcBef>
+              <a:spcAft>
+                <a:spcPct val="0"/>
+              </a:spcAft>
+              <a:buClr>
+                <a:srgbClr val="000000"/>
+              </a:buClr>
+              <a:buSzPct val="100000"/>
+              <a:buFont typeface="Times New Roman" pitchFamily="16" charset="0"/>
+              <a:tabLst>
+                <a:tab pos="0" algn="l"/>
+                <a:tab pos="447675" algn="l"/>
+                <a:tab pos="896938" algn="l"/>
+                <a:tab pos="1346200" algn="l"/>
+                <a:tab pos="1795463" algn="l"/>
+                <a:tab pos="2244725" algn="l"/>
+                <a:tab pos="2693988" algn="l"/>
+                <a:tab pos="3143250" algn="l"/>
+                <a:tab pos="3592513" algn="l"/>
+                <a:tab pos="4041775" algn="l"/>
+                <a:tab pos="4491038" algn="l"/>
+                <a:tab pos="4940300" algn="l"/>
+                <a:tab pos="5389563" algn="l"/>
+                <a:tab pos="5838825" algn="l"/>
+                <a:tab pos="6288088" algn="l"/>
+                <a:tab pos="6737350" algn="l"/>
+                <a:tab pos="7186613" algn="l"/>
+                <a:tab pos="7635875" algn="l"/>
+                <a:tab pos="8085138" algn="l"/>
+                <a:tab pos="8534400" algn="l"/>
+                <a:tab pos="8983663" algn="l"/>
+              </a:tabLst>
+              <a:defRPr sz="1400">
+                <a:solidFill>
+                  <a:schemeClr val="bg1"/>
+                </a:solidFill>
+                <a:latin typeface="Arial" charset="0"/>
+                <a:cs typeface="DejaVu Sans" charset="0"/>
+              </a:defRPr>
+            </a:lvl9pPr>
+          </a:lstStyle>
+          <a:p>
+            <a:pPr eaLnBrk="1" hangingPunct="1"/>
+            <a:r>
+              <a:rPr lang="en-US">
+                <a:solidFill>
+                  <a:srgbClr val="000000"/>
+                </a:solidFill>
+              </a:rPr>
+              <a:t>7       6        5       4       3       2        1       0</a:t>
+            </a:r>
+          </a:p>
+        </p:txBody>
+      </p:sp>
+      <p:sp>
+        <p:nvSpPr>
+          <p:cNvPr id="60" name="Text Box 43"/>
+          <p:cNvSpPr txBox="1">
+            <a:spLocks noChangeArrowheads="1"/>
+          </p:cNvSpPr>
+          <p:nvPr/>
+        </p:nvSpPr>
+        <p:spPr bwMode="auto">
+          <a:xfrm>
+            <a:off x="4644008" y="2060848"/>
+            <a:ext cx="3540125" cy="303212"/>
+          </a:xfrm>
+          <a:prstGeom prst="rect">
+            <a:avLst/>
+          </a:prstGeom>
+          <a:noFill/>
+          <a:ln>
+            <a:noFill/>
+          </a:ln>
+          <a:extLst>
+            <a:ext uri="{909E8E84-426E-40DD-AFC4-6F175D3DCCD1}">
+              <a14:hiddenFill xmlns:a14="http://schemas.microsoft.com/office/drawing/2010/main">
+                <a:solidFill>
+                  <a:srgbClr val="FFFFFF"/>
+                </a:solidFill>
+              </a14:hiddenFill>
+            </a:ext>
+            <a:ext uri="{91240B29-F687-4F45-9708-019B960494DF}">
+              <a14:hiddenLine xmlns:a14="http://schemas.microsoft.com/office/drawing/2010/main" w="9525">
+                <a:solidFill>
+                  <a:srgbClr val="000000"/>
+                </a:solidFill>
+                <a:round/>
+                <a:headEnd/>
+                <a:tailEnd/>
+              </a14:hiddenLine>
+            </a:ext>
+          </a:extLst>
+        </p:spPr>
+        <p:txBody>
+          <a:bodyPr wrap="none" lIns="90000" tIns="45000" rIns="90000" bIns="45000"/>
+          <a:lstStyle>
+            <a:lvl1pPr eaLnBrk="0" hangingPunct="0">
+              <a:tabLst>
+                <a:tab pos="0" algn="l"/>
+                <a:tab pos="447675" algn="l"/>
+                <a:tab pos="896938" algn="l"/>
+                <a:tab pos="1346200" algn="l"/>
+                <a:tab pos="1795463" algn="l"/>
+                <a:tab pos="2244725" algn="l"/>
+                <a:tab pos="2693988" algn="l"/>
+                <a:tab pos="3143250" algn="l"/>
+                <a:tab pos="3592513" algn="l"/>
+                <a:tab pos="4041775" algn="l"/>
+                <a:tab pos="4491038" algn="l"/>
+                <a:tab pos="4940300" algn="l"/>
+                <a:tab pos="5389563" algn="l"/>
+                <a:tab pos="5838825" algn="l"/>
+                <a:tab pos="6288088" algn="l"/>
+                <a:tab pos="6737350" algn="l"/>
+                <a:tab pos="7186613" algn="l"/>
+                <a:tab pos="7635875" algn="l"/>
+                <a:tab pos="8085138" algn="l"/>
+                <a:tab pos="8534400" algn="l"/>
+                <a:tab pos="8983663" algn="l"/>
+              </a:tabLst>
+              <a:defRPr sz="1400">
+                <a:solidFill>
+                  <a:schemeClr val="bg1"/>
+                </a:solidFill>
+                <a:latin typeface="Arial" charset="0"/>
+                <a:cs typeface="DejaVu Sans" charset="0"/>
+              </a:defRPr>
+            </a:lvl1pPr>
+            <a:lvl2pPr marL="742950" indent="-285750" eaLnBrk="0" hangingPunct="0">
+              <a:tabLst>
+                <a:tab pos="0" algn="l"/>
+                <a:tab pos="447675" algn="l"/>
+                <a:tab pos="896938" algn="l"/>
+                <a:tab pos="1346200" algn="l"/>
+                <a:tab pos="1795463" algn="l"/>
+                <a:tab pos="2244725" algn="l"/>
+                <a:tab pos="2693988" algn="l"/>
+                <a:tab pos="3143250" algn="l"/>
+                <a:tab pos="3592513" algn="l"/>
+                <a:tab pos="4041775" algn="l"/>
+                <a:tab pos="4491038" algn="l"/>
+                <a:tab pos="4940300" algn="l"/>
+                <a:tab pos="5389563" algn="l"/>
+                <a:tab pos="5838825" algn="l"/>
+                <a:tab pos="6288088" algn="l"/>
+                <a:tab pos="6737350" algn="l"/>
+                <a:tab pos="7186613" algn="l"/>
+                <a:tab pos="7635875" algn="l"/>
+                <a:tab pos="8085138" algn="l"/>
+                <a:tab pos="8534400" algn="l"/>
+                <a:tab pos="8983663" algn="l"/>
+              </a:tabLst>
+              <a:defRPr sz="1400">
+                <a:solidFill>
+                  <a:schemeClr val="bg1"/>
+                </a:solidFill>
+                <a:latin typeface="Arial" charset="0"/>
+                <a:cs typeface="DejaVu Sans" charset="0"/>
+              </a:defRPr>
+            </a:lvl2pPr>
+            <a:lvl3pPr eaLnBrk="0" hangingPunct="0">
+              <a:tabLst>
+                <a:tab pos="0" algn="l"/>
+                <a:tab pos="447675" algn="l"/>
+                <a:tab pos="896938" algn="l"/>
+                <a:tab pos="1346200" algn="l"/>
+                <a:tab pos="1795463" algn="l"/>
+                <a:tab pos="2244725" algn="l"/>
+                <a:tab pos="2693988" algn="l"/>
+                <a:tab pos="3143250" algn="l"/>
+                <a:tab pos="3592513" algn="l"/>
+                <a:tab pos="4041775" algn="l"/>
+                <a:tab pos="4491038" algn="l"/>
+                <a:tab pos="4940300" algn="l"/>
+                <a:tab pos="5389563" algn="l"/>
+                <a:tab pos="5838825" algn="l"/>
+                <a:tab pos="6288088" algn="l"/>
+                <a:tab pos="6737350" algn="l"/>
+                <a:tab pos="7186613" algn="l"/>
+                <a:tab pos="7635875" algn="l"/>
+                <a:tab pos="8085138" algn="l"/>
+                <a:tab pos="8534400" algn="l"/>
+                <a:tab pos="8983663" algn="l"/>
+              </a:tabLst>
+              <a:defRPr sz="1400">
+                <a:solidFill>
+                  <a:schemeClr val="bg1"/>
+                </a:solidFill>
+                <a:latin typeface="Arial" charset="0"/>
+                <a:cs typeface="DejaVu Sans" charset="0"/>
+              </a:defRPr>
+            </a:lvl3pPr>
+            <a:lvl4pPr eaLnBrk="0" hangingPunct="0">
+              <a:tabLst>
+                <a:tab pos="0" algn="l"/>
+                <a:tab pos="447675" algn="l"/>
+                <a:tab pos="896938" algn="l"/>
+                <a:tab pos="1346200" algn="l"/>
+                <a:tab pos="1795463" algn="l"/>
+                <a:tab pos="2244725" algn="l"/>
+                <a:tab pos="2693988" algn="l"/>
+                <a:tab pos="3143250" algn="l"/>
+                <a:tab pos="3592513" algn="l"/>
+                <a:tab pos="4041775" algn="l"/>
+                <a:tab pos="4491038" algn="l"/>
+                <a:tab pos="4940300" algn="l"/>
+                <a:tab pos="5389563" algn="l"/>
+                <a:tab pos="5838825" algn="l"/>
+                <a:tab pos="6288088" algn="l"/>
+                <a:tab pos="6737350" algn="l"/>
+                <a:tab pos="7186613" algn="l"/>
+                <a:tab pos="7635875" algn="l"/>
+                <a:tab pos="8085138" algn="l"/>
+                <a:tab pos="8534400" algn="l"/>
+                <a:tab pos="8983663" algn="l"/>
+              </a:tabLst>
+              <a:defRPr sz="1400">
+                <a:solidFill>
+                  <a:schemeClr val="bg1"/>
+                </a:solidFill>
+                <a:latin typeface="Arial" charset="0"/>
+                <a:cs typeface="DejaVu Sans" charset="0"/>
+              </a:defRPr>
+            </a:lvl4pPr>
+            <a:lvl5pPr eaLnBrk="0" hangingPunct="0">
+              <a:tabLst>
+                <a:tab pos="0" algn="l"/>
+                <a:tab pos="447675" algn="l"/>
+                <a:tab pos="896938" algn="l"/>
+                <a:tab pos="1346200" algn="l"/>
+                <a:tab pos="1795463" algn="l"/>
+                <a:tab pos="2244725" algn="l"/>
+                <a:tab pos="2693988" algn="l"/>
+                <a:tab pos="3143250" algn="l"/>
+                <a:tab pos="3592513" algn="l"/>
+                <a:tab pos="4041775" algn="l"/>
+                <a:tab pos="4491038" algn="l"/>
+                <a:tab pos="4940300" algn="l"/>
+                <a:tab pos="5389563" algn="l"/>
+                <a:tab pos="5838825" algn="l"/>
+                <a:tab pos="6288088" algn="l"/>
+                <a:tab pos="6737350" algn="l"/>
+                <a:tab pos="7186613" algn="l"/>
+                <a:tab pos="7635875" algn="l"/>
+                <a:tab pos="8085138" algn="l"/>
+                <a:tab pos="8534400" algn="l"/>
+                <a:tab pos="8983663" algn="l"/>
+              </a:tabLst>
+              <a:defRPr sz="1400">
+                <a:solidFill>
+                  <a:schemeClr val="bg1"/>
+                </a:solidFill>
+                <a:latin typeface="Arial" charset="0"/>
+                <a:cs typeface="DejaVu Sans" charset="0"/>
+              </a:defRPr>
+            </a:lvl5pPr>
+            <a:lvl6pPr marL="2514600" indent="-228600" defTabSz="449263" eaLnBrk="0" fontAlgn="base" hangingPunct="0">
+              <a:spcBef>
+                <a:spcPct val="0"/>
+              </a:spcBef>
+              <a:spcAft>
+                <a:spcPct val="0"/>
+              </a:spcAft>
+              <a:buClr>
+                <a:srgbClr val="000000"/>
+              </a:buClr>
+              <a:buSzPct val="100000"/>
+              <a:buFont typeface="Times New Roman" pitchFamily="16" charset="0"/>
+              <a:tabLst>
+                <a:tab pos="0" algn="l"/>
+                <a:tab pos="447675" algn="l"/>
+                <a:tab pos="896938" algn="l"/>
+                <a:tab pos="1346200" algn="l"/>
+                <a:tab pos="1795463" algn="l"/>
+                <a:tab pos="2244725" algn="l"/>
+                <a:tab pos="2693988" algn="l"/>
+                <a:tab pos="3143250" algn="l"/>
+                <a:tab pos="3592513" algn="l"/>
+                <a:tab pos="4041775" algn="l"/>
+                <a:tab pos="4491038" algn="l"/>
+                <a:tab pos="4940300" algn="l"/>
+                <a:tab pos="5389563" algn="l"/>
+                <a:tab pos="5838825" algn="l"/>
+                <a:tab pos="6288088" algn="l"/>
+                <a:tab pos="6737350" algn="l"/>
+                <a:tab pos="7186613" algn="l"/>
+                <a:tab pos="7635875" algn="l"/>
+                <a:tab pos="8085138" algn="l"/>
+                <a:tab pos="8534400" algn="l"/>
+                <a:tab pos="8983663" algn="l"/>
+              </a:tabLst>
+              <a:defRPr sz="1400">
+                <a:solidFill>
+                  <a:schemeClr val="bg1"/>
+                </a:solidFill>
+                <a:latin typeface="Arial" charset="0"/>
+                <a:cs typeface="DejaVu Sans" charset="0"/>
+              </a:defRPr>
+            </a:lvl6pPr>
+            <a:lvl7pPr marL="2971800" indent="-228600" defTabSz="449263" eaLnBrk="0" fontAlgn="base" hangingPunct="0">
+              <a:spcBef>
+                <a:spcPct val="0"/>
+              </a:spcBef>
+              <a:spcAft>
+                <a:spcPct val="0"/>
+              </a:spcAft>
+              <a:buClr>
+                <a:srgbClr val="000000"/>
+              </a:buClr>
+              <a:buSzPct val="100000"/>
+              <a:buFont typeface="Times New Roman" pitchFamily="16" charset="0"/>
+              <a:tabLst>
+                <a:tab pos="0" algn="l"/>
+                <a:tab pos="447675" algn="l"/>
+                <a:tab pos="896938" algn="l"/>
+                <a:tab pos="1346200" algn="l"/>
+                <a:tab pos="1795463" algn="l"/>
+                <a:tab pos="2244725" algn="l"/>
+                <a:tab pos="2693988" algn="l"/>
+                <a:tab pos="3143250" algn="l"/>
+                <a:tab pos="3592513" algn="l"/>
+                <a:tab pos="4041775" algn="l"/>
+                <a:tab pos="4491038" algn="l"/>
+                <a:tab pos="4940300" algn="l"/>
+                <a:tab pos="5389563" algn="l"/>
+                <a:tab pos="5838825" algn="l"/>
+                <a:tab pos="6288088" algn="l"/>
+                <a:tab pos="6737350" algn="l"/>
+                <a:tab pos="7186613" algn="l"/>
+                <a:tab pos="7635875" algn="l"/>
+                <a:tab pos="8085138" algn="l"/>
+                <a:tab pos="8534400" algn="l"/>
+                <a:tab pos="8983663" algn="l"/>
+              </a:tabLst>
+              <a:defRPr sz="1400">
+                <a:solidFill>
+                  <a:schemeClr val="bg1"/>
+                </a:solidFill>
+                <a:latin typeface="Arial" charset="0"/>
+                <a:cs typeface="DejaVu Sans" charset="0"/>
+              </a:defRPr>
+            </a:lvl7pPr>
+            <a:lvl8pPr marL="3429000" indent="-228600" defTabSz="449263" eaLnBrk="0" fontAlgn="base" hangingPunct="0">
+              <a:spcBef>
+                <a:spcPct val="0"/>
+              </a:spcBef>
+              <a:spcAft>
+                <a:spcPct val="0"/>
+              </a:spcAft>
+              <a:buClr>
+                <a:srgbClr val="000000"/>
+              </a:buClr>
+              <a:buSzPct val="100000"/>
+              <a:buFont typeface="Times New Roman" pitchFamily="16" charset="0"/>
+              <a:tabLst>
+                <a:tab pos="0" algn="l"/>
+                <a:tab pos="447675" algn="l"/>
+                <a:tab pos="896938" algn="l"/>
+                <a:tab pos="1346200" algn="l"/>
+                <a:tab pos="1795463" algn="l"/>
+                <a:tab pos="2244725" algn="l"/>
+                <a:tab pos="2693988" algn="l"/>
+                <a:tab pos="3143250" algn="l"/>
+                <a:tab pos="3592513" algn="l"/>
+                <a:tab pos="4041775" algn="l"/>
+                <a:tab pos="4491038" algn="l"/>
+                <a:tab pos="4940300" algn="l"/>
+                <a:tab pos="5389563" algn="l"/>
+                <a:tab pos="5838825" algn="l"/>
+                <a:tab pos="6288088" algn="l"/>
+                <a:tab pos="6737350" algn="l"/>
+                <a:tab pos="7186613" algn="l"/>
+                <a:tab pos="7635875" algn="l"/>
+                <a:tab pos="8085138" algn="l"/>
+                <a:tab pos="8534400" algn="l"/>
+                <a:tab pos="8983663" algn="l"/>
+              </a:tabLst>
+              <a:defRPr sz="1400">
+                <a:solidFill>
+                  <a:schemeClr val="bg1"/>
+                </a:solidFill>
+                <a:latin typeface="Arial" charset="0"/>
+                <a:cs typeface="DejaVu Sans" charset="0"/>
+              </a:defRPr>
+            </a:lvl8pPr>
+            <a:lvl9pPr marL="3886200" indent="-228600" defTabSz="449263" eaLnBrk="0" fontAlgn="base" hangingPunct="0">
+              <a:spcBef>
+                <a:spcPct val="0"/>
+              </a:spcBef>
+              <a:spcAft>
+                <a:spcPct val="0"/>
+              </a:spcAft>
+              <a:buClr>
+                <a:srgbClr val="000000"/>
+              </a:buClr>
+              <a:buSzPct val="100000"/>
+              <a:buFont typeface="Times New Roman" pitchFamily="16" charset="0"/>
+              <a:tabLst>
+                <a:tab pos="0" algn="l"/>
+                <a:tab pos="447675" algn="l"/>
+                <a:tab pos="896938" algn="l"/>
+                <a:tab pos="1346200" algn="l"/>
+                <a:tab pos="1795463" algn="l"/>
+                <a:tab pos="2244725" algn="l"/>
+                <a:tab pos="2693988" algn="l"/>
+                <a:tab pos="3143250" algn="l"/>
+                <a:tab pos="3592513" algn="l"/>
+                <a:tab pos="4041775" algn="l"/>
+                <a:tab pos="4491038" algn="l"/>
+                <a:tab pos="4940300" algn="l"/>
+                <a:tab pos="5389563" algn="l"/>
+                <a:tab pos="5838825" algn="l"/>
+                <a:tab pos="6288088" algn="l"/>
+                <a:tab pos="6737350" algn="l"/>
+                <a:tab pos="7186613" algn="l"/>
+                <a:tab pos="7635875" algn="l"/>
+                <a:tab pos="8085138" algn="l"/>
+                <a:tab pos="8534400" algn="l"/>
+                <a:tab pos="8983663" algn="l"/>
+              </a:tabLst>
+              <a:defRPr sz="1400">
+                <a:solidFill>
+                  <a:schemeClr val="bg1"/>
+                </a:solidFill>
+                <a:latin typeface="Arial" charset="0"/>
+                <a:cs typeface="DejaVu Sans" charset="0"/>
+              </a:defRPr>
+            </a:lvl9pPr>
+          </a:lstStyle>
+          <a:p>
+            <a:pPr eaLnBrk="1" hangingPunct="1"/>
+            <a:r>
+              <a:rPr lang="en-US" sz="1100" b="1" dirty="0" smtClean="0">
+                <a:solidFill>
+                  <a:schemeClr val="tx1"/>
+                </a:solidFill>
+              </a:rPr>
+              <a:t>“1         1</a:t>
+            </a:r>
+            <a:r>
+              <a:rPr lang="en-US" sz="1100" b="1" dirty="0" smtClean="0">
+                <a:solidFill>
+                  <a:schemeClr val="tx2"/>
+                </a:solidFill>
+              </a:rPr>
+              <a:t>          0          1         </a:t>
+            </a:r>
+            <a:r>
+              <a:rPr lang="en-US" sz="1100" b="1" dirty="0" smtClean="0">
+                <a:solidFill>
+                  <a:srgbClr val="00B050"/>
+                </a:solidFill>
+              </a:rPr>
+              <a:t> 0         0</a:t>
+            </a:r>
+            <a:r>
+              <a:rPr lang="en-US" sz="1100" b="1" dirty="0" smtClean="0">
+                <a:solidFill>
+                  <a:schemeClr val="tx2"/>
+                </a:solidFill>
+              </a:rPr>
+              <a:t>          </a:t>
+            </a:r>
+            <a:r>
+              <a:rPr lang="en-US" sz="1100" b="1" dirty="0" smtClean="0">
+                <a:solidFill>
+                  <a:srgbClr val="C00000"/>
+                </a:solidFill>
+              </a:rPr>
+              <a:t> 1          0”</a:t>
+            </a:r>
+            <a:endParaRPr lang="en-US" sz="1100" b="1" dirty="0">
+              <a:solidFill>
+                <a:srgbClr val="C00000"/>
+              </a:solidFill>
+            </a:endParaRPr>
+          </a:p>
+        </p:txBody>
+      </p:sp>
+      <p:sp>
+        <p:nvSpPr>
+          <p:cNvPr id="61" name="Text Box 43"/>
+          <p:cNvSpPr txBox="1">
+            <a:spLocks noChangeArrowheads="1"/>
+          </p:cNvSpPr>
+          <p:nvPr/>
+        </p:nvSpPr>
+        <p:spPr bwMode="auto">
+          <a:xfrm>
+            <a:off x="4632275" y="4644998"/>
+            <a:ext cx="3540125" cy="303212"/>
+          </a:xfrm>
+          <a:prstGeom prst="rect">
+            <a:avLst/>
+          </a:prstGeom>
+          <a:noFill/>
+          <a:ln>
+            <a:noFill/>
+          </a:ln>
+          <a:extLst>
+            <a:ext uri="{909E8E84-426E-40DD-AFC4-6F175D3DCCD1}">
+              <a14:hiddenFill xmlns:a14="http://schemas.microsoft.com/office/drawing/2010/main">
+                <a:solidFill>
+                  <a:srgbClr val="FFFFFF"/>
+                </a:solidFill>
+              </a14:hiddenFill>
+            </a:ext>
+            <a:ext uri="{91240B29-F687-4F45-9708-019B960494DF}">
+              <a14:hiddenLine xmlns:a14="http://schemas.microsoft.com/office/drawing/2010/main" w="9525">
+                <a:solidFill>
+                  <a:srgbClr val="000000"/>
+                </a:solidFill>
+                <a:round/>
+                <a:headEnd/>
+                <a:tailEnd/>
+              </a14:hiddenLine>
+            </a:ext>
+          </a:extLst>
+        </p:spPr>
+        <p:txBody>
+          <a:bodyPr wrap="none" lIns="90000" tIns="45000" rIns="90000" bIns="45000"/>
+          <a:lstStyle>
+            <a:lvl1pPr eaLnBrk="0" hangingPunct="0">
+              <a:tabLst>
+                <a:tab pos="0" algn="l"/>
+                <a:tab pos="447675" algn="l"/>
+                <a:tab pos="896938" algn="l"/>
+                <a:tab pos="1346200" algn="l"/>
+                <a:tab pos="1795463" algn="l"/>
+                <a:tab pos="2244725" algn="l"/>
+                <a:tab pos="2693988" algn="l"/>
+                <a:tab pos="3143250" algn="l"/>
+                <a:tab pos="3592513" algn="l"/>
+                <a:tab pos="4041775" algn="l"/>
+                <a:tab pos="4491038" algn="l"/>
+                <a:tab pos="4940300" algn="l"/>
+                <a:tab pos="5389563" algn="l"/>
+                <a:tab pos="5838825" algn="l"/>
+                <a:tab pos="6288088" algn="l"/>
+                <a:tab pos="6737350" algn="l"/>
+                <a:tab pos="7186613" algn="l"/>
+                <a:tab pos="7635875" algn="l"/>
+                <a:tab pos="8085138" algn="l"/>
+                <a:tab pos="8534400" algn="l"/>
+                <a:tab pos="8983663" algn="l"/>
+              </a:tabLst>
+              <a:defRPr sz="1400">
+                <a:solidFill>
+                  <a:schemeClr val="bg1"/>
+                </a:solidFill>
+                <a:latin typeface="Arial" charset="0"/>
+                <a:cs typeface="DejaVu Sans" charset="0"/>
+              </a:defRPr>
+            </a:lvl1pPr>
+            <a:lvl2pPr marL="742950" indent="-285750" eaLnBrk="0" hangingPunct="0">
+              <a:tabLst>
+                <a:tab pos="0" algn="l"/>
+                <a:tab pos="447675" algn="l"/>
+                <a:tab pos="896938" algn="l"/>
+                <a:tab pos="1346200" algn="l"/>
+                <a:tab pos="1795463" algn="l"/>
+                <a:tab pos="2244725" algn="l"/>
+                <a:tab pos="2693988" algn="l"/>
+                <a:tab pos="3143250" algn="l"/>
+                <a:tab pos="3592513" algn="l"/>
+                <a:tab pos="4041775" algn="l"/>
+                <a:tab pos="4491038" algn="l"/>
+                <a:tab pos="4940300" algn="l"/>
+                <a:tab pos="5389563" algn="l"/>
+                <a:tab pos="5838825" algn="l"/>
+                <a:tab pos="6288088" algn="l"/>
+                <a:tab pos="6737350" algn="l"/>
+                <a:tab pos="7186613" algn="l"/>
+                <a:tab pos="7635875" algn="l"/>
+                <a:tab pos="8085138" algn="l"/>
+                <a:tab pos="8534400" algn="l"/>
+                <a:tab pos="8983663" algn="l"/>
+              </a:tabLst>
+              <a:defRPr sz="1400">
+                <a:solidFill>
+                  <a:schemeClr val="bg1"/>
+                </a:solidFill>
+                <a:latin typeface="Arial" charset="0"/>
+                <a:cs typeface="DejaVu Sans" charset="0"/>
+              </a:defRPr>
+            </a:lvl2pPr>
+            <a:lvl3pPr eaLnBrk="0" hangingPunct="0">
+              <a:tabLst>
+                <a:tab pos="0" algn="l"/>
+                <a:tab pos="447675" algn="l"/>
+                <a:tab pos="896938" algn="l"/>
+                <a:tab pos="1346200" algn="l"/>
+                <a:tab pos="1795463" algn="l"/>
+                <a:tab pos="2244725" algn="l"/>
+                <a:tab pos="2693988" algn="l"/>
+                <a:tab pos="3143250" algn="l"/>
+                <a:tab pos="3592513" algn="l"/>
+                <a:tab pos="4041775" algn="l"/>
+                <a:tab pos="4491038" algn="l"/>
+                <a:tab pos="4940300" algn="l"/>
+                <a:tab pos="5389563" algn="l"/>
+                <a:tab pos="5838825" algn="l"/>
+                <a:tab pos="6288088" algn="l"/>
+                <a:tab pos="6737350" algn="l"/>
+                <a:tab pos="7186613" algn="l"/>
+                <a:tab pos="7635875" algn="l"/>
+                <a:tab pos="8085138" algn="l"/>
+                <a:tab pos="8534400" algn="l"/>
+                <a:tab pos="8983663" algn="l"/>
+              </a:tabLst>
+              <a:defRPr sz="1400">
+                <a:solidFill>
+                  <a:schemeClr val="bg1"/>
+                </a:solidFill>
+                <a:latin typeface="Arial" charset="0"/>
+                <a:cs typeface="DejaVu Sans" charset="0"/>
+              </a:defRPr>
+            </a:lvl3pPr>
+            <a:lvl4pPr eaLnBrk="0" hangingPunct="0">
+              <a:tabLst>
+                <a:tab pos="0" algn="l"/>
+                <a:tab pos="447675" algn="l"/>
+                <a:tab pos="896938" algn="l"/>
+                <a:tab pos="1346200" algn="l"/>
+                <a:tab pos="1795463" algn="l"/>
+                <a:tab pos="2244725" algn="l"/>
+                <a:tab pos="2693988" algn="l"/>
+                <a:tab pos="3143250" algn="l"/>
+                <a:tab pos="3592513" algn="l"/>
+                <a:tab pos="4041775" algn="l"/>
+                <a:tab pos="4491038" algn="l"/>
+                <a:tab pos="4940300" algn="l"/>
+                <a:tab pos="5389563" algn="l"/>
+                <a:tab pos="5838825" algn="l"/>
+                <a:tab pos="6288088" algn="l"/>
+                <a:tab pos="6737350" algn="l"/>
+                <a:tab pos="7186613" algn="l"/>
+                <a:tab pos="7635875" algn="l"/>
+                <a:tab pos="8085138" algn="l"/>
+                <a:tab pos="8534400" algn="l"/>
+                <a:tab pos="8983663" algn="l"/>
+              </a:tabLst>
+              <a:defRPr sz="1400">
+                <a:solidFill>
+                  <a:schemeClr val="bg1"/>
+                </a:solidFill>
+                <a:latin typeface="Arial" charset="0"/>
+                <a:cs typeface="DejaVu Sans" charset="0"/>
+              </a:defRPr>
+            </a:lvl4pPr>
+            <a:lvl5pPr eaLnBrk="0" hangingPunct="0">
+              <a:tabLst>
+                <a:tab pos="0" algn="l"/>
+                <a:tab pos="447675" algn="l"/>
+                <a:tab pos="896938" algn="l"/>
+                <a:tab pos="1346200" algn="l"/>
+                <a:tab pos="1795463" algn="l"/>
+                <a:tab pos="2244725" algn="l"/>
+                <a:tab pos="2693988" algn="l"/>
+                <a:tab pos="3143250" algn="l"/>
+                <a:tab pos="3592513" algn="l"/>
+                <a:tab pos="4041775" algn="l"/>
+                <a:tab pos="4491038" algn="l"/>
+                <a:tab pos="4940300" algn="l"/>
+                <a:tab pos="5389563" algn="l"/>
+                <a:tab pos="5838825" algn="l"/>
+                <a:tab pos="6288088" algn="l"/>
+                <a:tab pos="6737350" algn="l"/>
+                <a:tab pos="7186613" algn="l"/>
+                <a:tab pos="7635875" algn="l"/>
+                <a:tab pos="8085138" algn="l"/>
+                <a:tab pos="8534400" algn="l"/>
+                <a:tab pos="8983663" algn="l"/>
+              </a:tabLst>
+              <a:defRPr sz="1400">
+                <a:solidFill>
+                  <a:schemeClr val="bg1"/>
+                </a:solidFill>
+                <a:latin typeface="Arial" charset="0"/>
+                <a:cs typeface="DejaVu Sans" charset="0"/>
+              </a:defRPr>
+            </a:lvl5pPr>
+            <a:lvl6pPr marL="2514600" indent="-228600" defTabSz="449263" eaLnBrk="0" fontAlgn="base" hangingPunct="0">
+              <a:spcBef>
+                <a:spcPct val="0"/>
+              </a:spcBef>
+              <a:spcAft>
+                <a:spcPct val="0"/>
+              </a:spcAft>
+              <a:buClr>
+                <a:srgbClr val="000000"/>
+              </a:buClr>
+              <a:buSzPct val="100000"/>
+              <a:buFont typeface="Times New Roman" pitchFamily="16" charset="0"/>
+              <a:tabLst>
+                <a:tab pos="0" algn="l"/>
+                <a:tab pos="447675" algn="l"/>
+                <a:tab pos="896938" algn="l"/>
+                <a:tab pos="1346200" algn="l"/>
+                <a:tab pos="1795463" algn="l"/>
+                <a:tab pos="2244725" algn="l"/>
+                <a:tab pos="2693988" algn="l"/>
+                <a:tab pos="3143250" algn="l"/>
+                <a:tab pos="3592513" algn="l"/>
+                <a:tab pos="4041775" algn="l"/>
+                <a:tab pos="4491038" algn="l"/>
+                <a:tab pos="4940300" algn="l"/>
+                <a:tab pos="5389563" algn="l"/>
+                <a:tab pos="5838825" algn="l"/>
+                <a:tab pos="6288088" algn="l"/>
+                <a:tab pos="6737350" algn="l"/>
+                <a:tab pos="7186613" algn="l"/>
+                <a:tab pos="7635875" algn="l"/>
+                <a:tab pos="8085138" algn="l"/>
+                <a:tab pos="8534400" algn="l"/>
+                <a:tab pos="8983663" algn="l"/>
+              </a:tabLst>
+              <a:defRPr sz="1400">
+                <a:solidFill>
+                  <a:schemeClr val="bg1"/>
+                </a:solidFill>
+                <a:latin typeface="Arial" charset="0"/>
+                <a:cs typeface="DejaVu Sans" charset="0"/>
+              </a:defRPr>
+            </a:lvl6pPr>
+            <a:lvl7pPr marL="2971800" indent="-228600" defTabSz="449263" eaLnBrk="0" fontAlgn="base" hangingPunct="0">
+              <a:spcBef>
+                <a:spcPct val="0"/>
+              </a:spcBef>
+              <a:spcAft>
+                <a:spcPct val="0"/>
+              </a:spcAft>
+              <a:buClr>
+                <a:srgbClr val="000000"/>
+              </a:buClr>
+              <a:buSzPct val="100000"/>
+              <a:buFont typeface="Times New Roman" pitchFamily="16" charset="0"/>
+              <a:tabLst>
+                <a:tab pos="0" algn="l"/>
+                <a:tab pos="447675" algn="l"/>
+                <a:tab pos="896938" algn="l"/>
+                <a:tab pos="1346200" algn="l"/>
+                <a:tab pos="1795463" algn="l"/>
+                <a:tab pos="2244725" algn="l"/>
+                <a:tab pos="2693988" algn="l"/>
+                <a:tab pos="3143250" algn="l"/>
+                <a:tab pos="3592513" algn="l"/>
+                <a:tab pos="4041775" algn="l"/>
+                <a:tab pos="4491038" algn="l"/>
+                <a:tab pos="4940300" algn="l"/>
+                <a:tab pos="5389563" algn="l"/>
+                <a:tab pos="5838825" algn="l"/>
+                <a:tab pos="6288088" algn="l"/>
+                <a:tab pos="6737350" algn="l"/>
+                <a:tab pos="7186613" algn="l"/>
+                <a:tab pos="7635875" algn="l"/>
+                <a:tab pos="8085138" algn="l"/>
+                <a:tab pos="8534400" algn="l"/>
+                <a:tab pos="8983663" algn="l"/>
+              </a:tabLst>
+              <a:defRPr sz="1400">
+                <a:solidFill>
+                  <a:schemeClr val="bg1"/>
+                </a:solidFill>
+                <a:latin typeface="Arial" charset="0"/>
+                <a:cs typeface="DejaVu Sans" charset="0"/>
+              </a:defRPr>
+            </a:lvl7pPr>
+            <a:lvl8pPr marL="3429000" indent="-228600" defTabSz="449263" eaLnBrk="0" fontAlgn="base" hangingPunct="0">
+              <a:spcBef>
+                <a:spcPct val="0"/>
+              </a:spcBef>
+              <a:spcAft>
+                <a:spcPct val="0"/>
+              </a:spcAft>
+              <a:buClr>
+                <a:srgbClr val="000000"/>
+              </a:buClr>
+              <a:buSzPct val="100000"/>
+              <a:buFont typeface="Times New Roman" pitchFamily="16" charset="0"/>
+              <a:tabLst>
+                <a:tab pos="0" algn="l"/>
+                <a:tab pos="447675" algn="l"/>
+                <a:tab pos="896938" algn="l"/>
+                <a:tab pos="1346200" algn="l"/>
+                <a:tab pos="1795463" algn="l"/>
+                <a:tab pos="2244725" algn="l"/>
+                <a:tab pos="2693988" algn="l"/>
+                <a:tab pos="3143250" algn="l"/>
+                <a:tab pos="3592513" algn="l"/>
+                <a:tab pos="4041775" algn="l"/>
+                <a:tab pos="4491038" algn="l"/>
+                <a:tab pos="4940300" algn="l"/>
+                <a:tab pos="5389563" algn="l"/>
+                <a:tab pos="5838825" algn="l"/>
+                <a:tab pos="6288088" algn="l"/>
+                <a:tab pos="6737350" algn="l"/>
+                <a:tab pos="7186613" algn="l"/>
+                <a:tab pos="7635875" algn="l"/>
+                <a:tab pos="8085138" algn="l"/>
+                <a:tab pos="8534400" algn="l"/>
+                <a:tab pos="8983663" algn="l"/>
+              </a:tabLst>
+              <a:defRPr sz="1400">
+                <a:solidFill>
+                  <a:schemeClr val="bg1"/>
+                </a:solidFill>
+                <a:latin typeface="Arial" charset="0"/>
+                <a:cs typeface="DejaVu Sans" charset="0"/>
+              </a:defRPr>
+            </a:lvl8pPr>
+            <a:lvl9pPr marL="3886200" indent="-228600" defTabSz="449263" eaLnBrk="0" fontAlgn="base" hangingPunct="0">
+              <a:spcBef>
+                <a:spcPct val="0"/>
+              </a:spcBef>
+              <a:spcAft>
+                <a:spcPct val="0"/>
+              </a:spcAft>
+              <a:buClr>
+                <a:srgbClr val="000000"/>
+              </a:buClr>
+              <a:buSzPct val="100000"/>
+              <a:buFont typeface="Times New Roman" pitchFamily="16" charset="0"/>
+              <a:tabLst>
+                <a:tab pos="0" algn="l"/>
+                <a:tab pos="447675" algn="l"/>
+                <a:tab pos="896938" algn="l"/>
+                <a:tab pos="1346200" algn="l"/>
+                <a:tab pos="1795463" algn="l"/>
+                <a:tab pos="2244725" algn="l"/>
+                <a:tab pos="2693988" algn="l"/>
+                <a:tab pos="3143250" algn="l"/>
+                <a:tab pos="3592513" algn="l"/>
+                <a:tab pos="4041775" algn="l"/>
+                <a:tab pos="4491038" algn="l"/>
+                <a:tab pos="4940300" algn="l"/>
+                <a:tab pos="5389563" algn="l"/>
+                <a:tab pos="5838825" algn="l"/>
+                <a:tab pos="6288088" algn="l"/>
+                <a:tab pos="6737350" algn="l"/>
+                <a:tab pos="7186613" algn="l"/>
+                <a:tab pos="7635875" algn="l"/>
+                <a:tab pos="8085138" algn="l"/>
+                <a:tab pos="8534400" algn="l"/>
+                <a:tab pos="8983663" algn="l"/>
+              </a:tabLst>
+              <a:defRPr sz="1400">
+                <a:solidFill>
+                  <a:schemeClr val="bg1"/>
+                </a:solidFill>
+                <a:latin typeface="Arial" charset="0"/>
+                <a:cs typeface="DejaVu Sans" charset="0"/>
+              </a:defRPr>
+            </a:lvl9pPr>
+          </a:lstStyle>
+          <a:p>
+            <a:pPr eaLnBrk="1" hangingPunct="1"/>
+            <a:r>
+              <a:rPr lang="en-US" sz="1100" b="1" dirty="0" smtClean="0">
+                <a:solidFill>
+                  <a:srgbClr val="C00000"/>
+                </a:solidFill>
+              </a:rPr>
+              <a:t>“0         1</a:t>
+            </a:r>
+            <a:r>
+              <a:rPr lang="en-US" sz="1100" b="1" dirty="0" smtClean="0">
+                <a:solidFill>
+                  <a:schemeClr val="tx2"/>
+                </a:solidFill>
+              </a:rPr>
+              <a:t>          </a:t>
+            </a:r>
+            <a:r>
+              <a:rPr lang="en-US" sz="1100" b="1" dirty="0" smtClean="0">
+                <a:solidFill>
+                  <a:srgbClr val="00B050"/>
+                </a:solidFill>
+              </a:rPr>
+              <a:t>0          0</a:t>
+            </a:r>
+            <a:r>
+              <a:rPr lang="en-US" sz="1100" b="1" dirty="0" smtClean="0">
+                <a:solidFill>
+                  <a:schemeClr val="tx2"/>
+                </a:solidFill>
+              </a:rPr>
+              <a:t>          1         0           </a:t>
+            </a:r>
+            <a:r>
+              <a:rPr lang="en-US" sz="1100" b="1" dirty="0" smtClean="0">
+                <a:solidFill>
+                  <a:schemeClr val="tx1"/>
+                </a:solidFill>
+              </a:rPr>
+              <a:t>1          1”</a:t>
+            </a:r>
+            <a:endParaRPr lang="en-US" sz="1100" b="1" dirty="0">
+              <a:solidFill>
+                <a:schemeClr val="tx1"/>
+              </a:solidFill>
+            </a:endParaRPr>
+          </a:p>
+        </p:txBody>
+      </p:sp>
+    </p:spTree>
+    <p:extLst>
+      <p:ext uri="{BB962C8B-B14F-4D97-AF65-F5344CB8AC3E}">
+        <p14:creationId xmlns:p14="http://schemas.microsoft.com/office/powerpoint/2010/main" val="1881050871"/>
+      </p:ext>
+    </p:extLst>
+  </p:cSld>
+  <p:clrMapOvr>
+    <a:masterClrMapping/>
+  </p:clrMapOvr>
+  <p:transition>
+    <p:diamond/>
+  </p:transition>
+  <p:timing>
+    <p:tnLst>
+      <p:par>
+        <p:cTn id="1" dur="indefinite" nodeType="tmRoot">
+          <p:childTnLst>
+            <p:seq concurrent="1" nextAc="seek">
+              <p:cTn id="2" dur="indefinite" nodeType="mainSeq"/>
+              <p:prevCondLst>
+                <p:cond evt="onPrev" delay="0">
+                  <p:tgtEl>
+                    <p:sldTgt/>
+                  </p:tgtEl>
+                </p:cond>
+              </p:prevCondLst>
+              <p:nextCondLst>
+                <p:cond evt="onNext" delay="0">
+                  <p:tgtEl>
+                    <p:sldTgt/>
+                  </p:tgtEl>
+                </p:cond>
+              </p:nextCondLst>
+            </p:seq>
+          </p:childTnLst>
+        </p:cTn>
+      </p:par>
+    </p:tnLst>
+  </p:timing>
+</p:sld>
+</file>
+
 <file path=ppt/theme/theme1.xml><?xml version="1.0" encoding="utf-8"?>
 <a:theme xmlns:a="http://schemas.openxmlformats.org/drawingml/2006/main" name="Office-teema">
   <a:themeElements>
@@ -4540,4 +11240,289 @@
   <a:objectDefaults/>
   <a:extraClrSchemeLst/>
 </a:theme>
+</file>
+
+<file path=ppt/theme/theme2.xml><?xml version="1.0" encoding="utf-8"?>
+<a:theme xmlns:a="http://schemas.openxmlformats.org/drawingml/2006/main" name="Office Theme">
+  <a:themeElements>
+    <a:clrScheme name="Office">
+      <a:dk1>
+        <a:sysClr val="windowText" lastClr="000000"/>
+      </a:dk1>
+      <a:lt1>
+        <a:sysClr val="window" lastClr="FFFFFF"/>
+      </a:lt1>
+      <a:dk2>
+        <a:srgbClr val="1F497D"/>
+      </a:dk2>
+      <a:lt2>
+        <a:srgbClr val="EEECE1"/>
+      </a:lt2>
+      <a:accent1>
+        <a:srgbClr val="4F81BD"/>
+      </a:accent1>
+      <a:accent2>
+        <a:srgbClr val="C0504D"/>
+      </a:accent2>
+      <a:accent3>
+        <a:srgbClr val="9BBB59"/>
+      </a:accent3>
+      <a:accent4>
+        <a:srgbClr val="8064A2"/>
+      </a:accent4>
+      <a:accent5>
+        <a:srgbClr val="4BACC6"/>
+      </a:accent5>
+      <a:accent6>
+        <a:srgbClr val="F79646"/>
+      </a:accent6>
+      <a:hlink>
+        <a:srgbClr val="0000FF"/>
+      </a:hlink>
+      <a:folHlink>
+        <a:srgbClr val="800080"/>
+      </a:folHlink>
+    </a:clrScheme>
+    <a:fontScheme name="Office">
+      <a:majorFont>
+        <a:latin typeface="Calibri"/>
+        <a:ea typeface=""/>
+        <a:cs typeface=""/>
+        <a:font script="Jpan" typeface="ＭＳ Ｐゴシック"/>
+        <a:font script="Hang" typeface="맑은 고딕"/>
+        <a:font script="Hans" typeface="宋体"/>
+        <a:font script="Hant" typeface="新細明體"/>
+        <a:font script="Arab" typeface="Times New Roman"/>
+        <a:font script="Hebr" typeface="Times New Roman"/>
+        <a:font script="Thai" typeface="Angsana New"/>
+        <a:font script="Ethi" typeface="Nyala"/>
+        <a:font script="Beng" typeface="Vrinda"/>
+        <a:font script="Gujr" typeface="Shruti"/>
+        <a:font script="Khmr" typeface="MoolBoran"/>
+        <a:font script="Knda" typeface="Tunga"/>
+        <a:font script="Guru" typeface="Raavi"/>
+        <a:font script="Cans" typeface="Euphemia"/>
+        <a:font script="Cher" typeface="Plantagenet Cherokee"/>
+        <a:font script="Yiii" typeface="Microsoft Yi Baiti"/>
+        <a:font script="Tibt" typeface="Microsoft Himalaya"/>
+        <a:font script="Thaa" typeface="MV Boli"/>
+        <a:font script="Deva" typeface="Mangal"/>
+        <a:font script="Telu" typeface="Gautami"/>
+        <a:font script="Taml" typeface="Latha"/>
+        <a:font script="Syrc" typeface="Estrangelo Edessa"/>
+        <a:font script="Orya" typeface="Kalinga"/>
+        <a:font script="Mlym" typeface="Kartika"/>
+        <a:font script="Laoo" typeface="DokChampa"/>
+        <a:font script="Sinh" typeface="Iskoola Pota"/>
+        <a:font script="Mong" typeface="Mongolian Baiti"/>
+        <a:font script="Viet" typeface="Times New Roman"/>
+        <a:font script="Uigh" typeface="Microsoft Uighur"/>
+        <a:font script="Geor" typeface="Sylfaen"/>
+      </a:majorFont>
+      <a:minorFont>
+        <a:latin typeface="Calibri"/>
+        <a:ea typeface=""/>
+        <a:cs typeface=""/>
+        <a:font script="Jpan" typeface="ＭＳ Ｐゴシック"/>
+        <a:font script="Hang" typeface="맑은 고딕"/>
+        <a:font script="Hans" typeface="宋体"/>
+        <a:font script="Hant" typeface="新細明體"/>
+        <a:font script="Arab" typeface="Arial"/>
+        <a:font script="Hebr" typeface="Arial"/>
+        <a:font script="Thai" typeface="Cordia New"/>
+        <a:font script="Ethi" typeface="Nyala"/>
+        <a:font script="Beng" typeface="Vrinda"/>
+        <a:font script="Gujr" typeface="Shruti"/>
+        <a:font script="Khmr" typeface="DaunPenh"/>
+        <a:font script="Knda" typeface="Tunga"/>
+        <a:font script="Guru" typeface="Raavi"/>
+        <a:font script="Cans" typeface="Euphemia"/>
+        <a:font script="Cher" typeface="Plantagenet Cherokee"/>
+        <a:font script="Yiii" typeface="Microsoft Yi Baiti"/>
+        <a:font script="Tibt" typeface="Microsoft Himalaya"/>
+        <a:font script="Thaa" typeface="MV Boli"/>
+        <a:font script="Deva" typeface="Mangal"/>
+        <a:font script="Telu" typeface="Gautami"/>
+        <a:font script="Taml" typeface="Latha"/>
+        <a:font script="Syrc" typeface="Estrangelo Edessa"/>
+        <a:font script="Orya" typeface="Kalinga"/>
+        <a:font script="Mlym" typeface="Kartika"/>
+        <a:font script="Laoo" typeface="DokChampa"/>
+        <a:font script="Sinh" typeface="Iskoola Pota"/>
+        <a:font script="Mong" typeface="Mongolian Baiti"/>
+        <a:font script="Viet" typeface="Arial"/>
+        <a:font script="Uigh" typeface="Microsoft Uighur"/>
+        <a:font script="Geor" typeface="Sylfaen"/>
+      </a:minorFont>
+    </a:fontScheme>
+    <a:fmtScheme name="Office">
+      <a:fillStyleLst>
+        <a:solidFill>
+          <a:schemeClr val="phClr"/>
+        </a:solidFill>
+        <a:gradFill rotWithShape="1">
+          <a:gsLst>
+            <a:gs pos="0">
+              <a:schemeClr val="phClr">
+                <a:tint val="50000"/>
+                <a:satMod val="300000"/>
+              </a:schemeClr>
+            </a:gs>
+            <a:gs pos="35000">
+              <a:schemeClr val="phClr">
+                <a:tint val="37000"/>
+                <a:satMod val="300000"/>
+              </a:schemeClr>
+            </a:gs>
+            <a:gs pos="100000">
+              <a:schemeClr val="phClr">
+                <a:tint val="15000"/>
+                <a:satMod val="350000"/>
+              </a:schemeClr>
+            </a:gs>
+          </a:gsLst>
+          <a:lin ang="16200000" scaled="1"/>
+        </a:gradFill>
+        <a:gradFill rotWithShape="1">
+          <a:gsLst>
+            <a:gs pos="0">
+              <a:schemeClr val="phClr">
+                <a:shade val="51000"/>
+                <a:satMod val="130000"/>
+              </a:schemeClr>
+            </a:gs>
+            <a:gs pos="80000">
+              <a:schemeClr val="phClr">
+                <a:shade val="93000"/>
+                <a:satMod val="130000"/>
+              </a:schemeClr>
+            </a:gs>
+            <a:gs pos="100000">
+              <a:schemeClr val="phClr">
+                <a:shade val="94000"/>
+                <a:satMod val="135000"/>
+              </a:schemeClr>
+            </a:gs>
+          </a:gsLst>
+          <a:lin ang="16200000" scaled="0"/>
+        </a:gradFill>
+      </a:fillStyleLst>
+      <a:lnStyleLst>
+        <a:ln w="9525" cap="flat" cmpd="sng" algn="ctr">
+          <a:solidFill>
+            <a:schemeClr val="phClr">
+              <a:shade val="95000"/>
+              <a:satMod val="105000"/>
+            </a:schemeClr>
+          </a:solidFill>
+          <a:prstDash val="solid"/>
+        </a:ln>
+        <a:ln w="25400" cap="flat" cmpd="sng" algn="ctr">
+          <a:solidFill>
+            <a:schemeClr val="phClr"/>
+          </a:solidFill>
+          <a:prstDash val="solid"/>
+        </a:ln>
+        <a:ln w="38100" cap="flat" cmpd="sng" algn="ctr">
+          <a:solidFill>
+            <a:schemeClr val="phClr"/>
+          </a:solidFill>
+          <a:prstDash val="solid"/>
+        </a:ln>
+      </a:lnStyleLst>
+      <a:effectStyleLst>
+        <a:effectStyle>
+          <a:effectLst>
+            <a:outerShdw blurRad="40000" dist="20000" dir="5400000" rotWithShape="0">
+              <a:srgbClr val="000000">
+                <a:alpha val="38000"/>
+              </a:srgbClr>
+            </a:outerShdw>
+          </a:effectLst>
+        </a:effectStyle>
+        <a:effectStyle>
+          <a:effectLst>
+            <a:outerShdw blurRad="40000" dist="23000" dir="5400000" rotWithShape="0">
+              <a:srgbClr val="000000">
+                <a:alpha val="35000"/>
+              </a:srgbClr>
+            </a:outerShdw>
+          </a:effectLst>
+        </a:effectStyle>
+        <a:effectStyle>
+          <a:effectLst>
+            <a:outerShdw blurRad="40000" dist="23000" dir="5400000" rotWithShape="0">
+              <a:srgbClr val="000000">
+                <a:alpha val="35000"/>
+              </a:srgbClr>
+            </a:outerShdw>
+          </a:effectLst>
+          <a:scene3d>
+            <a:camera prst="orthographicFront">
+              <a:rot lat="0" lon="0" rev="0"/>
+            </a:camera>
+            <a:lightRig rig="threePt" dir="t">
+              <a:rot lat="0" lon="0" rev="1200000"/>
+            </a:lightRig>
+          </a:scene3d>
+          <a:sp3d>
+            <a:bevelT w="63500" h="25400"/>
+          </a:sp3d>
+        </a:effectStyle>
+      </a:effectStyleLst>
+      <a:bgFillStyleLst>
+        <a:solidFill>
+          <a:schemeClr val="phClr"/>
+        </a:solidFill>
+        <a:gradFill rotWithShape="1">
+          <a:gsLst>
+            <a:gs pos="0">
+              <a:schemeClr val="phClr">
+                <a:tint val="40000"/>
+                <a:satMod val="350000"/>
+              </a:schemeClr>
+            </a:gs>
+            <a:gs pos="40000">
+              <a:schemeClr val="phClr">
+                <a:tint val="45000"/>
+                <a:shade val="99000"/>
+                <a:satMod val="350000"/>
+              </a:schemeClr>
+            </a:gs>
+            <a:gs pos="100000">
+              <a:schemeClr val="phClr">
+                <a:shade val="20000"/>
+                <a:satMod val="255000"/>
+              </a:schemeClr>
+            </a:gs>
+          </a:gsLst>
+          <a:path path="circle">
+            <a:fillToRect l="50000" t="-80000" r="50000" b="180000"/>
+          </a:path>
+        </a:gradFill>
+        <a:gradFill rotWithShape="1">
+          <a:gsLst>
+            <a:gs pos="0">
+              <a:schemeClr val="phClr">
+                <a:tint val="80000"/>
+                <a:satMod val="300000"/>
+              </a:schemeClr>
+            </a:gs>
+            <a:gs pos="100000">
+              <a:schemeClr val="phClr">
+                <a:shade val="30000"/>
+                <a:satMod val="200000"/>
+              </a:schemeClr>
+            </a:gs>
+          </a:gsLst>
+          <a:path path="circle">
+            <a:fillToRect l="50000" t="50000" r="50000" b="50000"/>
+          </a:path>
+        </a:gradFill>
+      </a:bgFillStyleLst>
+    </a:fmtScheme>
+  </a:themeElements>
+  <a:objectDefaults/>
+  <a:extraClrSchemeLst/>
+</a:theme>
 </file>